--- a/doc/Detail(WIP).pptx
+++ b/doc/Detail(WIP).pptx
@@ -6228,6 +6228,58 @@
       </p:grpSpPr>
       <p:sp>
         <p:nvSpPr>
+          <p:cNvPr id="3" name="직사각형 2">
+            <a:extLst>
+              <a:ext uri="{FF2B5EF4-FFF2-40B4-BE49-F238E27FC236}">
+                <a16:creationId xmlns:a16="http://schemas.microsoft.com/office/drawing/2014/main" id="{47888B8B-7F50-8B48-5119-DFC8D8229FDB}"/>
+              </a:ext>
+            </a:extLst>
+          </p:cNvPr>
+          <p:cNvSpPr/>
+          <p:nvPr/>
+        </p:nvSpPr>
+        <p:spPr>
+          <a:xfrm>
+            <a:off x="2191109" y="1164566"/>
+            <a:ext cx="8095066" cy="5598172"/>
+          </a:xfrm>
+          <a:prstGeom prst="rect">
+            <a:avLst/>
+          </a:prstGeom>
+          <a:solidFill>
+            <a:schemeClr val="bg1"/>
+          </a:solidFill>
+          <a:ln>
+            <a:noFill/>
+          </a:ln>
+        </p:spPr>
+        <p:style>
+          <a:lnRef idx="2">
+            <a:schemeClr val="accent1">
+              <a:shade val="50000"/>
+            </a:schemeClr>
+          </a:lnRef>
+          <a:fillRef idx="1">
+            <a:schemeClr val="accent1"/>
+          </a:fillRef>
+          <a:effectRef idx="0">
+            <a:schemeClr val="accent1"/>
+          </a:effectRef>
+          <a:fontRef idx="minor">
+            <a:schemeClr val="lt1"/>
+          </a:fontRef>
+        </p:style>
+        <p:txBody>
+          <a:bodyPr rtlCol="0" anchor="ctr"/>
+          <a:lstStyle/>
+          <a:p>
+            <a:pPr algn="ctr"/>
+            <a:endParaRPr lang="ko-KR" altLang="en-US"/>
+          </a:p>
+        </p:txBody>
+      </p:sp>
+      <p:sp>
+        <p:nvSpPr>
           <p:cNvPr id="4" name="슬라이드 번호 개체 틀 3">
             <a:extLst>
               <a:ext uri="{FF2B5EF4-FFF2-40B4-BE49-F238E27FC236}">
@@ -6694,12 +6746,18 @@
         </p:blipFill>
         <p:spPr>
           <a:xfrm>
-            <a:off x="61339" y="1633380"/>
+            <a:off x="2237907" y="1187404"/>
             <a:ext cx="8001469" cy="4297532"/>
           </a:xfrm>
           <a:prstGeom prst="rect">
             <a:avLst/>
           </a:prstGeom>
+          <a:solidFill>
+            <a:schemeClr val="bg1"/>
+          </a:solidFill>
+          <a:ln>
+            <a:noFill/>
+          </a:ln>
         </p:spPr>
       </p:pic>
       <p:graphicFrame>
@@ -6717,14 +6775,14 @@
           <p:nvPr>
             <p:extLst>
               <p:ext uri="{D42A27DB-BD31-4B8C-83A1-F6EECF244321}">
-                <p14:modId xmlns:p14="http://schemas.microsoft.com/office/powerpoint/2010/main" val="2607313854"/>
+                <p14:modId xmlns:p14="http://schemas.microsoft.com/office/powerpoint/2010/main" val="2477492936"/>
               </p:ext>
             </p:extLst>
           </p:nvPr>
         </p:nvGraphicFramePr>
         <p:xfrm>
-          <a:off x="7102432" y="3990987"/>
-          <a:ext cx="4759368" cy="1854200"/>
+          <a:off x="4428243" y="5574477"/>
+          <a:ext cx="3855522" cy="1081345"/>
         </p:xfrm>
         <a:graphic>
           <a:graphicData uri="http://schemas.openxmlformats.org/drawingml/2006/table">
@@ -6733,14 +6791,14 @@
                 <a:tableStyleId>{5C22544A-7EE6-4342-B048-85BDC9FD1C3A}</a:tableStyleId>
               </a:tblPr>
               <a:tblGrid>
-                <a:gridCol w="1167551">
+                <a:gridCol w="945823">
                   <a:extLst>
                     <a:ext uri="{9D8B030D-6E8A-4147-A177-3AD203B41FA5}">
                       <a16:colId xmlns:a16="http://schemas.microsoft.com/office/drawing/2014/main" val="4110705810"/>
                     </a:ext>
                   </a:extLst>
                 </a:gridCol>
-                <a:gridCol w="3591817">
+                <a:gridCol w="2909699">
                   <a:extLst>
                     <a:ext uri="{9D8B030D-6E8A-4147-A177-3AD203B41FA5}">
                       <a16:colId xmlns:a16="http://schemas.microsoft.com/office/drawing/2014/main" val="2241285053"/>
@@ -6748,7 +6806,7 @@
                   </a:extLst>
                 </a:gridCol>
               </a:tblGrid>
-              <a:tr h="370840">
+              <a:tr h="216269">
                 <a:tc>
                   <a:txBody>
                     <a:bodyPr/>
@@ -6756,7 +6814,7 @@
                     <a:p>
                       <a:pPr algn="ctr" latinLnBrk="1"/>
                       <a:r>
-                        <a:rPr lang="en-US" altLang="ko-KR" sz="1400" dirty="0">
+                        <a:rPr lang="en-US" altLang="ko-KR" sz="1100" dirty="0">
                           <a:solidFill>
                             <a:srgbClr val="1A1D21"/>
                           </a:solidFill>
@@ -6765,7 +6823,7 @@
                         </a:rPr>
                         <a:t> Actor</a:t>
                       </a:r>
-                      <a:endParaRPr lang="ko-KR" altLang="en-US" sz="1400" dirty="0">
+                      <a:endParaRPr lang="ko-KR" altLang="en-US" sz="1100" dirty="0">
                         <a:solidFill>
                           <a:srgbClr val="1A1D21"/>
                         </a:solidFill>
@@ -6833,7 +6891,7 @@
                     <a:p>
                       <a:pPr algn="ctr" latinLnBrk="1"/>
                       <a:r>
-                        <a:rPr lang="en-US" altLang="ko-KR" sz="1400" dirty="0">
+                        <a:rPr lang="en-US" altLang="ko-KR" sz="1100" dirty="0">
                           <a:solidFill>
                             <a:srgbClr val="1A1D21"/>
                           </a:solidFill>
@@ -6842,7 +6900,7 @@
                         </a:rPr>
                         <a:t>Description</a:t>
                       </a:r>
-                      <a:endParaRPr lang="ko-KR" altLang="en-US" sz="1400" dirty="0">
+                      <a:endParaRPr lang="ko-KR" altLang="en-US" sz="1100" dirty="0">
                         <a:solidFill>
                           <a:srgbClr val="1A1D21"/>
                         </a:solidFill>
@@ -6909,7 +6967,7 @@
                   </a:ext>
                 </a:extLst>
               </a:tr>
-              <a:tr h="370840">
+              <a:tr h="216269">
                 <a:tc>
                   <a:txBody>
                     <a:bodyPr/>
@@ -6917,7 +6975,7 @@
                     <a:p>
                       <a:pPr algn="ctr" latinLnBrk="1"/>
                       <a:r>
-                        <a:rPr lang="en-US" altLang="ko-KR" sz="1400" b="1" dirty="0">
+                        <a:rPr lang="en-US" altLang="ko-KR" sz="1100" b="1" dirty="0">
                           <a:solidFill>
                             <a:srgbClr val="1A1D21"/>
                           </a:solidFill>
@@ -6926,7 +6984,7 @@
                         </a:rPr>
                         <a:t>User</a:t>
                       </a:r>
-                      <a:endParaRPr lang="ko-KR" altLang="en-US" sz="1400" b="1" dirty="0">
+                      <a:endParaRPr lang="ko-KR" altLang="en-US" sz="1100" b="1" dirty="0">
                         <a:solidFill>
                           <a:srgbClr val="1A1D21"/>
                         </a:solidFill>
@@ -6994,7 +7052,7 @@
                     <a:p>
                       <a:pPr algn="ctr" latinLnBrk="1"/>
                       <a:r>
-                        <a:rPr lang="ko-KR" altLang="en-US" sz="1400" b="1" dirty="0">
+                        <a:rPr lang="ko-KR" altLang="en-US" sz="1100" b="1" dirty="0">
                           <a:solidFill>
                             <a:srgbClr val="1A1D21"/>
                           </a:solidFill>
@@ -7063,7 +7121,7 @@
                   </a:ext>
                 </a:extLst>
               </a:tr>
-              <a:tr h="370840">
+              <a:tr h="216269">
                 <a:tc>
                   <a:txBody>
                     <a:bodyPr/>
@@ -7071,7 +7129,7 @@
                     <a:p>
                       <a:pPr algn="ctr" latinLnBrk="1"/>
                       <a:r>
-                        <a:rPr lang="en-US" altLang="ko-KR" sz="1400" b="1" dirty="0">
+                        <a:rPr lang="en-US" altLang="ko-KR" sz="1100" b="1" dirty="0">
                           <a:solidFill>
                             <a:srgbClr val="1A1D21"/>
                           </a:solidFill>
@@ -7080,7 +7138,7 @@
                         </a:rPr>
                         <a:t>Admin</a:t>
                       </a:r>
-                      <a:endParaRPr lang="ko-KR" altLang="en-US" sz="1400" b="1" dirty="0">
+                      <a:endParaRPr lang="ko-KR" altLang="en-US" sz="1100" b="1" dirty="0">
                         <a:solidFill>
                           <a:srgbClr val="1A1D21"/>
                         </a:solidFill>
@@ -7148,7 +7206,7 @@
                     <a:p>
                       <a:pPr algn="ctr" latinLnBrk="1"/>
                       <a:r>
-                        <a:rPr lang="ko-KR" altLang="en-US" sz="1400" b="1" dirty="0">
+                        <a:rPr lang="ko-KR" altLang="en-US" sz="1100" b="1" dirty="0">
                           <a:solidFill>
                             <a:srgbClr val="1A1D21"/>
                           </a:solidFill>
@@ -7158,7 +7216,7 @@
                         <a:t>노드 등록</a:t>
                       </a:r>
                       <a:r>
-                        <a:rPr lang="en-US" altLang="ko-KR" sz="1400" b="1" dirty="0">
+                        <a:rPr lang="en-US" altLang="ko-KR" sz="1100" b="1" dirty="0">
                           <a:solidFill>
                             <a:srgbClr val="1A1D21"/>
                           </a:solidFill>
@@ -7168,7 +7226,7 @@
                         <a:t>, </a:t>
                       </a:r>
                       <a:r>
-                        <a:rPr lang="ko-KR" altLang="en-US" sz="1400" b="1" dirty="0">
+                        <a:rPr lang="ko-KR" altLang="en-US" sz="1100" b="1" dirty="0">
                           <a:solidFill>
                             <a:srgbClr val="1A1D21"/>
                           </a:solidFill>
@@ -7237,7 +7295,7 @@
                   </a:ext>
                 </a:extLst>
               </a:tr>
-              <a:tr h="370840">
+              <a:tr h="216269">
                 <a:tc>
                   <a:txBody>
                     <a:bodyPr/>
@@ -7245,7 +7303,7 @@
                     <a:p>
                       <a:pPr algn="ctr" latinLnBrk="1"/>
                       <a:r>
-                        <a:rPr lang="en-US" altLang="ko-KR" sz="1400" b="1" dirty="0">
+                        <a:rPr lang="en-US" altLang="ko-KR" sz="1100" b="1" dirty="0">
                           <a:solidFill>
                             <a:srgbClr val="1A1D21"/>
                           </a:solidFill>
@@ -7254,7 +7312,7 @@
                         </a:rPr>
                         <a:t>Cracker</a:t>
                       </a:r>
-                      <a:endParaRPr lang="ko-KR" altLang="en-US" sz="1400" b="1" dirty="0">
+                      <a:endParaRPr lang="ko-KR" altLang="en-US" sz="1100" b="1" dirty="0">
                         <a:solidFill>
                           <a:srgbClr val="1A1D21"/>
                         </a:solidFill>
@@ -7322,7 +7380,7 @@
                     <a:p>
                       <a:pPr algn="ctr" latinLnBrk="1"/>
                       <a:r>
-                        <a:rPr lang="ko-KR" altLang="en-US" sz="1400" b="1" dirty="0">
+                        <a:rPr lang="ko-KR" altLang="en-US" sz="1100" b="1" dirty="0">
                           <a:solidFill>
                             <a:srgbClr val="1A1D21"/>
                           </a:solidFill>
@@ -7332,7 +7390,7 @@
                         <a:t>블록 해시 값 조작</a:t>
                       </a:r>
                       <a:r>
-                        <a:rPr lang="en-US" altLang="ko-KR" sz="1400" b="1" dirty="0">
+                        <a:rPr lang="en-US" altLang="ko-KR" sz="1100" b="1" dirty="0">
                           <a:solidFill>
                             <a:srgbClr val="1A1D21"/>
                           </a:solidFill>
@@ -7342,7 +7400,7 @@
                         <a:t>, </a:t>
                       </a:r>
                       <a:r>
-                        <a:rPr lang="en-US" altLang="ko-KR" sz="1400" b="1" dirty="0" err="1">
+                        <a:rPr lang="en-US" altLang="ko-KR" sz="1100" b="1" dirty="0" err="1">
                           <a:solidFill>
                             <a:srgbClr val="1A1D21"/>
                           </a:solidFill>
@@ -7352,7 +7410,7 @@
                         <a:t>Unconsistency</a:t>
                       </a:r>
                       <a:r>
-                        <a:rPr lang="ko-KR" altLang="en-US" sz="1400" b="1" dirty="0">
+                        <a:rPr lang="ko-KR" altLang="en-US" sz="1100" b="1" dirty="0">
                           <a:solidFill>
                             <a:srgbClr val="1A1D21"/>
                           </a:solidFill>
@@ -7421,7 +7479,7 @@
                   </a:ext>
                 </a:extLst>
               </a:tr>
-              <a:tr h="370840">
+              <a:tr h="216269">
                 <a:tc>
                   <a:txBody>
                     <a:bodyPr/>
@@ -7429,7 +7487,7 @@
                     <a:p>
                       <a:pPr algn="ctr" latinLnBrk="1"/>
                       <a:r>
-                        <a:rPr lang="en-US" altLang="ko-KR" sz="1400" b="1" dirty="0">
+                        <a:rPr lang="en-US" altLang="ko-KR" sz="1100" b="1" dirty="0">
                           <a:solidFill>
                             <a:srgbClr val="1A1D21"/>
                           </a:solidFill>
@@ -7438,7 +7496,7 @@
                         </a:rPr>
                         <a:t>DHT 11</a:t>
                       </a:r>
-                      <a:endParaRPr lang="ko-KR" altLang="en-US" sz="1400" b="1" dirty="0">
+                      <a:endParaRPr lang="ko-KR" altLang="en-US" sz="1100" b="1" dirty="0">
                         <a:solidFill>
                           <a:srgbClr val="1A1D21"/>
                         </a:solidFill>
@@ -7506,7 +7564,7 @@
                     <a:p>
                       <a:pPr algn="ctr" latinLnBrk="1"/>
                       <a:r>
-                        <a:rPr lang="ko-KR" altLang="en-US" sz="1400" b="1" dirty="0">
+                        <a:rPr lang="ko-KR" altLang="en-US" sz="1100" b="1" dirty="0">
                           <a:solidFill>
                             <a:srgbClr val="1A1D21"/>
                           </a:solidFill>
@@ -7796,244 +7854,12 @@
           </a:prstGeom>
         </p:spPr>
       </p:pic>
-      <p:sp>
-        <p:nvSpPr>
-          <p:cNvPr id="1062" name="사각형: 둥근 모서리 1061">
-            <a:extLst>
-              <a:ext uri="{FF2B5EF4-FFF2-40B4-BE49-F238E27FC236}">
-                <a16:creationId xmlns:a16="http://schemas.microsoft.com/office/drawing/2014/main" id="{E4F78CC8-3DCB-8AC4-2730-2C7553B4A922}"/>
-              </a:ext>
-            </a:extLst>
-          </p:cNvPr>
-          <p:cNvSpPr/>
-          <p:nvPr/>
-        </p:nvSpPr>
-        <p:spPr>
-          <a:xfrm>
-            <a:off x="2744297" y="5569224"/>
-            <a:ext cx="1000606" cy="1054316"/>
-          </a:xfrm>
-          <a:prstGeom prst="roundRect">
-            <a:avLst>
-              <a:gd name="adj" fmla="val 12904"/>
-            </a:avLst>
-          </a:prstGeom>
-          <a:solidFill>
-            <a:schemeClr val="bg1">
-              <a:lumMod val="95000"/>
-            </a:schemeClr>
-          </a:solidFill>
-          <a:ln w="38100">
-            <a:solidFill>
-              <a:schemeClr val="tx1"/>
-            </a:solidFill>
-          </a:ln>
-        </p:spPr>
-        <p:style>
-          <a:lnRef idx="2">
-            <a:schemeClr val="accent1">
-              <a:shade val="50000"/>
-            </a:schemeClr>
-          </a:lnRef>
-          <a:fillRef idx="1">
-            <a:schemeClr val="accent1"/>
-          </a:fillRef>
-          <a:effectRef idx="0">
-            <a:schemeClr val="accent1"/>
-          </a:effectRef>
-          <a:fontRef idx="minor">
-            <a:schemeClr val="lt1"/>
-          </a:fontRef>
-        </p:style>
-        <p:txBody>
-          <a:bodyPr rtlCol="0" anchor="ctr"/>
-          <a:lstStyle/>
-          <a:p>
-            <a:pPr algn="ctr"/>
-            <a:endParaRPr lang="ko-KR" altLang="en-US"/>
-          </a:p>
-        </p:txBody>
-      </p:sp>
-      <p:sp>
-        <p:nvSpPr>
-          <p:cNvPr id="1061" name="사각형: 둥근 모서리 1060">
-            <a:extLst>
-              <a:ext uri="{FF2B5EF4-FFF2-40B4-BE49-F238E27FC236}">
-                <a16:creationId xmlns:a16="http://schemas.microsoft.com/office/drawing/2014/main" id="{AD3965D0-BEA4-84AE-60DC-DAD28363A858}"/>
-              </a:ext>
-            </a:extLst>
-          </p:cNvPr>
-          <p:cNvSpPr/>
-          <p:nvPr/>
-        </p:nvSpPr>
-        <p:spPr>
-          <a:xfrm>
-            <a:off x="1716656" y="4483610"/>
-            <a:ext cx="1000606" cy="1054316"/>
-          </a:xfrm>
-          <a:prstGeom prst="roundRect">
-            <a:avLst>
-              <a:gd name="adj" fmla="val 12904"/>
-            </a:avLst>
-          </a:prstGeom>
-          <a:solidFill>
-            <a:schemeClr val="bg1">
-              <a:lumMod val="95000"/>
-            </a:schemeClr>
-          </a:solidFill>
-          <a:ln w="38100">
-            <a:solidFill>
-              <a:schemeClr val="tx1"/>
-            </a:solidFill>
-          </a:ln>
-        </p:spPr>
-        <p:style>
-          <a:lnRef idx="2">
-            <a:schemeClr val="accent1">
-              <a:shade val="50000"/>
-            </a:schemeClr>
-          </a:lnRef>
-          <a:fillRef idx="1">
-            <a:schemeClr val="accent1"/>
-          </a:fillRef>
-          <a:effectRef idx="0">
-            <a:schemeClr val="accent1"/>
-          </a:effectRef>
-          <a:fontRef idx="minor">
-            <a:schemeClr val="lt1"/>
-          </a:fontRef>
-        </p:style>
-        <p:txBody>
-          <a:bodyPr rtlCol="0" anchor="ctr"/>
-          <a:lstStyle/>
-          <a:p>
-            <a:pPr algn="ctr"/>
-            <a:endParaRPr lang="ko-KR" altLang="en-US"/>
-          </a:p>
-        </p:txBody>
-      </p:sp>
-      <p:sp>
-        <p:nvSpPr>
-          <p:cNvPr id="1060" name="사각형: 둥근 모서리 1059">
-            <a:extLst>
-              <a:ext uri="{FF2B5EF4-FFF2-40B4-BE49-F238E27FC236}">
-                <a16:creationId xmlns:a16="http://schemas.microsoft.com/office/drawing/2014/main" id="{062A9254-C580-CA81-C156-61CF7C3E982D}"/>
-              </a:ext>
-            </a:extLst>
-          </p:cNvPr>
-          <p:cNvSpPr/>
-          <p:nvPr/>
-        </p:nvSpPr>
-        <p:spPr>
-          <a:xfrm>
-            <a:off x="1716656" y="3265695"/>
-            <a:ext cx="1000606" cy="1054316"/>
-          </a:xfrm>
-          <a:prstGeom prst="roundRect">
-            <a:avLst>
-              <a:gd name="adj" fmla="val 12904"/>
-            </a:avLst>
-          </a:prstGeom>
-          <a:solidFill>
-            <a:schemeClr val="bg1">
-              <a:lumMod val="95000"/>
-            </a:schemeClr>
-          </a:solidFill>
-          <a:ln w="38100">
-            <a:solidFill>
-              <a:schemeClr val="tx1"/>
-            </a:solidFill>
-          </a:ln>
-        </p:spPr>
-        <p:style>
-          <a:lnRef idx="2">
-            <a:schemeClr val="accent1">
-              <a:shade val="50000"/>
-            </a:schemeClr>
-          </a:lnRef>
-          <a:fillRef idx="1">
-            <a:schemeClr val="accent1"/>
-          </a:fillRef>
-          <a:effectRef idx="0">
-            <a:schemeClr val="accent1"/>
-          </a:effectRef>
-          <a:fontRef idx="minor">
-            <a:schemeClr val="lt1"/>
-          </a:fontRef>
-        </p:style>
-        <p:txBody>
-          <a:bodyPr rtlCol="0" anchor="ctr"/>
-          <a:lstStyle/>
-          <a:p>
-            <a:pPr algn="ctr"/>
-            <a:endParaRPr lang="ko-KR" altLang="en-US"/>
-          </a:p>
-        </p:txBody>
-      </p:sp>
-      <p:sp>
-        <p:nvSpPr>
-          <p:cNvPr id="1059" name="사각형: 둥근 모서리 1058">
-            <a:extLst>
-              <a:ext uri="{FF2B5EF4-FFF2-40B4-BE49-F238E27FC236}">
-                <a16:creationId xmlns:a16="http://schemas.microsoft.com/office/drawing/2014/main" id="{997EC095-C32F-E604-D401-A3021AE952DD}"/>
-              </a:ext>
-            </a:extLst>
-          </p:cNvPr>
-          <p:cNvSpPr/>
-          <p:nvPr/>
-        </p:nvSpPr>
-        <p:spPr>
-          <a:xfrm>
-            <a:off x="2744297" y="2069287"/>
-            <a:ext cx="1000606" cy="1054316"/>
-          </a:xfrm>
-          <a:prstGeom prst="roundRect">
-            <a:avLst>
-              <a:gd name="adj" fmla="val 12904"/>
-            </a:avLst>
-          </a:prstGeom>
-          <a:solidFill>
-            <a:schemeClr val="bg1">
-              <a:lumMod val="95000"/>
-            </a:schemeClr>
-          </a:solidFill>
-          <a:ln w="38100">
-            <a:solidFill>
-              <a:schemeClr val="tx1"/>
-            </a:solidFill>
-          </a:ln>
-        </p:spPr>
-        <p:style>
-          <a:lnRef idx="2">
-            <a:schemeClr val="accent1">
-              <a:shade val="50000"/>
-            </a:schemeClr>
-          </a:lnRef>
-          <a:fillRef idx="1">
-            <a:schemeClr val="accent1"/>
-          </a:fillRef>
-          <a:effectRef idx="0">
-            <a:schemeClr val="accent1"/>
-          </a:effectRef>
-          <a:fontRef idx="minor">
-            <a:schemeClr val="lt1"/>
-          </a:fontRef>
-        </p:style>
-        <p:txBody>
-          <a:bodyPr rtlCol="0" anchor="ctr"/>
-          <a:lstStyle/>
-          <a:p>
-            <a:pPr algn="ctr"/>
-            <a:endParaRPr lang="ko-KR" altLang="en-US"/>
-          </a:p>
-        </p:txBody>
-      </p:sp>
       <p:pic>
         <p:nvPicPr>
-          <p:cNvPr id="25" name="그래픽 24" descr="사용자 단색으로 채워진">
+          <p:cNvPr id="60" name="그림 59">
             <a:extLst>
               <a:ext uri="{FF2B5EF4-FFF2-40B4-BE49-F238E27FC236}">
-                <a16:creationId xmlns:a16="http://schemas.microsoft.com/office/drawing/2014/main" id="{A041D248-0B91-7F15-7E35-A6719BB4D9C0}"/>
+                <a16:creationId xmlns:a16="http://schemas.microsoft.com/office/drawing/2014/main" id="{9E2388E6-C18C-45F0-8F3A-C01527C9A0AF}"/>
               </a:ext>
             </a:extLst>
           </p:cNvPr>
@@ -8043,23 +7869,14 @@
           <p:nvPr/>
         </p:nvPicPr>
         <p:blipFill>
-          <a:blip r:embed="rId5" cstate="hqprint">
-            <a:extLst>
-              <a:ext uri="{28A0092B-C50C-407E-A947-70E740481C1C}">
-                <a14:useLocalDpi xmlns:a14="http://schemas.microsoft.com/office/drawing/2010/main" val="0"/>
-              </a:ext>
-              <a:ext uri="{96DAC541-7B7A-43D3-8B79-37D633B846F1}">
-                <asvg:svgBlip xmlns:asvg="http://schemas.microsoft.com/office/drawing/2016/SVG/main" r:embed="rId6"/>
-              </a:ext>
-            </a:extLst>
-          </a:blip>
+          <a:blip r:embed="rId5"/>
           <a:stretch>
             <a:fillRect/>
           </a:stretch>
         </p:blipFill>
         <p:spPr>
           <a:xfrm>
-            <a:off x="2919783" y="2327909"/>
+            <a:off x="2350440" y="1774375"/>
             <a:ext cx="654820" cy="655550"/>
           </a:xfrm>
           <a:prstGeom prst="rect">
@@ -8067,691 +7884,12 @@
           </a:prstGeom>
         </p:spPr>
       </p:pic>
-      <p:pic>
-        <p:nvPicPr>
-          <p:cNvPr id="44" name="그래픽 43" descr="온도계 단색으로 채워진">
-            <a:extLst>
-              <a:ext uri="{FF2B5EF4-FFF2-40B4-BE49-F238E27FC236}">
-                <a16:creationId xmlns:a16="http://schemas.microsoft.com/office/drawing/2014/main" id="{D110547F-7A2E-F980-2EF4-26A203FF03D2}"/>
-              </a:ext>
-            </a:extLst>
-          </p:cNvPr>
-          <p:cNvPicPr>
-            <a:picLocks noChangeAspect="1"/>
-          </p:cNvPicPr>
-          <p:nvPr/>
-        </p:nvPicPr>
-        <p:blipFill>
-          <a:blip r:embed="rId7" cstate="hqprint">
-            <a:extLst>
-              <a:ext uri="{28A0092B-C50C-407E-A947-70E740481C1C}">
-                <a14:useLocalDpi xmlns:a14="http://schemas.microsoft.com/office/drawing/2010/main" val="0"/>
-              </a:ext>
-              <a:ext uri="{96DAC541-7B7A-43D3-8B79-37D633B846F1}">
-                <asvg:svgBlip xmlns:asvg="http://schemas.microsoft.com/office/drawing/2016/SVG/main" r:embed="rId8"/>
-              </a:ext>
-            </a:extLst>
-          </a:blip>
-          <a:stretch>
-            <a:fillRect/>
-          </a:stretch>
-        </p:blipFill>
-        <p:spPr>
-          <a:xfrm>
-            <a:off x="1947566" y="3566715"/>
-            <a:ext cx="531209" cy="531802"/>
-          </a:xfrm>
-          <a:prstGeom prst="rect">
-            <a:avLst/>
-          </a:prstGeom>
-        </p:spPr>
-      </p:pic>
-      <p:pic>
-        <p:nvPicPr>
-          <p:cNvPr id="46" name="그래픽 45" descr="경찰관 남성 단색으로 채워진">
-            <a:extLst>
-              <a:ext uri="{FF2B5EF4-FFF2-40B4-BE49-F238E27FC236}">
-                <a16:creationId xmlns:a16="http://schemas.microsoft.com/office/drawing/2014/main" id="{B75773AE-27AF-65F1-8255-EE3D1C5609DF}"/>
-              </a:ext>
-            </a:extLst>
-          </p:cNvPr>
-          <p:cNvPicPr>
-            <a:picLocks noChangeAspect="1"/>
-          </p:cNvPicPr>
-          <p:nvPr/>
-        </p:nvPicPr>
-        <p:blipFill>
-          <a:blip r:embed="rId9" cstate="hqprint">
-            <a:extLst>
-              <a:ext uri="{28A0092B-C50C-407E-A947-70E740481C1C}">
-                <a14:useLocalDpi xmlns:a14="http://schemas.microsoft.com/office/drawing/2010/main" val="0"/>
-              </a:ext>
-              <a:ext uri="{96DAC541-7B7A-43D3-8B79-37D633B846F1}">
-                <asvg:svgBlip xmlns:asvg="http://schemas.microsoft.com/office/drawing/2016/SVG/main" r:embed="rId10"/>
-              </a:ext>
-            </a:extLst>
-          </a:blip>
-          <a:stretch>
-            <a:fillRect/>
-          </a:stretch>
-        </p:blipFill>
-        <p:spPr>
-          <a:xfrm>
-            <a:off x="1903993" y="4774782"/>
-            <a:ext cx="625932" cy="621896"/>
-          </a:xfrm>
-          <a:prstGeom prst="rect">
-            <a:avLst/>
-          </a:prstGeom>
-        </p:spPr>
-      </p:pic>
-      <p:pic>
-        <p:nvPicPr>
-          <p:cNvPr id="48" name="그래픽 47" descr="남성 프로그래머 단색으로 채워진">
-            <a:extLst>
-              <a:ext uri="{FF2B5EF4-FFF2-40B4-BE49-F238E27FC236}">
-                <a16:creationId xmlns:a16="http://schemas.microsoft.com/office/drawing/2014/main" id="{301F8CBC-1C6B-57C5-81B1-FEFB735237A4}"/>
-              </a:ext>
-            </a:extLst>
-          </p:cNvPr>
-          <p:cNvPicPr>
-            <a:picLocks noChangeAspect="1"/>
-          </p:cNvPicPr>
-          <p:nvPr/>
-        </p:nvPicPr>
-        <p:blipFill>
-          <a:blip r:embed="rId11" cstate="hqprint">
-            <a:extLst>
-              <a:ext uri="{28A0092B-C50C-407E-A947-70E740481C1C}">
-                <a14:useLocalDpi xmlns:a14="http://schemas.microsoft.com/office/drawing/2010/main" val="0"/>
-              </a:ext>
-              <a:ext uri="{96DAC541-7B7A-43D3-8B79-37D633B846F1}">
-                <asvg:svgBlip xmlns:asvg="http://schemas.microsoft.com/office/drawing/2016/SVG/main" r:embed="rId12"/>
-              </a:ext>
-            </a:extLst>
-          </a:blip>
-          <a:stretch>
-            <a:fillRect/>
-          </a:stretch>
-        </p:blipFill>
-        <p:spPr>
-          <a:xfrm>
-            <a:off x="2916333" y="5800563"/>
-            <a:ext cx="656533" cy="657266"/>
-          </a:xfrm>
-          <a:prstGeom prst="rect">
-            <a:avLst/>
-          </a:prstGeom>
-        </p:spPr>
-      </p:pic>
-      <p:pic>
-        <p:nvPicPr>
-          <p:cNvPr id="60" name="그림 59">
-            <a:extLst>
-              <a:ext uri="{FF2B5EF4-FFF2-40B4-BE49-F238E27FC236}">
-                <a16:creationId xmlns:a16="http://schemas.microsoft.com/office/drawing/2014/main" id="{9E2388E6-C18C-45F0-8F3A-C01527C9A0AF}"/>
-              </a:ext>
-            </a:extLst>
-          </p:cNvPr>
-          <p:cNvPicPr>
-            <a:picLocks noChangeAspect="1"/>
-          </p:cNvPicPr>
-          <p:nvPr/>
-        </p:nvPicPr>
-        <p:blipFill>
-          <a:blip r:embed="rId13"/>
-          <a:stretch>
-            <a:fillRect/>
-          </a:stretch>
-        </p:blipFill>
-        <p:spPr>
-          <a:xfrm>
-            <a:off x="2919783" y="1956937"/>
-            <a:ext cx="654820" cy="655550"/>
-          </a:xfrm>
-          <a:prstGeom prst="rect">
-            <a:avLst/>
-          </a:prstGeom>
-        </p:spPr>
-      </p:pic>
-      <p:pic>
-        <p:nvPicPr>
-          <p:cNvPr id="61" name="그림 60">
-            <a:extLst>
-              <a:ext uri="{FF2B5EF4-FFF2-40B4-BE49-F238E27FC236}">
-                <a16:creationId xmlns:a16="http://schemas.microsoft.com/office/drawing/2014/main" id="{6FCD808C-7905-2F3D-B9C7-FF65886E28DA}"/>
-              </a:ext>
-            </a:extLst>
-          </p:cNvPr>
-          <p:cNvPicPr>
-            <a:picLocks noChangeAspect="1"/>
-          </p:cNvPicPr>
-          <p:nvPr/>
-        </p:nvPicPr>
-        <p:blipFill>
-          <a:blip r:embed="rId13"/>
-          <a:stretch>
-            <a:fillRect/>
-          </a:stretch>
-        </p:blipFill>
-        <p:spPr>
-          <a:xfrm>
-            <a:off x="1900024" y="3152948"/>
-            <a:ext cx="654820" cy="653822"/>
-          </a:xfrm>
-          <a:prstGeom prst="rect">
-            <a:avLst/>
-          </a:prstGeom>
-        </p:spPr>
-      </p:pic>
-      <p:pic>
-        <p:nvPicPr>
-          <p:cNvPr id="62" name="그림 61">
-            <a:extLst>
-              <a:ext uri="{FF2B5EF4-FFF2-40B4-BE49-F238E27FC236}">
-                <a16:creationId xmlns:a16="http://schemas.microsoft.com/office/drawing/2014/main" id="{11EC4E83-ED99-1BA6-70E7-AAE25E46AB64}"/>
-              </a:ext>
-            </a:extLst>
-          </p:cNvPr>
-          <p:cNvPicPr>
-            <a:picLocks noChangeAspect="1"/>
-          </p:cNvPicPr>
-          <p:nvPr/>
-        </p:nvPicPr>
-        <p:blipFill>
-          <a:blip r:embed="rId13"/>
-          <a:stretch>
-            <a:fillRect/>
-          </a:stretch>
-        </p:blipFill>
-        <p:spPr>
-          <a:xfrm>
-            <a:off x="1902004" y="4366086"/>
-            <a:ext cx="654820" cy="655550"/>
-          </a:xfrm>
-          <a:prstGeom prst="rect">
-            <a:avLst/>
-          </a:prstGeom>
-        </p:spPr>
-      </p:pic>
-      <p:pic>
-        <p:nvPicPr>
-          <p:cNvPr id="63" name="그림 62">
-            <a:extLst>
-              <a:ext uri="{FF2B5EF4-FFF2-40B4-BE49-F238E27FC236}">
-                <a16:creationId xmlns:a16="http://schemas.microsoft.com/office/drawing/2014/main" id="{ADDFBBF9-440E-9452-EEAE-8D9653AD148A}"/>
-              </a:ext>
-            </a:extLst>
-          </p:cNvPr>
-          <p:cNvPicPr>
-            <a:picLocks noChangeAspect="1"/>
-          </p:cNvPicPr>
-          <p:nvPr/>
-        </p:nvPicPr>
-        <p:blipFill>
-          <a:blip r:embed="rId13"/>
-          <a:stretch>
-            <a:fillRect/>
-          </a:stretch>
-        </p:blipFill>
-        <p:spPr>
-          <a:xfrm>
-            <a:off x="2927526" y="5449145"/>
-            <a:ext cx="654820" cy="655550"/>
-          </a:xfrm>
-          <a:prstGeom prst="rect">
-            <a:avLst/>
-          </a:prstGeom>
-        </p:spPr>
-      </p:pic>
-      <p:sp>
-        <p:nvSpPr>
-          <p:cNvPr id="1024" name="TextBox 1023">
-            <a:extLst>
-              <a:ext uri="{FF2B5EF4-FFF2-40B4-BE49-F238E27FC236}">
-                <a16:creationId xmlns:a16="http://schemas.microsoft.com/office/drawing/2014/main" id="{BBE18A7D-B060-251B-7A64-AE77D23A8A72}"/>
-              </a:ext>
-            </a:extLst>
-          </p:cNvPr>
-          <p:cNvSpPr txBox="1"/>
-          <p:nvPr/>
-        </p:nvSpPr>
-        <p:spPr>
-          <a:xfrm>
-            <a:off x="3036608" y="2866099"/>
-            <a:ext cx="667498" cy="261610"/>
-          </a:xfrm>
-          <a:prstGeom prst="rect">
-            <a:avLst/>
-          </a:prstGeom>
-          <a:noFill/>
-        </p:spPr>
-        <p:txBody>
-          <a:bodyPr wrap="square" rtlCol="0">
-            <a:spAutoFit/>
-          </a:bodyPr>
-          <a:lstStyle/>
-          <a:p>
-            <a:r>
-              <a:rPr lang="en-US" altLang="ko-KR" sz="1100" b="1" dirty="0"/>
-              <a:t>User</a:t>
-            </a:r>
-            <a:endParaRPr lang="ko-KR" altLang="en-US" sz="1100" b="1" dirty="0"/>
-          </a:p>
-        </p:txBody>
-      </p:sp>
-      <p:sp>
-        <p:nvSpPr>
-          <p:cNvPr id="1025" name="TextBox 1024">
-            <a:extLst>
-              <a:ext uri="{FF2B5EF4-FFF2-40B4-BE49-F238E27FC236}">
-                <a16:creationId xmlns:a16="http://schemas.microsoft.com/office/drawing/2014/main" id="{CAE306DE-C429-8740-05D5-82FEA6D5DA50}"/>
-              </a:ext>
-            </a:extLst>
-          </p:cNvPr>
-          <p:cNvSpPr txBox="1"/>
-          <p:nvPr/>
-        </p:nvSpPr>
-        <p:spPr>
-          <a:xfrm>
-            <a:off x="1903982" y="4045446"/>
-            <a:ext cx="667498" cy="261610"/>
-          </a:xfrm>
-          <a:prstGeom prst="rect">
-            <a:avLst/>
-          </a:prstGeom>
-          <a:noFill/>
-        </p:spPr>
-        <p:txBody>
-          <a:bodyPr wrap="square" rtlCol="0">
-            <a:spAutoFit/>
-          </a:bodyPr>
-          <a:lstStyle/>
-          <a:p>
-            <a:r>
-              <a:rPr lang="en-US" altLang="ko-KR" sz="1100" b="1" dirty="0"/>
-              <a:t>Sensor</a:t>
-            </a:r>
-            <a:endParaRPr lang="ko-KR" altLang="en-US" sz="1100" b="1" dirty="0"/>
-          </a:p>
-        </p:txBody>
-      </p:sp>
-      <p:sp>
-        <p:nvSpPr>
-          <p:cNvPr id="1026" name="TextBox 1025">
-            <a:extLst>
-              <a:ext uri="{FF2B5EF4-FFF2-40B4-BE49-F238E27FC236}">
-                <a16:creationId xmlns:a16="http://schemas.microsoft.com/office/drawing/2014/main" id="{2CAE33B5-AF43-2827-29A3-D2DC7487B6F1}"/>
-              </a:ext>
-            </a:extLst>
-          </p:cNvPr>
-          <p:cNvSpPr txBox="1"/>
-          <p:nvPr/>
-        </p:nvSpPr>
-        <p:spPr>
-          <a:xfrm>
-            <a:off x="1909088" y="5307696"/>
-            <a:ext cx="667498" cy="261610"/>
-          </a:xfrm>
-          <a:prstGeom prst="rect">
-            <a:avLst/>
-          </a:prstGeom>
-          <a:noFill/>
-        </p:spPr>
-        <p:txBody>
-          <a:bodyPr wrap="square" rtlCol="0">
-            <a:spAutoFit/>
-          </a:bodyPr>
-          <a:lstStyle/>
-          <a:p>
-            <a:r>
-              <a:rPr lang="en-US" altLang="ko-KR" sz="1100" b="1" dirty="0"/>
-              <a:t>Admin</a:t>
-            </a:r>
-            <a:endParaRPr lang="ko-KR" altLang="en-US" sz="1100" b="1" dirty="0"/>
-          </a:p>
-        </p:txBody>
-      </p:sp>
-      <p:sp>
-        <p:nvSpPr>
-          <p:cNvPr id="1027" name="TextBox 1026">
-            <a:extLst>
-              <a:ext uri="{FF2B5EF4-FFF2-40B4-BE49-F238E27FC236}">
-                <a16:creationId xmlns:a16="http://schemas.microsoft.com/office/drawing/2014/main" id="{CEA124B0-AB7F-4C76-274A-AC2460B70473}"/>
-              </a:ext>
-            </a:extLst>
-          </p:cNvPr>
-          <p:cNvSpPr txBox="1"/>
-          <p:nvPr/>
-        </p:nvSpPr>
-        <p:spPr>
-          <a:xfrm>
-            <a:off x="2891256" y="6404302"/>
-            <a:ext cx="758445" cy="261610"/>
-          </a:xfrm>
-          <a:prstGeom prst="rect">
-            <a:avLst/>
-          </a:prstGeom>
-          <a:noFill/>
-        </p:spPr>
-        <p:txBody>
-          <a:bodyPr wrap="square" rtlCol="0">
-            <a:spAutoFit/>
-          </a:bodyPr>
-          <a:lstStyle/>
-          <a:p>
-            <a:r>
-              <a:rPr lang="en-US" altLang="ko-KR" sz="1100" b="1" dirty="0"/>
-              <a:t>Cracker</a:t>
-            </a:r>
-            <a:endParaRPr lang="ko-KR" altLang="en-US" sz="1100" b="1" dirty="0"/>
-          </a:p>
-        </p:txBody>
-      </p:sp>
-      <p:cxnSp>
-        <p:nvCxnSpPr>
-          <p:cNvPr id="1032" name="직선 화살표 연결선 1031">
-            <a:extLst>
-              <a:ext uri="{FF2B5EF4-FFF2-40B4-BE49-F238E27FC236}">
-                <a16:creationId xmlns:a16="http://schemas.microsoft.com/office/drawing/2014/main" id="{F684AF9A-2349-EF54-D40D-E50FE049F297}"/>
-              </a:ext>
-            </a:extLst>
-          </p:cNvPr>
-          <p:cNvCxnSpPr>
-            <a:cxnSpLocks/>
-          </p:cNvCxnSpPr>
-          <p:nvPr/>
-        </p:nvCxnSpPr>
-        <p:spPr>
-          <a:xfrm>
-            <a:off x="4226498" y="2407177"/>
-            <a:ext cx="1634858" cy="1271044"/>
-          </a:xfrm>
-          <a:prstGeom prst="straightConnector1">
-            <a:avLst/>
-          </a:prstGeom>
-          <a:ln w="57150">
-            <a:tailEnd type="triangle"/>
-          </a:ln>
-        </p:spPr>
-        <p:style>
-          <a:lnRef idx="1">
-            <a:schemeClr val="accent1"/>
-          </a:lnRef>
-          <a:fillRef idx="0">
-            <a:schemeClr val="accent1"/>
-          </a:fillRef>
-          <a:effectRef idx="0">
-            <a:schemeClr val="accent1"/>
-          </a:effectRef>
-          <a:fontRef idx="minor">
-            <a:schemeClr val="tx1"/>
-          </a:fontRef>
-        </p:style>
-      </p:cxnSp>
-      <p:cxnSp>
-        <p:nvCxnSpPr>
-          <p:cNvPr id="1033" name="직선 화살표 연결선 1032">
-            <a:extLst>
-              <a:ext uri="{FF2B5EF4-FFF2-40B4-BE49-F238E27FC236}">
-                <a16:creationId xmlns:a16="http://schemas.microsoft.com/office/drawing/2014/main" id="{053E8AC5-C161-182A-E090-9F2A6B2C95C1}"/>
-              </a:ext>
-            </a:extLst>
-          </p:cNvPr>
-          <p:cNvCxnSpPr>
-            <a:cxnSpLocks/>
-          </p:cNvCxnSpPr>
-          <p:nvPr/>
-        </p:nvCxnSpPr>
-        <p:spPr>
-          <a:xfrm flipV="1">
-            <a:off x="2203614" y="2655684"/>
-            <a:ext cx="470196" cy="479825"/>
-          </a:xfrm>
-          <a:prstGeom prst="straightConnector1">
-            <a:avLst/>
-          </a:prstGeom>
-          <a:ln w="57150">
-            <a:solidFill>
-              <a:schemeClr val="accent6">
-                <a:lumMod val="75000"/>
-              </a:schemeClr>
-            </a:solidFill>
-            <a:tailEnd type="triangle"/>
-          </a:ln>
-        </p:spPr>
-        <p:style>
-          <a:lnRef idx="1">
-            <a:schemeClr val="accent1"/>
-          </a:lnRef>
-          <a:fillRef idx="0">
-            <a:schemeClr val="accent1"/>
-          </a:fillRef>
-          <a:effectRef idx="0">
-            <a:schemeClr val="accent1"/>
-          </a:effectRef>
-          <a:fontRef idx="minor">
-            <a:schemeClr val="tx1"/>
-          </a:fontRef>
-        </p:style>
-      </p:cxnSp>
-      <p:cxnSp>
-        <p:nvCxnSpPr>
-          <p:cNvPr id="11" name="직선 화살표 연결선 10">
-            <a:extLst>
-              <a:ext uri="{FF2B5EF4-FFF2-40B4-BE49-F238E27FC236}">
-                <a16:creationId xmlns:a16="http://schemas.microsoft.com/office/drawing/2014/main" id="{0C60433B-5038-876A-E6A3-49AB36CCBCF4}"/>
-              </a:ext>
-            </a:extLst>
-          </p:cNvPr>
-          <p:cNvCxnSpPr>
-            <a:cxnSpLocks/>
-          </p:cNvCxnSpPr>
-          <p:nvPr/>
-        </p:nvCxnSpPr>
-        <p:spPr>
-          <a:xfrm flipH="1" flipV="1">
-            <a:off x="4004890" y="2721352"/>
-            <a:ext cx="1557800" cy="1222844"/>
-          </a:xfrm>
-          <a:prstGeom prst="straightConnector1">
-            <a:avLst/>
-          </a:prstGeom>
-          <a:ln w="57150">
-            <a:tailEnd type="triangle"/>
-          </a:ln>
-        </p:spPr>
-        <p:style>
-          <a:lnRef idx="1">
-            <a:schemeClr val="accent1"/>
-          </a:lnRef>
-          <a:fillRef idx="0">
-            <a:schemeClr val="accent1"/>
-          </a:fillRef>
-          <a:effectRef idx="0">
-            <a:schemeClr val="accent1"/>
-          </a:effectRef>
-          <a:fontRef idx="minor">
-            <a:schemeClr val="tx1"/>
-          </a:fontRef>
-        </p:style>
-      </p:cxnSp>
-      <p:cxnSp>
-        <p:nvCxnSpPr>
-          <p:cNvPr id="29" name="직선 화살표 연결선 28">
-            <a:extLst>
-              <a:ext uri="{FF2B5EF4-FFF2-40B4-BE49-F238E27FC236}">
-                <a16:creationId xmlns:a16="http://schemas.microsoft.com/office/drawing/2014/main" id="{4A8EE4D4-5C2D-35D2-7D2C-FCC4994363A0}"/>
-              </a:ext>
-            </a:extLst>
-          </p:cNvPr>
-          <p:cNvCxnSpPr>
-            <a:cxnSpLocks/>
-          </p:cNvCxnSpPr>
-          <p:nvPr/>
-        </p:nvCxnSpPr>
-        <p:spPr>
-          <a:xfrm flipH="1">
-            <a:off x="2874233" y="4383299"/>
-            <a:ext cx="2345938" cy="440785"/>
-          </a:xfrm>
-          <a:prstGeom prst="straightConnector1">
-            <a:avLst/>
-          </a:prstGeom>
-          <a:ln w="57150">
-            <a:tailEnd type="triangle"/>
-          </a:ln>
-        </p:spPr>
-        <p:style>
-          <a:lnRef idx="1">
-            <a:schemeClr val="accent1"/>
-          </a:lnRef>
-          <a:fillRef idx="0">
-            <a:schemeClr val="accent1"/>
-          </a:fillRef>
-          <a:effectRef idx="0">
-            <a:schemeClr val="accent1"/>
-          </a:effectRef>
-          <a:fontRef idx="minor">
-            <a:schemeClr val="tx1"/>
-          </a:fontRef>
-        </p:style>
-      </p:cxnSp>
-      <p:cxnSp>
-        <p:nvCxnSpPr>
-          <p:cNvPr id="34" name="직선 화살표 연결선 33">
-            <a:extLst>
-              <a:ext uri="{FF2B5EF4-FFF2-40B4-BE49-F238E27FC236}">
-                <a16:creationId xmlns:a16="http://schemas.microsoft.com/office/drawing/2014/main" id="{4C9EAC8C-0F4E-8D45-D3A5-76955162DBDE}"/>
-              </a:ext>
-            </a:extLst>
-          </p:cNvPr>
-          <p:cNvCxnSpPr>
-            <a:cxnSpLocks/>
-          </p:cNvCxnSpPr>
-          <p:nvPr/>
-        </p:nvCxnSpPr>
-        <p:spPr>
-          <a:xfrm flipV="1">
-            <a:off x="3002018" y="4761743"/>
-            <a:ext cx="2323171" cy="470894"/>
-          </a:xfrm>
-          <a:prstGeom prst="straightConnector1">
-            <a:avLst/>
-          </a:prstGeom>
-          <a:ln w="57150">
-            <a:tailEnd type="triangle"/>
-          </a:ln>
-        </p:spPr>
-        <p:style>
-          <a:lnRef idx="1">
-            <a:schemeClr val="accent1"/>
-          </a:lnRef>
-          <a:fillRef idx="0">
-            <a:schemeClr val="accent1"/>
-          </a:fillRef>
-          <a:effectRef idx="0">
-            <a:schemeClr val="accent1"/>
-          </a:effectRef>
-          <a:fontRef idx="minor">
-            <a:schemeClr val="tx1"/>
-          </a:fontRef>
-        </p:style>
-      </p:cxnSp>
-      <p:cxnSp>
-        <p:nvCxnSpPr>
-          <p:cNvPr id="38" name="직선 화살표 연결선 37">
-            <a:extLst>
-              <a:ext uri="{FF2B5EF4-FFF2-40B4-BE49-F238E27FC236}">
-                <a16:creationId xmlns:a16="http://schemas.microsoft.com/office/drawing/2014/main" id="{F399A95D-C9CC-76DD-D1E9-6F3DE3784CF8}"/>
-              </a:ext>
-            </a:extLst>
-          </p:cNvPr>
-          <p:cNvCxnSpPr>
-            <a:cxnSpLocks/>
-          </p:cNvCxnSpPr>
-          <p:nvPr/>
-        </p:nvCxnSpPr>
-        <p:spPr>
-          <a:xfrm flipH="1">
-            <a:off x="3990590" y="5294524"/>
-            <a:ext cx="2076133" cy="1139635"/>
-          </a:xfrm>
-          <a:prstGeom prst="straightConnector1">
-            <a:avLst/>
-          </a:prstGeom>
-          <a:ln w="57150">
-            <a:solidFill>
-              <a:srgbClr val="C00000"/>
-            </a:solidFill>
-            <a:tailEnd type="triangle"/>
-          </a:ln>
-        </p:spPr>
-        <p:style>
-          <a:lnRef idx="1">
-            <a:schemeClr val="accent1"/>
-          </a:lnRef>
-          <a:fillRef idx="0">
-            <a:schemeClr val="accent1"/>
-          </a:fillRef>
-          <a:effectRef idx="0">
-            <a:schemeClr val="accent1"/>
-          </a:effectRef>
-          <a:fontRef idx="minor">
-            <a:schemeClr val="tx1"/>
-          </a:fontRef>
-        </p:style>
-      </p:cxnSp>
-      <p:cxnSp>
-        <p:nvCxnSpPr>
-          <p:cNvPr id="39" name="직선 화살표 연결선 38">
-            <a:extLst>
-              <a:ext uri="{FF2B5EF4-FFF2-40B4-BE49-F238E27FC236}">
-                <a16:creationId xmlns:a16="http://schemas.microsoft.com/office/drawing/2014/main" id="{56D432B2-54A5-1D6A-51F6-02DE0530635F}"/>
-              </a:ext>
-            </a:extLst>
-          </p:cNvPr>
-          <p:cNvCxnSpPr>
-            <a:cxnSpLocks/>
-          </p:cNvCxnSpPr>
-          <p:nvPr/>
-        </p:nvCxnSpPr>
-        <p:spPr>
-          <a:xfrm flipV="1">
-            <a:off x="3828033" y="4962522"/>
-            <a:ext cx="2000640" cy="1014354"/>
-          </a:xfrm>
-          <a:prstGeom prst="straightConnector1">
-            <a:avLst/>
-          </a:prstGeom>
-          <a:ln w="57150">
-            <a:solidFill>
-              <a:srgbClr val="C00000"/>
-            </a:solidFill>
-            <a:tailEnd type="triangle"/>
-          </a:ln>
-        </p:spPr>
-        <p:style>
-          <a:lnRef idx="1">
-            <a:schemeClr val="accent1"/>
-          </a:lnRef>
-          <a:fillRef idx="0">
-            <a:schemeClr val="accent1"/>
-          </a:fillRef>
-          <a:effectRef idx="0">
-            <a:schemeClr val="accent1"/>
-          </a:effectRef>
-          <a:fontRef idx="minor">
-            <a:schemeClr val="tx1"/>
-          </a:fontRef>
-        </p:style>
-      </p:cxnSp>
       <p:grpSp>
         <p:nvGrpSpPr>
-          <p:cNvPr id="1069" name="그룹 1068">
+          <p:cNvPr id="6" name="그룹 5">
             <a:extLst>
               <a:ext uri="{FF2B5EF4-FFF2-40B4-BE49-F238E27FC236}">
-                <a16:creationId xmlns:a16="http://schemas.microsoft.com/office/drawing/2014/main" id="{83CAC9EC-1AF8-23E4-FA6F-2EBC66E4C0DE}"/>
+                <a16:creationId xmlns:a16="http://schemas.microsoft.com/office/drawing/2014/main" id="{D4859814-7B1C-20BE-FD3E-72A307B147E0}"/>
               </a:ext>
             </a:extLst>
           </p:cNvPr>
@@ -8760,18 +7898,18 @@
         </p:nvGrpSpPr>
         <p:grpSpPr>
           <a:xfrm>
-            <a:off x="5430207" y="2655684"/>
-            <a:ext cx="6020925" cy="3049054"/>
-            <a:chOff x="4101980" y="2702853"/>
-            <a:chExt cx="6020925" cy="3049054"/>
+            <a:off x="785180" y="1774375"/>
+            <a:ext cx="10356526" cy="4777427"/>
+            <a:chOff x="785180" y="1774375"/>
+            <a:chExt cx="10356526" cy="4777427"/>
           </a:xfrm>
         </p:grpSpPr>
         <p:sp>
           <p:nvSpPr>
-            <p:cNvPr id="42" name="사각형: 둥근 모서리 41">
+            <p:cNvPr id="5" name="직사각형 4">
               <a:extLst>
                 <a:ext uri="{FF2B5EF4-FFF2-40B4-BE49-F238E27FC236}">
-                  <a16:creationId xmlns:a16="http://schemas.microsoft.com/office/drawing/2014/main" id="{73812D37-4AFE-26A6-EF03-53B268974222}"/>
+                  <a16:creationId xmlns:a16="http://schemas.microsoft.com/office/drawing/2014/main" id="{731F10FF-DB6B-0986-5B38-80FEB5DAACCF}"/>
                 </a:ext>
               </a:extLst>
             </p:cNvPr>
@@ -8780,12 +7918,64 @@
           </p:nvSpPr>
           <p:spPr>
             <a:xfrm>
-              <a:off x="5204559" y="2810773"/>
-              <a:ext cx="4918346" cy="2941134"/>
+              <a:off x="785180" y="1774375"/>
+              <a:ext cx="10356526" cy="4777427"/>
+            </a:xfrm>
+            <a:prstGeom prst="rect">
+              <a:avLst/>
+            </a:prstGeom>
+            <a:solidFill>
+              <a:schemeClr val="bg1"/>
+            </a:solidFill>
+            <a:ln>
+              <a:noFill/>
+            </a:ln>
+          </p:spPr>
+          <p:style>
+            <a:lnRef idx="2">
+              <a:schemeClr val="accent1">
+                <a:shade val="50000"/>
+              </a:schemeClr>
+            </a:lnRef>
+            <a:fillRef idx="1">
+              <a:schemeClr val="accent1"/>
+            </a:fillRef>
+            <a:effectRef idx="0">
+              <a:schemeClr val="accent1"/>
+            </a:effectRef>
+            <a:fontRef idx="minor">
+              <a:schemeClr val="lt1"/>
+            </a:fontRef>
+          </p:style>
+          <p:txBody>
+            <a:bodyPr rtlCol="0" anchor="ctr"/>
+            <a:lstStyle/>
+            <a:p>
+              <a:pPr algn="ctr"/>
+              <a:endParaRPr lang="ko-KR" altLang="en-US"/>
+            </a:p>
+          </p:txBody>
+        </p:sp>
+        <p:sp>
+          <p:nvSpPr>
+            <p:cNvPr id="1062" name="사각형: 둥근 모서리 1061">
+              <a:extLst>
+                <a:ext uri="{FF2B5EF4-FFF2-40B4-BE49-F238E27FC236}">
+                  <a16:creationId xmlns:a16="http://schemas.microsoft.com/office/drawing/2014/main" id="{E4F78CC8-3DCB-8AC4-2730-2C7553B4A922}"/>
+                </a:ext>
+              </a:extLst>
+            </p:cNvPr>
+            <p:cNvSpPr/>
+            <p:nvPr/>
+          </p:nvSpPr>
+          <p:spPr>
+            <a:xfrm>
+              <a:off x="2174954" y="5386662"/>
+              <a:ext cx="1000606" cy="1054316"/>
             </a:xfrm>
             <a:prstGeom prst="roundRect">
               <a:avLst>
-                <a:gd name="adj" fmla="val 14104"/>
+                <a:gd name="adj" fmla="val 12904"/>
               </a:avLst>
             </a:prstGeom>
             <a:solidFill>
@@ -8826,10 +8016,10 @@
         </p:sp>
         <p:sp>
           <p:nvSpPr>
-            <p:cNvPr id="31" name="직사각형 30">
+            <p:cNvPr id="1061" name="사각형: 둥근 모서리 1060">
               <a:extLst>
                 <a:ext uri="{FF2B5EF4-FFF2-40B4-BE49-F238E27FC236}">
-                  <a16:creationId xmlns:a16="http://schemas.microsoft.com/office/drawing/2014/main" id="{5B3A7B8F-4A3A-A832-C4B0-3E2C35FFEFBB}"/>
+                  <a16:creationId xmlns:a16="http://schemas.microsoft.com/office/drawing/2014/main" id="{AD3965D0-BEA4-84AE-60DC-DAD28363A858}"/>
                 </a:ext>
               </a:extLst>
             </p:cNvPr>
@@ -8838,17 +8028,23 @@
           </p:nvSpPr>
           <p:spPr>
             <a:xfrm>
-              <a:off x="8090835" y="4752035"/>
-              <a:ext cx="891088" cy="199180"/>
+              <a:off x="1147313" y="4301048"/>
+              <a:ext cx="1000606" cy="1054316"/>
             </a:xfrm>
-            <a:prstGeom prst="rect">
-              <a:avLst/>
+            <a:prstGeom prst="roundRect">
+              <a:avLst>
+                <a:gd name="adj" fmla="val 12904"/>
+              </a:avLst>
             </a:prstGeom>
             <a:solidFill>
-              <a:schemeClr val="bg1"/>
+              <a:schemeClr val="bg1">
+                <a:lumMod val="95000"/>
+              </a:schemeClr>
             </a:solidFill>
-            <a:ln>
-              <a:noFill/>
+            <a:ln w="38100">
+              <a:solidFill>
+                <a:schemeClr val="tx1"/>
+              </a:solidFill>
             </a:ln>
           </p:spPr>
           <p:style>
@@ -8878,10 +8074,10 @@
         </p:sp>
         <p:sp>
           <p:nvSpPr>
-            <p:cNvPr id="32" name="직사각형 31">
+            <p:cNvPr id="1060" name="사각형: 둥근 모서리 1059">
               <a:extLst>
                 <a:ext uri="{FF2B5EF4-FFF2-40B4-BE49-F238E27FC236}">
-                  <a16:creationId xmlns:a16="http://schemas.microsoft.com/office/drawing/2014/main" id="{51F63E59-3408-16C8-240C-D923F1DCCE08}"/>
+                  <a16:creationId xmlns:a16="http://schemas.microsoft.com/office/drawing/2014/main" id="{062A9254-C580-CA81-C156-61CF7C3E982D}"/>
                 </a:ext>
               </a:extLst>
             </p:cNvPr>
@@ -8890,17 +8086,81 @@
           </p:nvSpPr>
           <p:spPr>
             <a:xfrm>
-              <a:off x="6534029" y="4752036"/>
-              <a:ext cx="891088" cy="199180"/>
+              <a:off x="1147313" y="3083133"/>
+              <a:ext cx="1000606" cy="1054316"/>
             </a:xfrm>
-            <a:prstGeom prst="rect">
-              <a:avLst/>
+            <a:prstGeom prst="roundRect">
+              <a:avLst>
+                <a:gd name="adj" fmla="val 12904"/>
+              </a:avLst>
             </a:prstGeom>
             <a:solidFill>
-              <a:schemeClr val="bg1"/>
+              <a:schemeClr val="bg1">
+                <a:lumMod val="95000"/>
+              </a:schemeClr>
             </a:solidFill>
-            <a:ln>
-              <a:noFill/>
+            <a:ln w="38100">
+              <a:solidFill>
+                <a:schemeClr val="tx1"/>
+              </a:solidFill>
+            </a:ln>
+          </p:spPr>
+          <p:style>
+            <a:lnRef idx="2">
+              <a:schemeClr val="accent1">
+                <a:shade val="50000"/>
+              </a:schemeClr>
+            </a:lnRef>
+            <a:fillRef idx="1">
+              <a:schemeClr val="accent1"/>
+            </a:fillRef>
+            <a:effectRef idx="0">
+              <a:schemeClr val="accent1"/>
+            </a:effectRef>
+            <a:fontRef idx="minor">
+              <a:schemeClr val="lt1"/>
+            </a:fontRef>
+          </p:style>
+          <p:txBody>
+            <a:bodyPr rtlCol="0" anchor="ctr"/>
+            <a:lstStyle/>
+            <a:p>
+              <a:pPr algn="ctr"/>
+              <a:endParaRPr lang="ko-KR" altLang="en-US"/>
+            </a:p>
+          </p:txBody>
+        </p:sp>
+        <p:sp>
+          <p:nvSpPr>
+            <p:cNvPr id="1059" name="사각형: 둥근 모서리 1058">
+              <a:extLst>
+                <a:ext uri="{FF2B5EF4-FFF2-40B4-BE49-F238E27FC236}">
+                  <a16:creationId xmlns:a16="http://schemas.microsoft.com/office/drawing/2014/main" id="{997EC095-C32F-E604-D401-A3021AE952DD}"/>
+                </a:ext>
+              </a:extLst>
+            </p:cNvPr>
+            <p:cNvSpPr/>
+            <p:nvPr/>
+          </p:nvSpPr>
+          <p:spPr>
+            <a:xfrm>
+              <a:off x="2174954" y="1886725"/>
+              <a:ext cx="1000606" cy="1054316"/>
+            </a:xfrm>
+            <a:prstGeom prst="roundRect">
+              <a:avLst>
+                <a:gd name="adj" fmla="val 12904"/>
+              </a:avLst>
+            </a:prstGeom>
+            <a:solidFill>
+              <a:schemeClr val="bg1">
+                <a:lumMod val="95000"/>
+              </a:schemeClr>
+            </a:solidFill>
+            <a:ln w="38100">
+              <a:solidFill>
+                <a:schemeClr val="tx1"/>
+              </a:solidFill>
             </a:ln>
           </p:spPr>
           <p:style>
@@ -8930,10 +8190,10 @@
         </p:sp>
         <p:pic>
           <p:nvPicPr>
-            <p:cNvPr id="13" name="그래픽 12" descr="데이터베이스 윤곽선">
+            <p:cNvPr id="25" name="그래픽 24" descr="사용자 단색으로 채워진">
               <a:extLst>
                 <a:ext uri="{FF2B5EF4-FFF2-40B4-BE49-F238E27FC236}">
-                  <a16:creationId xmlns:a16="http://schemas.microsoft.com/office/drawing/2014/main" id="{85CC0EBC-E698-18EC-D779-C9E0074F0001}"/>
+                  <a16:creationId xmlns:a16="http://schemas.microsoft.com/office/drawing/2014/main" id="{A041D248-0B91-7F15-7E35-A6719BB4D9C0}"/>
                 </a:ext>
               </a:extLst>
             </p:cNvPr>
@@ -8943,13 +8203,13 @@
             <p:nvPr/>
           </p:nvPicPr>
           <p:blipFill>
-            <a:blip r:embed="rId14" cstate="hqprint">
+            <a:blip r:embed="rId6" cstate="hqprint">
               <a:extLst>
                 <a:ext uri="{28A0092B-C50C-407E-A947-70E740481C1C}">
                   <a14:useLocalDpi xmlns:a14="http://schemas.microsoft.com/office/drawing/2010/main" val="0"/>
                 </a:ext>
                 <a:ext uri="{96DAC541-7B7A-43D3-8B79-37D633B846F1}">
-                  <asvg:svgBlip xmlns:asvg="http://schemas.microsoft.com/office/drawing/2016/SVG/main" r:embed="rId15"/>
+                  <asvg:svgBlip xmlns:asvg="http://schemas.microsoft.com/office/drawing/2016/SVG/main" r:embed="rId7"/>
                 </a:ext>
               </a:extLst>
             </a:blip>
@@ -8959,8 +8219,8 @@
           </p:blipFill>
           <p:spPr>
             <a:xfrm>
-              <a:off x="5753827" y="3254044"/>
-              <a:ext cx="665720" cy="633238"/>
+              <a:off x="2350440" y="2145347"/>
+              <a:ext cx="654820" cy="655550"/>
             </a:xfrm>
             <a:prstGeom prst="rect">
               <a:avLst/>
@@ -8969,10 +8229,10 @@
         </p:pic>
         <p:pic>
           <p:nvPicPr>
-            <p:cNvPr id="8" name="그림 7">
+            <p:cNvPr id="44" name="그래픽 43" descr="온도계 단색으로 채워진">
               <a:extLst>
                 <a:ext uri="{FF2B5EF4-FFF2-40B4-BE49-F238E27FC236}">
-                  <a16:creationId xmlns:a16="http://schemas.microsoft.com/office/drawing/2014/main" id="{2AA1D2A1-5397-C0D5-0B25-CA209C316C7B}"/>
+                  <a16:creationId xmlns:a16="http://schemas.microsoft.com/office/drawing/2014/main" id="{D110547F-7A2E-F980-2EF4-26A203FF03D2}"/>
                 </a:ext>
               </a:extLst>
             </p:cNvPr>
@@ -8982,15 +8242,24 @@
             <p:nvPr/>
           </p:nvPicPr>
           <p:blipFill>
-            <a:blip r:embed="rId13"/>
+            <a:blip r:embed="rId8" cstate="hqprint">
+              <a:extLst>
+                <a:ext uri="{28A0092B-C50C-407E-A947-70E740481C1C}">
+                  <a14:useLocalDpi xmlns:a14="http://schemas.microsoft.com/office/drawing/2010/main" val="0"/>
+                </a:ext>
+                <a:ext uri="{96DAC541-7B7A-43D3-8B79-37D633B846F1}">
+                  <asvg:svgBlip xmlns:asvg="http://schemas.microsoft.com/office/drawing/2016/SVG/main" r:embed="rId9"/>
+                </a:ext>
+              </a:extLst>
+            </a:blip>
             <a:stretch>
               <a:fillRect/>
             </a:stretch>
           </p:blipFill>
           <p:spPr>
             <a:xfrm>
-              <a:off x="5642941" y="2737258"/>
-              <a:ext cx="891088" cy="847609"/>
+              <a:off x="1378223" y="3384153"/>
+              <a:ext cx="531209" cy="531802"/>
             </a:xfrm>
             <a:prstGeom prst="rect">
               <a:avLst/>
@@ -8999,10 +8268,10 @@
         </p:pic>
         <p:pic>
           <p:nvPicPr>
-            <p:cNvPr id="14" name="그래픽 13" descr="데이터베이스 윤곽선">
+            <p:cNvPr id="46" name="그래픽 45" descr="경찰관 남성 단색으로 채워진">
               <a:extLst>
                 <a:ext uri="{FF2B5EF4-FFF2-40B4-BE49-F238E27FC236}">
-                  <a16:creationId xmlns:a16="http://schemas.microsoft.com/office/drawing/2014/main" id="{88658D9A-ECF9-E7AE-FBCA-8A2B13DB582B}"/>
+                  <a16:creationId xmlns:a16="http://schemas.microsoft.com/office/drawing/2014/main" id="{B75773AE-27AF-65F1-8255-EE3D1C5609DF}"/>
                 </a:ext>
               </a:extLst>
             </p:cNvPr>
@@ -9012,13 +8281,13 @@
             <p:nvPr/>
           </p:nvPicPr>
           <p:blipFill>
-            <a:blip r:embed="rId14" cstate="hqprint">
+            <a:blip r:embed="rId10" cstate="hqprint">
               <a:extLst>
                 <a:ext uri="{28A0092B-C50C-407E-A947-70E740481C1C}">
                   <a14:useLocalDpi xmlns:a14="http://schemas.microsoft.com/office/drawing/2010/main" val="0"/>
                 </a:ext>
                 <a:ext uri="{96DAC541-7B7A-43D3-8B79-37D633B846F1}">
-                  <asvg:svgBlip xmlns:asvg="http://schemas.microsoft.com/office/drawing/2016/SVG/main" r:embed="rId15"/>
+                  <asvg:svgBlip xmlns:asvg="http://schemas.microsoft.com/office/drawing/2016/SVG/main" r:embed="rId11"/>
                 </a:ext>
               </a:extLst>
             </a:blip>
@@ -9028,8 +8297,8 @@
           </p:blipFill>
           <p:spPr>
             <a:xfrm>
-              <a:off x="7435249" y="3260896"/>
-              <a:ext cx="665720" cy="666463"/>
+              <a:off x="1334650" y="4592220"/>
+              <a:ext cx="625932" cy="621896"/>
             </a:xfrm>
             <a:prstGeom prst="rect">
               <a:avLst/>
@@ -9038,10 +8307,10 @@
         </p:pic>
         <p:pic>
           <p:nvPicPr>
-            <p:cNvPr id="15" name="그림 14">
+            <p:cNvPr id="48" name="그래픽 47" descr="남성 프로그래머 단색으로 채워진">
               <a:extLst>
                 <a:ext uri="{FF2B5EF4-FFF2-40B4-BE49-F238E27FC236}">
-                  <a16:creationId xmlns:a16="http://schemas.microsoft.com/office/drawing/2014/main" id="{545D79B8-4FA8-D512-33B3-245A6C1F1990}"/>
+                  <a16:creationId xmlns:a16="http://schemas.microsoft.com/office/drawing/2014/main" id="{301F8CBC-1C6B-57C5-81B1-FEFB735237A4}"/>
                 </a:ext>
               </a:extLst>
             </p:cNvPr>
@@ -9051,15 +8320,24 @@
             <p:nvPr/>
           </p:nvPicPr>
           <p:blipFill>
-            <a:blip r:embed="rId13"/>
+            <a:blip r:embed="rId12" cstate="hqprint">
+              <a:extLst>
+                <a:ext uri="{28A0092B-C50C-407E-A947-70E740481C1C}">
+                  <a14:useLocalDpi xmlns:a14="http://schemas.microsoft.com/office/drawing/2010/main" val="0"/>
+                </a:ext>
+                <a:ext uri="{96DAC541-7B7A-43D3-8B79-37D633B846F1}">
+                  <asvg:svgBlip xmlns:asvg="http://schemas.microsoft.com/office/drawing/2016/SVG/main" r:embed="rId13"/>
+                </a:ext>
+              </a:extLst>
+            </a:blip>
             <a:stretch>
               <a:fillRect/>
             </a:stretch>
           </p:blipFill>
           <p:spPr>
             <a:xfrm>
-              <a:off x="7336847" y="2718964"/>
-              <a:ext cx="891088" cy="892082"/>
+              <a:off x="2346990" y="5618001"/>
+              <a:ext cx="656533" cy="657266"/>
             </a:xfrm>
             <a:prstGeom prst="rect">
               <a:avLst/>
@@ -9068,10 +8346,10 @@
         </p:pic>
         <p:pic>
           <p:nvPicPr>
-            <p:cNvPr id="17" name="그래픽 16" descr="데이터베이스 윤곽선">
+            <p:cNvPr id="61" name="그림 60">
               <a:extLst>
                 <a:ext uri="{FF2B5EF4-FFF2-40B4-BE49-F238E27FC236}">
-                  <a16:creationId xmlns:a16="http://schemas.microsoft.com/office/drawing/2014/main" id="{5E3A73A0-EA43-05F9-535D-3A3A75041248}"/>
+                  <a16:creationId xmlns:a16="http://schemas.microsoft.com/office/drawing/2014/main" id="{6FCD808C-7905-2F3D-B9C7-FF65886E28DA}"/>
                 </a:ext>
               </a:extLst>
             </p:cNvPr>
@@ -9081,24 +8359,15 @@
             <p:nvPr/>
           </p:nvPicPr>
           <p:blipFill>
-            <a:blip r:embed="rId14" cstate="hqprint">
-              <a:extLst>
-                <a:ext uri="{28A0092B-C50C-407E-A947-70E740481C1C}">
-                  <a14:useLocalDpi xmlns:a14="http://schemas.microsoft.com/office/drawing/2010/main" val="0"/>
-                </a:ext>
-                <a:ext uri="{96DAC541-7B7A-43D3-8B79-37D633B846F1}">
-                  <asvg:svgBlip xmlns:asvg="http://schemas.microsoft.com/office/drawing/2016/SVG/main" r:embed="rId15"/>
-                </a:ext>
-              </a:extLst>
-            </a:blip>
+            <a:blip r:embed="rId5"/>
             <a:stretch>
               <a:fillRect/>
             </a:stretch>
           </p:blipFill>
           <p:spPr>
             <a:xfrm>
-              <a:off x="8927404" y="3261704"/>
-              <a:ext cx="665720" cy="666463"/>
+              <a:off x="1330681" y="2970386"/>
+              <a:ext cx="654820" cy="653822"/>
             </a:xfrm>
             <a:prstGeom prst="rect">
               <a:avLst/>
@@ -9107,10 +8376,10 @@
         </p:pic>
         <p:pic>
           <p:nvPicPr>
-            <p:cNvPr id="18" name="그림 17">
+            <p:cNvPr id="62" name="그림 61">
               <a:extLst>
                 <a:ext uri="{FF2B5EF4-FFF2-40B4-BE49-F238E27FC236}">
-                  <a16:creationId xmlns:a16="http://schemas.microsoft.com/office/drawing/2014/main" id="{544924B9-22DC-6198-25D2-81E99BD54CED}"/>
+                  <a16:creationId xmlns:a16="http://schemas.microsoft.com/office/drawing/2014/main" id="{11EC4E83-ED99-1BA6-70E7-AAE25E46AB64}"/>
                 </a:ext>
               </a:extLst>
             </p:cNvPr>
@@ -9120,15 +8389,15 @@
             <p:nvPr/>
           </p:nvPicPr>
           <p:blipFill>
-            <a:blip r:embed="rId13"/>
+            <a:blip r:embed="rId5"/>
             <a:stretch>
               <a:fillRect/>
             </a:stretch>
           </p:blipFill>
           <p:spPr>
             <a:xfrm>
-              <a:off x="8814721" y="2702853"/>
-              <a:ext cx="891088" cy="892082"/>
+              <a:off x="1332661" y="4183524"/>
+              <a:ext cx="654820" cy="655550"/>
             </a:xfrm>
             <a:prstGeom prst="rect">
               <a:avLst/>
@@ -9137,10 +8406,10 @@
         </p:pic>
         <p:pic>
           <p:nvPicPr>
-            <p:cNvPr id="19" name="그래픽 18" descr="데이터베이스 윤곽선">
+            <p:cNvPr id="63" name="그림 62">
               <a:extLst>
                 <a:ext uri="{FF2B5EF4-FFF2-40B4-BE49-F238E27FC236}">
-                  <a16:creationId xmlns:a16="http://schemas.microsoft.com/office/drawing/2014/main" id="{05418A8E-F2D1-DF88-CEB2-C71A2D7BD3C2}"/>
+                  <a16:creationId xmlns:a16="http://schemas.microsoft.com/office/drawing/2014/main" id="{ADDFBBF9-440E-9452-EEAE-8D9653AD148A}"/>
                 </a:ext>
               </a:extLst>
             </p:cNvPr>
@@ -9150,159 +8419,189 @@
             <p:nvPr/>
           </p:nvPicPr>
           <p:blipFill>
-            <a:blip r:embed="rId14" cstate="hqprint">
-              <a:extLst>
-                <a:ext uri="{28A0092B-C50C-407E-A947-70E740481C1C}">
-                  <a14:useLocalDpi xmlns:a14="http://schemas.microsoft.com/office/drawing/2010/main" val="0"/>
-                </a:ext>
-                <a:ext uri="{96DAC541-7B7A-43D3-8B79-37D633B846F1}">
-                  <asvg:svgBlip xmlns:asvg="http://schemas.microsoft.com/office/drawing/2016/SVG/main" r:embed="rId15"/>
-                </a:ext>
-              </a:extLst>
-            </a:blip>
+            <a:blip r:embed="rId5"/>
             <a:stretch>
               <a:fillRect/>
             </a:stretch>
           </p:blipFill>
           <p:spPr>
             <a:xfrm>
-              <a:off x="6656844" y="5028663"/>
-              <a:ext cx="665720" cy="666463"/>
+              <a:off x="2358183" y="5266583"/>
+              <a:ext cx="654820" cy="655550"/>
             </a:xfrm>
             <a:prstGeom prst="rect">
               <a:avLst/>
             </a:prstGeom>
           </p:spPr>
         </p:pic>
-        <p:pic>
-          <p:nvPicPr>
-            <p:cNvPr id="20" name="그림 19">
+        <p:sp>
+          <p:nvSpPr>
+            <p:cNvPr id="1024" name="TextBox 1023">
               <a:extLst>
                 <a:ext uri="{FF2B5EF4-FFF2-40B4-BE49-F238E27FC236}">
-                  <a16:creationId xmlns:a16="http://schemas.microsoft.com/office/drawing/2014/main" id="{F3106B7F-4E57-A5F5-CC6F-E74350B777D6}"/>
+                  <a16:creationId xmlns:a16="http://schemas.microsoft.com/office/drawing/2014/main" id="{BBE18A7D-B060-251B-7A64-AE77D23A8A72}"/>
                 </a:ext>
               </a:extLst>
             </p:cNvPr>
-            <p:cNvPicPr>
-              <a:picLocks noChangeAspect="1"/>
-            </p:cNvPicPr>
+            <p:cNvSpPr txBox="1"/>
             <p:nvPr/>
-          </p:nvPicPr>
-          <p:blipFill>
-            <a:blip r:embed="rId13"/>
-            <a:stretch>
-              <a:fillRect/>
-            </a:stretch>
-          </p:blipFill>
+          </p:nvSpPr>
           <p:spPr>
             <a:xfrm>
-              <a:off x="6558727" y="4487225"/>
-              <a:ext cx="891088" cy="892082"/>
+              <a:off x="2467265" y="2683537"/>
+              <a:ext cx="667498" cy="261610"/>
             </a:xfrm>
             <a:prstGeom prst="rect">
               <a:avLst/>
             </a:prstGeom>
+            <a:noFill/>
           </p:spPr>
-        </p:pic>
-        <p:pic>
-          <p:nvPicPr>
-            <p:cNvPr id="21" name="그래픽 20" descr="데이터베이스 윤곽선">
+          <p:txBody>
+            <a:bodyPr wrap="square" rtlCol="0">
+              <a:spAutoFit/>
+            </a:bodyPr>
+            <a:lstStyle/>
+            <a:p>
+              <a:r>
+                <a:rPr lang="en-US" altLang="ko-KR" sz="1100" b="1" dirty="0"/>
+                <a:t>User</a:t>
+              </a:r>
+              <a:endParaRPr lang="ko-KR" altLang="en-US" sz="1100" b="1" dirty="0"/>
+            </a:p>
+          </p:txBody>
+        </p:sp>
+        <p:sp>
+          <p:nvSpPr>
+            <p:cNvPr id="1025" name="TextBox 1024">
               <a:extLst>
                 <a:ext uri="{FF2B5EF4-FFF2-40B4-BE49-F238E27FC236}">
-                  <a16:creationId xmlns:a16="http://schemas.microsoft.com/office/drawing/2014/main" id="{3F1534F1-CF70-D3A9-E2EE-82927B9F3C1F}"/>
+                  <a16:creationId xmlns:a16="http://schemas.microsoft.com/office/drawing/2014/main" id="{CAE306DE-C429-8740-05D5-82FEA6D5DA50}"/>
                 </a:ext>
               </a:extLst>
             </p:cNvPr>
-            <p:cNvPicPr>
-              <a:picLocks noChangeAspect="1"/>
-            </p:cNvPicPr>
+            <p:cNvSpPr txBox="1"/>
             <p:nvPr/>
-          </p:nvPicPr>
-          <p:blipFill>
-            <a:blip r:embed="rId14" cstate="hqprint">
-              <a:extLst>
-                <a:ext uri="{28A0092B-C50C-407E-A947-70E740481C1C}">
-                  <a14:useLocalDpi xmlns:a14="http://schemas.microsoft.com/office/drawing/2010/main" val="0"/>
-                </a:ext>
-                <a:ext uri="{96DAC541-7B7A-43D3-8B79-37D633B846F1}">
-                  <asvg:svgBlip xmlns:asvg="http://schemas.microsoft.com/office/drawing/2016/SVG/main" r:embed="rId15"/>
-                </a:ext>
-              </a:extLst>
-            </a:blip>
-            <a:stretch>
-              <a:fillRect/>
-            </a:stretch>
-          </p:blipFill>
+          </p:nvSpPr>
           <p:spPr>
             <a:xfrm>
-              <a:off x="8213650" y="5035600"/>
-              <a:ext cx="665720" cy="666463"/>
+              <a:off x="1334639" y="3862884"/>
+              <a:ext cx="667498" cy="261610"/>
             </a:xfrm>
             <a:prstGeom prst="rect">
               <a:avLst/>
             </a:prstGeom>
+            <a:noFill/>
           </p:spPr>
-        </p:pic>
-        <p:pic>
-          <p:nvPicPr>
-            <p:cNvPr id="22" name="그림 21">
+          <p:txBody>
+            <a:bodyPr wrap="square" rtlCol="0">
+              <a:spAutoFit/>
+            </a:bodyPr>
+            <a:lstStyle/>
+            <a:p>
+              <a:r>
+                <a:rPr lang="en-US" altLang="ko-KR" sz="1100" b="1" dirty="0"/>
+                <a:t>Sensor</a:t>
+              </a:r>
+              <a:endParaRPr lang="ko-KR" altLang="en-US" sz="1100" b="1" dirty="0"/>
+            </a:p>
+          </p:txBody>
+        </p:sp>
+        <p:sp>
+          <p:nvSpPr>
+            <p:cNvPr id="1026" name="TextBox 1025">
               <a:extLst>
                 <a:ext uri="{FF2B5EF4-FFF2-40B4-BE49-F238E27FC236}">
-                  <a16:creationId xmlns:a16="http://schemas.microsoft.com/office/drawing/2014/main" id="{EA588C57-8925-7868-73CE-FA85EA042045}"/>
+                  <a16:creationId xmlns:a16="http://schemas.microsoft.com/office/drawing/2014/main" id="{2CAE33B5-AF43-2827-29A3-D2DC7487B6F1}"/>
                 </a:ext>
               </a:extLst>
             </p:cNvPr>
-            <p:cNvPicPr>
-              <a:picLocks noChangeAspect="1"/>
-            </p:cNvPicPr>
+            <p:cNvSpPr txBox="1"/>
             <p:nvPr/>
-          </p:nvPicPr>
-          <p:blipFill>
-            <a:blip r:embed="rId13"/>
-            <a:stretch>
-              <a:fillRect/>
-            </a:stretch>
-          </p:blipFill>
+          </p:nvSpPr>
           <p:spPr>
             <a:xfrm>
-              <a:off x="8116317" y="4483610"/>
-              <a:ext cx="891088" cy="892082"/>
+              <a:off x="1339745" y="5125134"/>
+              <a:ext cx="667498" cy="261610"/>
             </a:xfrm>
             <a:prstGeom prst="rect">
               <a:avLst/>
             </a:prstGeom>
+            <a:noFill/>
           </p:spPr>
-        </p:pic>
+          <p:txBody>
+            <a:bodyPr wrap="square" rtlCol="0">
+              <a:spAutoFit/>
+            </a:bodyPr>
+            <a:lstStyle/>
+            <a:p>
+              <a:r>
+                <a:rPr lang="en-US" altLang="ko-KR" sz="1100" b="1" dirty="0"/>
+                <a:t>Admin</a:t>
+              </a:r>
+              <a:endParaRPr lang="ko-KR" altLang="en-US" sz="1100" b="1" dirty="0"/>
+            </a:p>
+          </p:txBody>
+        </p:sp>
+        <p:sp>
+          <p:nvSpPr>
+            <p:cNvPr id="1027" name="TextBox 1026">
+              <a:extLst>
+                <a:ext uri="{FF2B5EF4-FFF2-40B4-BE49-F238E27FC236}">
+                  <a16:creationId xmlns:a16="http://schemas.microsoft.com/office/drawing/2014/main" id="{CEA124B0-AB7F-4C76-274A-AC2460B70473}"/>
+                </a:ext>
+              </a:extLst>
+            </p:cNvPr>
+            <p:cNvSpPr txBox="1"/>
+            <p:nvPr/>
+          </p:nvSpPr>
+          <p:spPr>
+            <a:xfrm>
+              <a:off x="2321913" y="6221740"/>
+              <a:ext cx="758445" cy="261610"/>
+            </a:xfrm>
+            <a:prstGeom prst="rect">
+              <a:avLst/>
+            </a:prstGeom>
+            <a:noFill/>
+          </p:spPr>
+          <p:txBody>
+            <a:bodyPr wrap="square" rtlCol="0">
+              <a:spAutoFit/>
+            </a:bodyPr>
+            <a:lstStyle/>
+            <a:p>
+              <a:r>
+                <a:rPr lang="en-US" altLang="ko-KR" sz="1100" b="1" dirty="0"/>
+                <a:t>Cracker</a:t>
+              </a:r>
+              <a:endParaRPr lang="ko-KR" altLang="en-US" sz="1100" b="1" dirty="0"/>
+            </a:p>
+          </p:txBody>
+        </p:sp>
         <p:cxnSp>
           <p:nvCxnSpPr>
-            <p:cNvPr id="27" name="연결선: 꺾임 26">
+            <p:cNvPr id="1032" name="직선 화살표 연결선 1031">
               <a:extLst>
                 <a:ext uri="{FF2B5EF4-FFF2-40B4-BE49-F238E27FC236}">
-                  <a16:creationId xmlns:a16="http://schemas.microsoft.com/office/drawing/2014/main" id="{8633C101-43BF-2123-CFD5-08D2E83B309A}"/>
+                  <a16:creationId xmlns:a16="http://schemas.microsoft.com/office/drawing/2014/main" id="{F684AF9A-2349-EF54-D40D-E50FE049F297}"/>
                 </a:ext>
               </a:extLst>
             </p:cNvPr>
             <p:cNvCxnSpPr>
               <a:cxnSpLocks/>
-              <a:stCxn id="1028" idx="2"/>
-              <a:endCxn id="1043" idx="2"/>
             </p:cNvCxnSpPr>
             <p:nvPr/>
           </p:nvCxnSpPr>
           <p:spPr>
-            <a:xfrm rot="5400000" flipH="1" flipV="1">
-              <a:off x="7691761" y="2549771"/>
-              <a:ext cx="889" cy="3136217"/>
+            <a:xfrm>
+              <a:off x="3657155" y="2224615"/>
+              <a:ext cx="1634858" cy="1271044"/>
             </a:xfrm>
-            <a:prstGeom prst="bentConnector3">
-              <a:avLst>
-                <a:gd name="adj1" fmla="val -22477876"/>
-              </a:avLst>
+            <a:prstGeom prst="straightConnector1">
+              <a:avLst/>
             </a:prstGeom>
-            <a:ln w="38100">
-              <a:solidFill>
-                <a:schemeClr val="tx1"/>
-              </a:solidFill>
+            <a:ln w="57150">
+              <a:tailEnd type="triangle"/>
             </a:ln>
           </p:spPr>
           <p:style>
@@ -9322,34 +8621,33 @@
         </p:cxnSp>
         <p:cxnSp>
           <p:nvCxnSpPr>
-            <p:cNvPr id="28" name="연결선: 꺾임 27">
+            <p:cNvPr id="1033" name="직선 화살표 연결선 1032">
               <a:extLst>
                 <a:ext uri="{FF2B5EF4-FFF2-40B4-BE49-F238E27FC236}">
-                  <a16:creationId xmlns:a16="http://schemas.microsoft.com/office/drawing/2014/main" id="{D078F211-3DD1-D8AC-3CB5-B36960D60EED}"/>
+                  <a16:creationId xmlns:a16="http://schemas.microsoft.com/office/drawing/2014/main" id="{053E8AC5-C161-182A-E090-9F2A6B2C95C1}"/>
                 </a:ext>
               </a:extLst>
             </p:cNvPr>
             <p:cNvCxnSpPr>
               <a:cxnSpLocks/>
-              <a:stCxn id="1034" idx="2"/>
-              <a:endCxn id="1047" idx="0"/>
             </p:cNvCxnSpPr>
             <p:nvPr/>
           </p:nvCxnSpPr>
           <p:spPr>
-            <a:xfrm rot="16200000" flipH="1">
-              <a:off x="7947882" y="3935619"/>
-              <a:ext cx="389628" cy="754910"/>
+            <a:xfrm flipV="1">
+              <a:off x="1634271" y="2473122"/>
+              <a:ext cx="470196" cy="479825"/>
             </a:xfrm>
-            <a:prstGeom prst="bentConnector3">
-              <a:avLst>
-                <a:gd name="adj1" fmla="val 51424"/>
-              </a:avLst>
+            <a:prstGeom prst="straightConnector1">
+              <a:avLst/>
             </a:prstGeom>
-            <a:ln w="38100">
+            <a:ln w="57150">
               <a:solidFill>
-                <a:schemeClr val="tx1"/>
+                <a:schemeClr val="accent6">
+                  <a:lumMod val="75000"/>
+                </a:schemeClr>
               </a:solidFill>
+              <a:tailEnd type="triangle"/>
             </a:ln>
           </p:spPr>
           <p:style>
@@ -9369,34 +8667,28 @@
         </p:cxnSp>
         <p:cxnSp>
           <p:nvCxnSpPr>
-            <p:cNvPr id="36" name="연결선: 꺾임 35">
+            <p:cNvPr id="11" name="직선 화살표 연결선 10">
               <a:extLst>
                 <a:ext uri="{FF2B5EF4-FFF2-40B4-BE49-F238E27FC236}">
-                  <a16:creationId xmlns:a16="http://schemas.microsoft.com/office/drawing/2014/main" id="{ECC004A2-067E-34DB-B350-3D376E97FA7C}"/>
+                  <a16:creationId xmlns:a16="http://schemas.microsoft.com/office/drawing/2014/main" id="{0C60433B-5038-876A-E6A3-49AB36CCBCF4}"/>
                 </a:ext>
               </a:extLst>
             </p:cNvPr>
             <p:cNvCxnSpPr>
               <a:cxnSpLocks/>
-              <a:stCxn id="1034" idx="2"/>
-              <a:endCxn id="1048" idx="0"/>
             </p:cNvCxnSpPr>
             <p:nvPr/>
           </p:nvCxnSpPr>
           <p:spPr>
-            <a:xfrm rot="5400000">
-              <a:off x="7171665" y="3905743"/>
-              <a:ext cx="381058" cy="806093"/>
+            <a:xfrm flipH="1" flipV="1">
+              <a:off x="3435547" y="2538790"/>
+              <a:ext cx="1557800" cy="1222844"/>
             </a:xfrm>
-            <a:prstGeom prst="bentConnector3">
-              <a:avLst>
-                <a:gd name="adj1" fmla="val 52184"/>
-              </a:avLst>
+            <a:prstGeom prst="straightConnector1">
+              <a:avLst/>
             </a:prstGeom>
-            <a:ln w="38100">
-              <a:solidFill>
-                <a:schemeClr val="tx1"/>
-              </a:solidFill>
+            <a:ln w="57150">
+              <a:tailEnd type="triangle"/>
             </a:ln>
           </p:spPr>
           <p:style>
@@ -9414,51 +8706,1327 @@
             </a:fontRef>
           </p:style>
         </p:cxnSp>
-        <p:pic>
-          <p:nvPicPr>
-            <p:cNvPr id="50" name="그래픽 49" descr="구름 단색으로 채워진">
+        <p:cxnSp>
+          <p:nvCxnSpPr>
+            <p:cNvPr id="29" name="직선 화살표 연결선 28">
               <a:extLst>
                 <a:ext uri="{FF2B5EF4-FFF2-40B4-BE49-F238E27FC236}">
-                  <a16:creationId xmlns:a16="http://schemas.microsoft.com/office/drawing/2014/main" id="{93EF413B-0436-721A-E1CE-90508035A338}"/>
+                  <a16:creationId xmlns:a16="http://schemas.microsoft.com/office/drawing/2014/main" id="{4A8EE4D4-5C2D-35D2-7D2C-FCC4994363A0}"/>
                 </a:ext>
               </a:extLst>
             </p:cNvPr>
-            <p:cNvPicPr>
-              <a:picLocks noChangeAspect="1"/>
-            </p:cNvPicPr>
+            <p:cNvCxnSpPr>
+              <a:cxnSpLocks/>
+            </p:cNvCxnSpPr>
             <p:nvPr/>
-          </p:nvPicPr>
-          <p:blipFill>
-            <a:blip r:embed="rId16">
+          </p:nvCxnSpPr>
+          <p:spPr>
+            <a:xfrm flipH="1">
+              <a:off x="2304890" y="4200737"/>
+              <a:ext cx="2345938" cy="440785"/>
+            </a:xfrm>
+            <a:prstGeom prst="straightConnector1">
+              <a:avLst/>
+            </a:prstGeom>
+            <a:ln w="57150">
+              <a:tailEnd type="triangle"/>
+            </a:ln>
+          </p:spPr>
+          <p:style>
+            <a:lnRef idx="1">
+              <a:schemeClr val="accent1"/>
+            </a:lnRef>
+            <a:fillRef idx="0">
+              <a:schemeClr val="accent1"/>
+            </a:fillRef>
+            <a:effectRef idx="0">
+              <a:schemeClr val="accent1"/>
+            </a:effectRef>
+            <a:fontRef idx="minor">
+              <a:schemeClr val="tx1"/>
+            </a:fontRef>
+          </p:style>
+        </p:cxnSp>
+        <p:cxnSp>
+          <p:nvCxnSpPr>
+            <p:cNvPr id="34" name="직선 화살표 연결선 33">
               <a:extLst>
-                <a:ext uri="{28A0092B-C50C-407E-A947-70E740481C1C}">
-                  <a14:useLocalDpi xmlns:a14="http://schemas.microsoft.com/office/drawing/2010/main" val="0"/>
-                </a:ext>
-                <a:ext uri="{96DAC541-7B7A-43D3-8B79-37D633B846F1}">
-                  <asvg:svgBlip xmlns:asvg="http://schemas.microsoft.com/office/drawing/2016/SVG/main" r:embed="rId17"/>
+                <a:ext uri="{FF2B5EF4-FFF2-40B4-BE49-F238E27FC236}">
+                  <a16:creationId xmlns:a16="http://schemas.microsoft.com/office/drawing/2014/main" id="{4C9EAC8C-0F4E-8D45-D3A5-76955162DBDE}"/>
                 </a:ext>
               </a:extLst>
-            </a:blip>
-            <a:stretch>
-              <a:fillRect/>
-            </a:stretch>
-          </p:blipFill>
+            </p:cNvPr>
+            <p:cNvCxnSpPr>
+              <a:cxnSpLocks/>
+            </p:cNvCxnSpPr>
+            <p:nvPr/>
+          </p:nvCxnSpPr>
+          <p:spPr>
+            <a:xfrm flipV="1">
+              <a:off x="2432675" y="4579181"/>
+              <a:ext cx="2323171" cy="470894"/>
+            </a:xfrm>
+            <a:prstGeom prst="straightConnector1">
+              <a:avLst/>
+            </a:prstGeom>
+            <a:ln w="57150">
+              <a:tailEnd type="triangle"/>
+            </a:ln>
+          </p:spPr>
+          <p:style>
+            <a:lnRef idx="1">
+              <a:schemeClr val="accent1"/>
+            </a:lnRef>
+            <a:fillRef idx="0">
+              <a:schemeClr val="accent1"/>
+            </a:fillRef>
+            <a:effectRef idx="0">
+              <a:schemeClr val="accent1"/>
+            </a:effectRef>
+            <a:fontRef idx="minor">
+              <a:schemeClr val="tx1"/>
+            </a:fontRef>
+          </p:style>
+        </p:cxnSp>
+        <p:cxnSp>
+          <p:nvCxnSpPr>
+            <p:cNvPr id="38" name="직선 화살표 연결선 37">
+              <a:extLst>
+                <a:ext uri="{FF2B5EF4-FFF2-40B4-BE49-F238E27FC236}">
+                  <a16:creationId xmlns:a16="http://schemas.microsoft.com/office/drawing/2014/main" id="{F399A95D-C9CC-76DD-D1E9-6F3DE3784CF8}"/>
+                </a:ext>
+              </a:extLst>
+            </p:cNvPr>
+            <p:cNvCxnSpPr>
+              <a:cxnSpLocks/>
+            </p:cNvCxnSpPr>
+            <p:nvPr/>
+          </p:nvCxnSpPr>
           <p:spPr>
             <a:xfrm flipH="1">
-              <a:off x="4101980" y="3256815"/>
-              <a:ext cx="2047147" cy="2049432"/>
+              <a:off x="3421247" y="5111962"/>
+              <a:ext cx="2076133" cy="1139635"/>
             </a:xfrm>
-            <a:prstGeom prst="rect">
+            <a:prstGeom prst="straightConnector1">
               <a:avLst/>
             </a:prstGeom>
+            <a:ln w="57150">
+              <a:solidFill>
+                <a:srgbClr val="C00000"/>
+              </a:solidFill>
+              <a:tailEnd type="triangle"/>
+            </a:ln>
           </p:spPr>
-        </p:pic>
+          <p:style>
+            <a:lnRef idx="1">
+              <a:schemeClr val="accent1"/>
+            </a:lnRef>
+            <a:fillRef idx="0">
+              <a:schemeClr val="accent1"/>
+            </a:fillRef>
+            <a:effectRef idx="0">
+              <a:schemeClr val="accent1"/>
+            </a:effectRef>
+            <a:fontRef idx="minor">
+              <a:schemeClr val="tx1"/>
+            </a:fontRef>
+          </p:style>
+        </p:cxnSp>
+        <p:cxnSp>
+          <p:nvCxnSpPr>
+            <p:cNvPr id="39" name="직선 화살표 연결선 38">
+              <a:extLst>
+                <a:ext uri="{FF2B5EF4-FFF2-40B4-BE49-F238E27FC236}">
+                  <a16:creationId xmlns:a16="http://schemas.microsoft.com/office/drawing/2014/main" id="{56D432B2-54A5-1D6A-51F6-02DE0530635F}"/>
+                </a:ext>
+              </a:extLst>
+            </p:cNvPr>
+            <p:cNvCxnSpPr>
+              <a:cxnSpLocks/>
+            </p:cNvCxnSpPr>
+            <p:nvPr/>
+          </p:nvCxnSpPr>
+          <p:spPr>
+            <a:xfrm flipV="1">
+              <a:off x="3258690" y="4779960"/>
+              <a:ext cx="2000640" cy="1014354"/>
+            </a:xfrm>
+            <a:prstGeom prst="straightConnector1">
+              <a:avLst/>
+            </a:prstGeom>
+            <a:ln w="57150">
+              <a:solidFill>
+                <a:srgbClr val="C00000"/>
+              </a:solidFill>
+              <a:tailEnd type="triangle"/>
+            </a:ln>
+          </p:spPr>
+          <p:style>
+            <a:lnRef idx="1">
+              <a:schemeClr val="accent1"/>
+            </a:lnRef>
+            <a:fillRef idx="0">
+              <a:schemeClr val="accent1"/>
+            </a:fillRef>
+            <a:effectRef idx="0">
+              <a:schemeClr val="accent1"/>
+            </a:effectRef>
+            <a:fontRef idx="minor">
+              <a:schemeClr val="tx1"/>
+            </a:fontRef>
+          </p:style>
+        </p:cxnSp>
+        <p:grpSp>
+          <p:nvGrpSpPr>
+            <p:cNvPr id="1069" name="그룹 1068">
+              <a:extLst>
+                <a:ext uri="{FF2B5EF4-FFF2-40B4-BE49-F238E27FC236}">
+                  <a16:creationId xmlns:a16="http://schemas.microsoft.com/office/drawing/2014/main" id="{83CAC9EC-1AF8-23E4-FA6F-2EBC66E4C0DE}"/>
+                </a:ext>
+              </a:extLst>
+            </p:cNvPr>
+            <p:cNvGrpSpPr/>
+            <p:nvPr/>
+          </p:nvGrpSpPr>
+          <p:grpSpPr>
+            <a:xfrm>
+              <a:off x="4860864" y="2473122"/>
+              <a:ext cx="6020925" cy="3049054"/>
+              <a:chOff x="4101980" y="2702853"/>
+              <a:chExt cx="6020925" cy="3049054"/>
+            </a:xfrm>
+          </p:grpSpPr>
+          <p:sp>
+            <p:nvSpPr>
+              <p:cNvPr id="42" name="사각형: 둥근 모서리 41">
+                <a:extLst>
+                  <a:ext uri="{FF2B5EF4-FFF2-40B4-BE49-F238E27FC236}">
+                    <a16:creationId xmlns:a16="http://schemas.microsoft.com/office/drawing/2014/main" id="{73812D37-4AFE-26A6-EF03-53B268974222}"/>
+                  </a:ext>
+                </a:extLst>
+              </p:cNvPr>
+              <p:cNvSpPr/>
+              <p:nvPr/>
+            </p:nvSpPr>
+            <p:spPr>
+              <a:xfrm>
+                <a:off x="5204559" y="2810773"/>
+                <a:ext cx="4918346" cy="2941134"/>
+              </a:xfrm>
+              <a:prstGeom prst="roundRect">
+                <a:avLst>
+                  <a:gd name="adj" fmla="val 14104"/>
+                </a:avLst>
+              </a:prstGeom>
+              <a:solidFill>
+                <a:schemeClr val="bg1">
+                  <a:lumMod val="95000"/>
+                </a:schemeClr>
+              </a:solidFill>
+              <a:ln w="38100">
+                <a:solidFill>
+                  <a:schemeClr val="tx1"/>
+                </a:solidFill>
+              </a:ln>
+            </p:spPr>
+            <p:style>
+              <a:lnRef idx="2">
+                <a:schemeClr val="accent1">
+                  <a:shade val="50000"/>
+                </a:schemeClr>
+              </a:lnRef>
+              <a:fillRef idx="1">
+                <a:schemeClr val="accent1"/>
+              </a:fillRef>
+              <a:effectRef idx="0">
+                <a:schemeClr val="accent1"/>
+              </a:effectRef>
+              <a:fontRef idx="minor">
+                <a:schemeClr val="lt1"/>
+              </a:fontRef>
+            </p:style>
+            <p:txBody>
+              <a:bodyPr rtlCol="0" anchor="ctr"/>
+              <a:lstStyle/>
+              <a:p>
+                <a:pPr algn="ctr"/>
+                <a:endParaRPr lang="ko-KR" altLang="en-US"/>
+              </a:p>
+            </p:txBody>
+          </p:sp>
+          <p:sp>
+            <p:nvSpPr>
+              <p:cNvPr id="31" name="직사각형 30">
+                <a:extLst>
+                  <a:ext uri="{FF2B5EF4-FFF2-40B4-BE49-F238E27FC236}">
+                    <a16:creationId xmlns:a16="http://schemas.microsoft.com/office/drawing/2014/main" id="{5B3A7B8F-4A3A-A832-C4B0-3E2C35FFEFBB}"/>
+                  </a:ext>
+                </a:extLst>
+              </p:cNvPr>
+              <p:cNvSpPr/>
+              <p:nvPr/>
+            </p:nvSpPr>
+            <p:spPr>
+              <a:xfrm>
+                <a:off x="8090835" y="4752035"/>
+                <a:ext cx="891088" cy="199180"/>
+              </a:xfrm>
+              <a:prstGeom prst="rect">
+                <a:avLst/>
+              </a:prstGeom>
+              <a:solidFill>
+                <a:schemeClr val="bg1"/>
+              </a:solidFill>
+              <a:ln>
+                <a:noFill/>
+              </a:ln>
+            </p:spPr>
+            <p:style>
+              <a:lnRef idx="2">
+                <a:schemeClr val="accent1">
+                  <a:shade val="50000"/>
+                </a:schemeClr>
+              </a:lnRef>
+              <a:fillRef idx="1">
+                <a:schemeClr val="accent1"/>
+              </a:fillRef>
+              <a:effectRef idx="0">
+                <a:schemeClr val="accent1"/>
+              </a:effectRef>
+              <a:fontRef idx="minor">
+                <a:schemeClr val="lt1"/>
+              </a:fontRef>
+            </p:style>
+            <p:txBody>
+              <a:bodyPr rtlCol="0" anchor="ctr"/>
+              <a:lstStyle/>
+              <a:p>
+                <a:pPr algn="ctr"/>
+                <a:endParaRPr lang="ko-KR" altLang="en-US"/>
+              </a:p>
+            </p:txBody>
+          </p:sp>
+          <p:sp>
+            <p:nvSpPr>
+              <p:cNvPr id="32" name="직사각형 31">
+                <a:extLst>
+                  <a:ext uri="{FF2B5EF4-FFF2-40B4-BE49-F238E27FC236}">
+                    <a16:creationId xmlns:a16="http://schemas.microsoft.com/office/drawing/2014/main" id="{51F63E59-3408-16C8-240C-D923F1DCCE08}"/>
+                  </a:ext>
+                </a:extLst>
+              </p:cNvPr>
+              <p:cNvSpPr/>
+              <p:nvPr/>
+            </p:nvSpPr>
+            <p:spPr>
+              <a:xfrm>
+                <a:off x="6534029" y="4752036"/>
+                <a:ext cx="891088" cy="199180"/>
+              </a:xfrm>
+              <a:prstGeom prst="rect">
+                <a:avLst/>
+              </a:prstGeom>
+              <a:solidFill>
+                <a:schemeClr val="bg1"/>
+              </a:solidFill>
+              <a:ln>
+                <a:noFill/>
+              </a:ln>
+            </p:spPr>
+            <p:style>
+              <a:lnRef idx="2">
+                <a:schemeClr val="accent1">
+                  <a:shade val="50000"/>
+                </a:schemeClr>
+              </a:lnRef>
+              <a:fillRef idx="1">
+                <a:schemeClr val="accent1"/>
+              </a:fillRef>
+              <a:effectRef idx="0">
+                <a:schemeClr val="accent1"/>
+              </a:effectRef>
+              <a:fontRef idx="minor">
+                <a:schemeClr val="lt1"/>
+              </a:fontRef>
+            </p:style>
+            <p:txBody>
+              <a:bodyPr rtlCol="0" anchor="ctr"/>
+              <a:lstStyle/>
+              <a:p>
+                <a:pPr algn="ctr"/>
+                <a:endParaRPr lang="ko-KR" altLang="en-US"/>
+              </a:p>
+            </p:txBody>
+          </p:sp>
+          <p:pic>
+            <p:nvPicPr>
+              <p:cNvPr id="13" name="그래픽 12" descr="데이터베이스 윤곽선">
+                <a:extLst>
+                  <a:ext uri="{FF2B5EF4-FFF2-40B4-BE49-F238E27FC236}">
+                    <a16:creationId xmlns:a16="http://schemas.microsoft.com/office/drawing/2014/main" id="{85CC0EBC-E698-18EC-D779-C9E0074F0001}"/>
+                  </a:ext>
+                </a:extLst>
+              </p:cNvPr>
+              <p:cNvPicPr>
+                <a:picLocks noChangeAspect="1"/>
+              </p:cNvPicPr>
+              <p:nvPr/>
+            </p:nvPicPr>
+            <p:blipFill>
+              <a:blip r:embed="rId14" cstate="hqprint">
+                <a:extLst>
+                  <a:ext uri="{28A0092B-C50C-407E-A947-70E740481C1C}">
+                    <a14:useLocalDpi xmlns:a14="http://schemas.microsoft.com/office/drawing/2010/main" val="0"/>
+                  </a:ext>
+                  <a:ext uri="{96DAC541-7B7A-43D3-8B79-37D633B846F1}">
+                    <asvg:svgBlip xmlns:asvg="http://schemas.microsoft.com/office/drawing/2016/SVG/main" r:embed="rId15"/>
+                  </a:ext>
+                </a:extLst>
+              </a:blip>
+              <a:stretch>
+                <a:fillRect/>
+              </a:stretch>
+            </p:blipFill>
+            <p:spPr>
+              <a:xfrm>
+                <a:off x="5753827" y="3254044"/>
+                <a:ext cx="665720" cy="633238"/>
+              </a:xfrm>
+              <a:prstGeom prst="rect">
+                <a:avLst/>
+              </a:prstGeom>
+            </p:spPr>
+          </p:pic>
+          <p:pic>
+            <p:nvPicPr>
+              <p:cNvPr id="8" name="그림 7">
+                <a:extLst>
+                  <a:ext uri="{FF2B5EF4-FFF2-40B4-BE49-F238E27FC236}">
+                    <a16:creationId xmlns:a16="http://schemas.microsoft.com/office/drawing/2014/main" id="{2AA1D2A1-5397-C0D5-0B25-CA209C316C7B}"/>
+                  </a:ext>
+                </a:extLst>
+              </p:cNvPr>
+              <p:cNvPicPr>
+                <a:picLocks noChangeAspect="1"/>
+              </p:cNvPicPr>
+              <p:nvPr/>
+            </p:nvPicPr>
+            <p:blipFill>
+              <a:blip r:embed="rId5"/>
+              <a:stretch>
+                <a:fillRect/>
+              </a:stretch>
+            </p:blipFill>
+            <p:spPr>
+              <a:xfrm>
+                <a:off x="5642941" y="2737258"/>
+                <a:ext cx="891088" cy="847609"/>
+              </a:xfrm>
+              <a:prstGeom prst="rect">
+                <a:avLst/>
+              </a:prstGeom>
+            </p:spPr>
+          </p:pic>
+          <p:pic>
+            <p:nvPicPr>
+              <p:cNvPr id="14" name="그래픽 13" descr="데이터베이스 윤곽선">
+                <a:extLst>
+                  <a:ext uri="{FF2B5EF4-FFF2-40B4-BE49-F238E27FC236}">
+                    <a16:creationId xmlns:a16="http://schemas.microsoft.com/office/drawing/2014/main" id="{88658D9A-ECF9-E7AE-FBCA-8A2B13DB582B}"/>
+                  </a:ext>
+                </a:extLst>
+              </p:cNvPr>
+              <p:cNvPicPr>
+                <a:picLocks noChangeAspect="1"/>
+              </p:cNvPicPr>
+              <p:nvPr/>
+            </p:nvPicPr>
+            <p:blipFill>
+              <a:blip r:embed="rId14" cstate="hqprint">
+                <a:extLst>
+                  <a:ext uri="{28A0092B-C50C-407E-A947-70E740481C1C}">
+                    <a14:useLocalDpi xmlns:a14="http://schemas.microsoft.com/office/drawing/2010/main" val="0"/>
+                  </a:ext>
+                  <a:ext uri="{96DAC541-7B7A-43D3-8B79-37D633B846F1}">
+                    <asvg:svgBlip xmlns:asvg="http://schemas.microsoft.com/office/drawing/2016/SVG/main" r:embed="rId15"/>
+                  </a:ext>
+                </a:extLst>
+              </a:blip>
+              <a:stretch>
+                <a:fillRect/>
+              </a:stretch>
+            </p:blipFill>
+            <p:spPr>
+              <a:xfrm>
+                <a:off x="7435249" y="3260896"/>
+                <a:ext cx="665720" cy="666463"/>
+              </a:xfrm>
+              <a:prstGeom prst="rect">
+                <a:avLst/>
+              </a:prstGeom>
+            </p:spPr>
+          </p:pic>
+          <p:pic>
+            <p:nvPicPr>
+              <p:cNvPr id="15" name="그림 14">
+                <a:extLst>
+                  <a:ext uri="{FF2B5EF4-FFF2-40B4-BE49-F238E27FC236}">
+                    <a16:creationId xmlns:a16="http://schemas.microsoft.com/office/drawing/2014/main" id="{545D79B8-4FA8-D512-33B3-245A6C1F1990}"/>
+                  </a:ext>
+                </a:extLst>
+              </p:cNvPr>
+              <p:cNvPicPr>
+                <a:picLocks noChangeAspect="1"/>
+              </p:cNvPicPr>
+              <p:nvPr/>
+            </p:nvPicPr>
+            <p:blipFill>
+              <a:blip r:embed="rId5"/>
+              <a:stretch>
+                <a:fillRect/>
+              </a:stretch>
+            </p:blipFill>
+            <p:spPr>
+              <a:xfrm>
+                <a:off x="7336847" y="2718964"/>
+                <a:ext cx="891088" cy="892082"/>
+              </a:xfrm>
+              <a:prstGeom prst="rect">
+                <a:avLst/>
+              </a:prstGeom>
+            </p:spPr>
+          </p:pic>
+          <p:pic>
+            <p:nvPicPr>
+              <p:cNvPr id="17" name="그래픽 16" descr="데이터베이스 윤곽선">
+                <a:extLst>
+                  <a:ext uri="{FF2B5EF4-FFF2-40B4-BE49-F238E27FC236}">
+                    <a16:creationId xmlns:a16="http://schemas.microsoft.com/office/drawing/2014/main" id="{5E3A73A0-EA43-05F9-535D-3A3A75041248}"/>
+                  </a:ext>
+                </a:extLst>
+              </p:cNvPr>
+              <p:cNvPicPr>
+                <a:picLocks noChangeAspect="1"/>
+              </p:cNvPicPr>
+              <p:nvPr/>
+            </p:nvPicPr>
+            <p:blipFill>
+              <a:blip r:embed="rId14" cstate="hqprint">
+                <a:extLst>
+                  <a:ext uri="{28A0092B-C50C-407E-A947-70E740481C1C}">
+                    <a14:useLocalDpi xmlns:a14="http://schemas.microsoft.com/office/drawing/2010/main" val="0"/>
+                  </a:ext>
+                  <a:ext uri="{96DAC541-7B7A-43D3-8B79-37D633B846F1}">
+                    <asvg:svgBlip xmlns:asvg="http://schemas.microsoft.com/office/drawing/2016/SVG/main" r:embed="rId15"/>
+                  </a:ext>
+                </a:extLst>
+              </a:blip>
+              <a:stretch>
+                <a:fillRect/>
+              </a:stretch>
+            </p:blipFill>
+            <p:spPr>
+              <a:xfrm>
+                <a:off x="8927404" y="3261704"/>
+                <a:ext cx="665720" cy="666463"/>
+              </a:xfrm>
+              <a:prstGeom prst="rect">
+                <a:avLst/>
+              </a:prstGeom>
+            </p:spPr>
+          </p:pic>
+          <p:pic>
+            <p:nvPicPr>
+              <p:cNvPr id="18" name="그림 17">
+                <a:extLst>
+                  <a:ext uri="{FF2B5EF4-FFF2-40B4-BE49-F238E27FC236}">
+                    <a16:creationId xmlns:a16="http://schemas.microsoft.com/office/drawing/2014/main" id="{544924B9-22DC-6198-25D2-81E99BD54CED}"/>
+                  </a:ext>
+                </a:extLst>
+              </p:cNvPr>
+              <p:cNvPicPr>
+                <a:picLocks noChangeAspect="1"/>
+              </p:cNvPicPr>
+              <p:nvPr/>
+            </p:nvPicPr>
+            <p:blipFill>
+              <a:blip r:embed="rId5"/>
+              <a:stretch>
+                <a:fillRect/>
+              </a:stretch>
+            </p:blipFill>
+            <p:spPr>
+              <a:xfrm>
+                <a:off x="8814721" y="2702853"/>
+                <a:ext cx="891088" cy="892082"/>
+              </a:xfrm>
+              <a:prstGeom prst="rect">
+                <a:avLst/>
+              </a:prstGeom>
+            </p:spPr>
+          </p:pic>
+          <p:pic>
+            <p:nvPicPr>
+              <p:cNvPr id="19" name="그래픽 18" descr="데이터베이스 윤곽선">
+                <a:extLst>
+                  <a:ext uri="{FF2B5EF4-FFF2-40B4-BE49-F238E27FC236}">
+                    <a16:creationId xmlns:a16="http://schemas.microsoft.com/office/drawing/2014/main" id="{05418A8E-F2D1-DF88-CEB2-C71A2D7BD3C2}"/>
+                  </a:ext>
+                </a:extLst>
+              </p:cNvPr>
+              <p:cNvPicPr>
+                <a:picLocks noChangeAspect="1"/>
+              </p:cNvPicPr>
+              <p:nvPr/>
+            </p:nvPicPr>
+            <p:blipFill>
+              <a:blip r:embed="rId14" cstate="hqprint">
+                <a:extLst>
+                  <a:ext uri="{28A0092B-C50C-407E-A947-70E740481C1C}">
+                    <a14:useLocalDpi xmlns:a14="http://schemas.microsoft.com/office/drawing/2010/main" val="0"/>
+                  </a:ext>
+                  <a:ext uri="{96DAC541-7B7A-43D3-8B79-37D633B846F1}">
+                    <asvg:svgBlip xmlns:asvg="http://schemas.microsoft.com/office/drawing/2016/SVG/main" r:embed="rId15"/>
+                  </a:ext>
+                </a:extLst>
+              </a:blip>
+              <a:stretch>
+                <a:fillRect/>
+              </a:stretch>
+            </p:blipFill>
+            <p:spPr>
+              <a:xfrm>
+                <a:off x="6656844" y="5028663"/>
+                <a:ext cx="665720" cy="666463"/>
+              </a:xfrm>
+              <a:prstGeom prst="rect">
+                <a:avLst/>
+              </a:prstGeom>
+            </p:spPr>
+          </p:pic>
+          <p:pic>
+            <p:nvPicPr>
+              <p:cNvPr id="20" name="그림 19">
+                <a:extLst>
+                  <a:ext uri="{FF2B5EF4-FFF2-40B4-BE49-F238E27FC236}">
+                    <a16:creationId xmlns:a16="http://schemas.microsoft.com/office/drawing/2014/main" id="{F3106B7F-4E57-A5F5-CC6F-E74350B777D6}"/>
+                  </a:ext>
+                </a:extLst>
+              </p:cNvPr>
+              <p:cNvPicPr>
+                <a:picLocks noChangeAspect="1"/>
+              </p:cNvPicPr>
+              <p:nvPr/>
+            </p:nvPicPr>
+            <p:blipFill>
+              <a:blip r:embed="rId5"/>
+              <a:stretch>
+                <a:fillRect/>
+              </a:stretch>
+            </p:blipFill>
+            <p:spPr>
+              <a:xfrm>
+                <a:off x="6558727" y="4487225"/>
+                <a:ext cx="891088" cy="892082"/>
+              </a:xfrm>
+              <a:prstGeom prst="rect">
+                <a:avLst/>
+              </a:prstGeom>
+            </p:spPr>
+          </p:pic>
+          <p:pic>
+            <p:nvPicPr>
+              <p:cNvPr id="21" name="그래픽 20" descr="데이터베이스 윤곽선">
+                <a:extLst>
+                  <a:ext uri="{FF2B5EF4-FFF2-40B4-BE49-F238E27FC236}">
+                    <a16:creationId xmlns:a16="http://schemas.microsoft.com/office/drawing/2014/main" id="{3F1534F1-CF70-D3A9-E2EE-82927B9F3C1F}"/>
+                  </a:ext>
+                </a:extLst>
+              </p:cNvPr>
+              <p:cNvPicPr>
+                <a:picLocks noChangeAspect="1"/>
+              </p:cNvPicPr>
+              <p:nvPr/>
+            </p:nvPicPr>
+            <p:blipFill>
+              <a:blip r:embed="rId14" cstate="hqprint">
+                <a:extLst>
+                  <a:ext uri="{28A0092B-C50C-407E-A947-70E740481C1C}">
+                    <a14:useLocalDpi xmlns:a14="http://schemas.microsoft.com/office/drawing/2010/main" val="0"/>
+                  </a:ext>
+                  <a:ext uri="{96DAC541-7B7A-43D3-8B79-37D633B846F1}">
+                    <asvg:svgBlip xmlns:asvg="http://schemas.microsoft.com/office/drawing/2016/SVG/main" r:embed="rId15"/>
+                  </a:ext>
+                </a:extLst>
+              </a:blip>
+              <a:stretch>
+                <a:fillRect/>
+              </a:stretch>
+            </p:blipFill>
+            <p:spPr>
+              <a:xfrm>
+                <a:off x="8213650" y="5035600"/>
+                <a:ext cx="665720" cy="666463"/>
+              </a:xfrm>
+              <a:prstGeom prst="rect">
+                <a:avLst/>
+              </a:prstGeom>
+            </p:spPr>
+          </p:pic>
+          <p:pic>
+            <p:nvPicPr>
+              <p:cNvPr id="22" name="그림 21">
+                <a:extLst>
+                  <a:ext uri="{FF2B5EF4-FFF2-40B4-BE49-F238E27FC236}">
+                    <a16:creationId xmlns:a16="http://schemas.microsoft.com/office/drawing/2014/main" id="{EA588C57-8925-7868-73CE-FA85EA042045}"/>
+                  </a:ext>
+                </a:extLst>
+              </p:cNvPr>
+              <p:cNvPicPr>
+                <a:picLocks noChangeAspect="1"/>
+              </p:cNvPicPr>
+              <p:nvPr/>
+            </p:nvPicPr>
+            <p:blipFill>
+              <a:blip r:embed="rId5"/>
+              <a:stretch>
+                <a:fillRect/>
+              </a:stretch>
+            </p:blipFill>
+            <p:spPr>
+              <a:xfrm>
+                <a:off x="8116317" y="4483610"/>
+                <a:ext cx="891088" cy="892082"/>
+              </a:xfrm>
+              <a:prstGeom prst="rect">
+                <a:avLst/>
+              </a:prstGeom>
+            </p:spPr>
+          </p:pic>
+          <p:cxnSp>
+            <p:nvCxnSpPr>
+              <p:cNvPr id="27" name="연결선: 꺾임 26">
+                <a:extLst>
+                  <a:ext uri="{FF2B5EF4-FFF2-40B4-BE49-F238E27FC236}">
+                    <a16:creationId xmlns:a16="http://schemas.microsoft.com/office/drawing/2014/main" id="{8633C101-43BF-2123-CFD5-08D2E83B309A}"/>
+                  </a:ext>
+                </a:extLst>
+              </p:cNvPr>
+              <p:cNvCxnSpPr>
+                <a:cxnSpLocks/>
+                <a:stCxn id="1028" idx="2"/>
+                <a:endCxn id="1043" idx="2"/>
+              </p:cNvCxnSpPr>
+              <p:nvPr/>
+            </p:nvCxnSpPr>
+            <p:spPr>
+              <a:xfrm rot="5400000" flipH="1" flipV="1">
+                <a:off x="7691761" y="2549771"/>
+                <a:ext cx="889" cy="3136217"/>
+              </a:xfrm>
+              <a:prstGeom prst="bentConnector3">
+                <a:avLst>
+                  <a:gd name="adj1" fmla="val -22477876"/>
+                </a:avLst>
+              </a:prstGeom>
+              <a:ln w="38100">
+                <a:solidFill>
+                  <a:schemeClr val="tx1"/>
+                </a:solidFill>
+              </a:ln>
+            </p:spPr>
+            <p:style>
+              <a:lnRef idx="1">
+                <a:schemeClr val="accent1"/>
+              </a:lnRef>
+              <a:fillRef idx="0">
+                <a:schemeClr val="accent1"/>
+              </a:fillRef>
+              <a:effectRef idx="0">
+                <a:schemeClr val="accent1"/>
+              </a:effectRef>
+              <a:fontRef idx="minor">
+                <a:schemeClr val="tx1"/>
+              </a:fontRef>
+            </p:style>
+          </p:cxnSp>
+          <p:cxnSp>
+            <p:nvCxnSpPr>
+              <p:cNvPr id="28" name="연결선: 꺾임 27">
+                <a:extLst>
+                  <a:ext uri="{FF2B5EF4-FFF2-40B4-BE49-F238E27FC236}">
+                    <a16:creationId xmlns:a16="http://schemas.microsoft.com/office/drawing/2014/main" id="{D078F211-3DD1-D8AC-3CB5-B36960D60EED}"/>
+                  </a:ext>
+                </a:extLst>
+              </p:cNvPr>
+              <p:cNvCxnSpPr>
+                <a:cxnSpLocks/>
+                <a:stCxn id="1034" idx="2"/>
+                <a:endCxn id="1047" idx="0"/>
+              </p:cNvCxnSpPr>
+              <p:nvPr/>
+            </p:nvCxnSpPr>
+            <p:spPr>
+              <a:xfrm rot="16200000" flipH="1">
+                <a:off x="7947882" y="3935619"/>
+                <a:ext cx="389628" cy="754910"/>
+              </a:xfrm>
+              <a:prstGeom prst="bentConnector3">
+                <a:avLst>
+                  <a:gd name="adj1" fmla="val 51424"/>
+                </a:avLst>
+              </a:prstGeom>
+              <a:ln w="38100">
+                <a:solidFill>
+                  <a:schemeClr val="tx1"/>
+                </a:solidFill>
+              </a:ln>
+            </p:spPr>
+            <p:style>
+              <a:lnRef idx="1">
+                <a:schemeClr val="accent1"/>
+              </a:lnRef>
+              <a:fillRef idx="0">
+                <a:schemeClr val="accent1"/>
+              </a:fillRef>
+              <a:effectRef idx="0">
+                <a:schemeClr val="accent1"/>
+              </a:effectRef>
+              <a:fontRef idx="minor">
+                <a:schemeClr val="tx1"/>
+              </a:fontRef>
+            </p:style>
+          </p:cxnSp>
+          <p:cxnSp>
+            <p:nvCxnSpPr>
+              <p:cNvPr id="36" name="연결선: 꺾임 35">
+                <a:extLst>
+                  <a:ext uri="{FF2B5EF4-FFF2-40B4-BE49-F238E27FC236}">
+                    <a16:creationId xmlns:a16="http://schemas.microsoft.com/office/drawing/2014/main" id="{ECC004A2-067E-34DB-B350-3D376E97FA7C}"/>
+                  </a:ext>
+                </a:extLst>
+              </p:cNvPr>
+              <p:cNvCxnSpPr>
+                <a:cxnSpLocks/>
+                <a:stCxn id="1034" idx="2"/>
+                <a:endCxn id="1048" idx="0"/>
+              </p:cNvCxnSpPr>
+              <p:nvPr/>
+            </p:nvCxnSpPr>
+            <p:spPr>
+              <a:xfrm rot="5400000">
+                <a:off x="7171665" y="3905743"/>
+                <a:ext cx="381058" cy="806093"/>
+              </a:xfrm>
+              <a:prstGeom prst="bentConnector3">
+                <a:avLst>
+                  <a:gd name="adj1" fmla="val 52184"/>
+                </a:avLst>
+              </a:prstGeom>
+              <a:ln w="38100">
+                <a:solidFill>
+                  <a:schemeClr val="tx1"/>
+                </a:solidFill>
+              </a:ln>
+            </p:spPr>
+            <p:style>
+              <a:lnRef idx="1">
+                <a:schemeClr val="accent1"/>
+              </a:lnRef>
+              <a:fillRef idx="0">
+                <a:schemeClr val="accent1"/>
+              </a:fillRef>
+              <a:effectRef idx="0">
+                <a:schemeClr val="accent1"/>
+              </a:effectRef>
+              <a:fontRef idx="minor">
+                <a:schemeClr val="tx1"/>
+              </a:fontRef>
+            </p:style>
+          </p:cxnSp>
+          <p:pic>
+            <p:nvPicPr>
+              <p:cNvPr id="50" name="그래픽 49" descr="구름 단색으로 채워진">
+                <a:extLst>
+                  <a:ext uri="{FF2B5EF4-FFF2-40B4-BE49-F238E27FC236}">
+                    <a16:creationId xmlns:a16="http://schemas.microsoft.com/office/drawing/2014/main" id="{93EF413B-0436-721A-E1CE-90508035A338}"/>
+                  </a:ext>
+                </a:extLst>
+              </p:cNvPr>
+              <p:cNvPicPr>
+                <a:picLocks noChangeAspect="1"/>
+              </p:cNvPicPr>
+              <p:nvPr/>
+            </p:nvPicPr>
+            <p:blipFill>
+              <a:blip r:embed="rId16">
+                <a:extLst>
+                  <a:ext uri="{28A0092B-C50C-407E-A947-70E740481C1C}">
+                    <a14:useLocalDpi xmlns:a14="http://schemas.microsoft.com/office/drawing/2010/main" val="0"/>
+                  </a:ext>
+                  <a:ext uri="{96DAC541-7B7A-43D3-8B79-37D633B846F1}">
+                    <asvg:svgBlip xmlns:asvg="http://schemas.microsoft.com/office/drawing/2016/SVG/main" r:embed="rId17"/>
+                  </a:ext>
+                </a:extLst>
+              </a:blip>
+              <a:stretch>
+                <a:fillRect/>
+              </a:stretch>
+            </p:blipFill>
+            <p:spPr>
+              <a:xfrm flipH="1">
+                <a:off x="4101980" y="3256815"/>
+                <a:ext cx="2047147" cy="2049432"/>
+              </a:xfrm>
+              <a:prstGeom prst="rect">
+                <a:avLst/>
+              </a:prstGeom>
+            </p:spPr>
+          </p:pic>
+          <p:sp>
+            <p:nvSpPr>
+              <p:cNvPr id="53" name="TextBox 52">
+                <a:extLst>
+                  <a:ext uri="{FF2B5EF4-FFF2-40B4-BE49-F238E27FC236}">
+                    <a16:creationId xmlns:a16="http://schemas.microsoft.com/office/drawing/2014/main" id="{D64822CE-51AE-26C9-4761-C77353F59E19}"/>
+                  </a:ext>
+                </a:extLst>
+              </p:cNvPr>
+              <p:cNvSpPr txBox="1"/>
+              <p:nvPr/>
+            </p:nvSpPr>
+            <p:spPr>
+              <a:xfrm>
+                <a:off x="4830789" y="4222156"/>
+                <a:ext cx="747540" cy="349671"/>
+              </a:xfrm>
+              <a:prstGeom prst="rect">
+                <a:avLst/>
+              </a:prstGeom>
+              <a:noFill/>
+            </p:spPr>
+            <p:txBody>
+              <a:bodyPr wrap="none" rtlCol="0">
+                <a:spAutoFit/>
+              </a:bodyPr>
+              <a:lstStyle/>
+              <a:p>
+                <a:r>
+                  <a:rPr lang="en-US" altLang="ko-KR" sz="2000" b="1" dirty="0">
+                    <a:latin typeface="Arial" panose="020B0604020202020204" pitchFamily="34" charset="0"/>
+                    <a:cs typeface="Arial" panose="020B0604020202020204" pitchFamily="34" charset="0"/>
+                  </a:rPr>
+                  <a:t>HTTP</a:t>
+                </a:r>
+                <a:endParaRPr lang="ko-KR" altLang="en-US" sz="2000" b="1" dirty="0">
+                  <a:latin typeface="Arial" panose="020B0604020202020204" pitchFamily="34" charset="0"/>
+                  <a:cs typeface="Arial" panose="020B0604020202020204" pitchFamily="34" charset="0"/>
+                </a:endParaRPr>
+              </a:p>
+            </p:txBody>
+          </p:sp>
+          <p:pic>
+            <p:nvPicPr>
+              <p:cNvPr id="55" name="그래픽 54" descr="블록체인 단색으로 채워진">
+                <a:extLst>
+                  <a:ext uri="{FF2B5EF4-FFF2-40B4-BE49-F238E27FC236}">
+                    <a16:creationId xmlns:a16="http://schemas.microsoft.com/office/drawing/2014/main" id="{12197A67-D126-DAA5-2FB4-9C092CCBB682}"/>
+                  </a:ext>
+                </a:extLst>
+              </p:cNvPr>
+              <p:cNvPicPr>
+                <a:picLocks noChangeAspect="1"/>
+              </p:cNvPicPr>
+              <p:nvPr/>
+            </p:nvPicPr>
+            <p:blipFill>
+              <a:blip r:embed="rId18" cstate="hqprint">
+                <a:extLst>
+                  <a:ext uri="{28A0092B-C50C-407E-A947-70E740481C1C}">
+                    <a14:useLocalDpi xmlns:a14="http://schemas.microsoft.com/office/drawing/2010/main" val="0"/>
+                  </a:ext>
+                  <a:ext uri="{96DAC541-7B7A-43D3-8B79-37D633B846F1}">
+                    <asvg:svgBlip xmlns:asvg="http://schemas.microsoft.com/office/drawing/2016/SVG/main" r:embed="rId19"/>
+                  </a:ext>
+                </a:extLst>
+              </a:blip>
+              <a:stretch>
+                <a:fillRect/>
+              </a:stretch>
+            </p:blipFill>
+            <p:spPr>
+              <a:xfrm>
+                <a:off x="6275442" y="3353003"/>
+                <a:ext cx="537438" cy="511215"/>
+              </a:xfrm>
+              <a:prstGeom prst="rect">
+                <a:avLst/>
+              </a:prstGeom>
+            </p:spPr>
+          </p:pic>
+          <p:pic>
+            <p:nvPicPr>
+              <p:cNvPr id="56" name="그래픽 55" descr="블록체인 단색으로 채워진">
+                <a:extLst>
+                  <a:ext uri="{FF2B5EF4-FFF2-40B4-BE49-F238E27FC236}">
+                    <a16:creationId xmlns:a16="http://schemas.microsoft.com/office/drawing/2014/main" id="{C85DECA4-46B9-A94D-63AD-8728CAD20D05}"/>
+                  </a:ext>
+                </a:extLst>
+              </p:cNvPr>
+              <p:cNvPicPr>
+                <a:picLocks noChangeAspect="1"/>
+              </p:cNvPicPr>
+              <p:nvPr/>
+            </p:nvPicPr>
+            <p:blipFill>
+              <a:blip r:embed="rId18" cstate="hqprint">
+                <a:extLst>
+                  <a:ext uri="{28A0092B-C50C-407E-A947-70E740481C1C}">
+                    <a14:useLocalDpi xmlns:a14="http://schemas.microsoft.com/office/drawing/2010/main" val="0"/>
+                  </a:ext>
+                  <a:ext uri="{96DAC541-7B7A-43D3-8B79-37D633B846F1}">
+                    <asvg:svgBlip xmlns:asvg="http://schemas.microsoft.com/office/drawing/2016/SVG/main" r:embed="rId19"/>
+                  </a:ext>
+                </a:extLst>
+              </a:blip>
+              <a:stretch>
+                <a:fillRect/>
+              </a:stretch>
+            </p:blipFill>
+            <p:spPr>
+              <a:xfrm>
+                <a:off x="7963106" y="3353104"/>
+                <a:ext cx="537438" cy="538037"/>
+              </a:xfrm>
+              <a:prstGeom prst="rect">
+                <a:avLst/>
+              </a:prstGeom>
+            </p:spPr>
+          </p:pic>
+          <p:pic>
+            <p:nvPicPr>
+              <p:cNvPr id="57" name="그래픽 56" descr="블록체인 단색으로 채워진">
+                <a:extLst>
+                  <a:ext uri="{FF2B5EF4-FFF2-40B4-BE49-F238E27FC236}">
+                    <a16:creationId xmlns:a16="http://schemas.microsoft.com/office/drawing/2014/main" id="{FF602C4B-E1E7-14C9-E20B-AF0D9CB66B5B}"/>
+                  </a:ext>
+                </a:extLst>
+              </p:cNvPr>
+              <p:cNvPicPr>
+                <a:picLocks noChangeAspect="1"/>
+              </p:cNvPicPr>
+              <p:nvPr/>
+            </p:nvPicPr>
+            <p:blipFill>
+              <a:blip r:embed="rId18" cstate="hqprint">
+                <a:extLst>
+                  <a:ext uri="{28A0092B-C50C-407E-A947-70E740481C1C}">
+                    <a14:useLocalDpi xmlns:a14="http://schemas.microsoft.com/office/drawing/2010/main" val="0"/>
+                  </a:ext>
+                  <a:ext uri="{96DAC541-7B7A-43D3-8B79-37D633B846F1}">
+                    <asvg:svgBlip xmlns:asvg="http://schemas.microsoft.com/office/drawing/2016/SVG/main" r:embed="rId19"/>
+                  </a:ext>
+                </a:extLst>
+              </a:blip>
+              <a:stretch>
+                <a:fillRect/>
+              </a:stretch>
+            </p:blipFill>
+            <p:spPr>
+              <a:xfrm>
+                <a:off x="9480428" y="3335468"/>
+                <a:ext cx="537438" cy="538037"/>
+              </a:xfrm>
+              <a:prstGeom prst="rect">
+                <a:avLst/>
+              </a:prstGeom>
+            </p:spPr>
+          </p:pic>
+          <p:pic>
+            <p:nvPicPr>
+              <p:cNvPr id="58" name="그래픽 57" descr="블록체인 단색으로 채워진">
+                <a:extLst>
+                  <a:ext uri="{FF2B5EF4-FFF2-40B4-BE49-F238E27FC236}">
+                    <a16:creationId xmlns:a16="http://schemas.microsoft.com/office/drawing/2014/main" id="{16CBB42A-74EF-838D-ADE5-FD9E934C2572}"/>
+                  </a:ext>
+                </a:extLst>
+              </p:cNvPr>
+              <p:cNvPicPr>
+                <a:picLocks noChangeAspect="1"/>
+              </p:cNvPicPr>
+              <p:nvPr/>
+            </p:nvPicPr>
+            <p:blipFill>
+              <a:blip r:embed="rId18" cstate="hqprint">
+                <a:extLst>
+                  <a:ext uri="{28A0092B-C50C-407E-A947-70E740481C1C}">
+                    <a14:useLocalDpi xmlns:a14="http://schemas.microsoft.com/office/drawing/2010/main" val="0"/>
+                  </a:ext>
+                  <a:ext uri="{96DAC541-7B7A-43D3-8B79-37D633B846F1}">
+                    <asvg:svgBlip xmlns:asvg="http://schemas.microsoft.com/office/drawing/2016/SVG/main" r:embed="rId19"/>
+                  </a:ext>
+                </a:extLst>
+              </a:blip>
+              <a:stretch>
+                <a:fillRect/>
+              </a:stretch>
+            </p:blipFill>
+            <p:spPr>
+              <a:xfrm>
+                <a:off x="8751324" y="5149655"/>
+                <a:ext cx="537438" cy="538037"/>
+              </a:xfrm>
+              <a:prstGeom prst="rect">
+                <a:avLst/>
+              </a:prstGeom>
+            </p:spPr>
+          </p:pic>
+          <p:pic>
+            <p:nvPicPr>
+              <p:cNvPr id="59" name="그래픽 58" descr="블록체인 단색으로 채워진">
+                <a:extLst>
+                  <a:ext uri="{FF2B5EF4-FFF2-40B4-BE49-F238E27FC236}">
+                    <a16:creationId xmlns:a16="http://schemas.microsoft.com/office/drawing/2014/main" id="{D1600690-D0C2-E8BD-975B-B6562F2CEE40}"/>
+                  </a:ext>
+                </a:extLst>
+              </p:cNvPr>
+              <p:cNvPicPr>
+                <a:picLocks noChangeAspect="1"/>
+              </p:cNvPicPr>
+              <p:nvPr/>
+            </p:nvPicPr>
+            <p:blipFill>
+              <a:blip r:embed="rId18" cstate="hqprint">
+                <a:extLst>
+                  <a:ext uri="{28A0092B-C50C-407E-A947-70E740481C1C}">
+                    <a14:useLocalDpi xmlns:a14="http://schemas.microsoft.com/office/drawing/2010/main" val="0"/>
+                  </a:ext>
+                  <a:ext uri="{96DAC541-7B7A-43D3-8B79-37D633B846F1}">
+                    <asvg:svgBlip xmlns:asvg="http://schemas.microsoft.com/office/drawing/2016/SVG/main" r:embed="rId19"/>
+                  </a:ext>
+                </a:extLst>
+              </a:blip>
+              <a:stretch>
+                <a:fillRect/>
+              </a:stretch>
+            </p:blipFill>
+            <p:spPr>
+              <a:xfrm>
+                <a:off x="7181096" y="5186617"/>
+                <a:ext cx="537438" cy="538037"/>
+              </a:xfrm>
+              <a:prstGeom prst="rect">
+                <a:avLst/>
+              </a:prstGeom>
+            </p:spPr>
+          </p:pic>
+          <p:sp>
+            <p:nvSpPr>
+              <p:cNvPr id="1028" name="TextBox 1027">
+                <a:extLst>
+                  <a:ext uri="{FF2B5EF4-FFF2-40B4-BE49-F238E27FC236}">
+                    <a16:creationId xmlns:a16="http://schemas.microsoft.com/office/drawing/2014/main" id="{15FACB62-9113-2629-188F-C114A31395D3}"/>
+                  </a:ext>
+                </a:extLst>
+              </p:cNvPr>
+              <p:cNvSpPr txBox="1"/>
+              <p:nvPr/>
+            </p:nvSpPr>
+            <p:spPr>
+              <a:xfrm>
+                <a:off x="5653073" y="3849346"/>
+                <a:ext cx="942051" cy="268978"/>
+              </a:xfrm>
+              <a:prstGeom prst="rect">
+                <a:avLst/>
+              </a:prstGeom>
+              <a:noFill/>
+            </p:spPr>
+            <p:txBody>
+              <a:bodyPr wrap="none" rtlCol="0">
+                <a:spAutoFit/>
+              </a:bodyPr>
+              <a:lstStyle/>
+              <a:p>
+                <a:r>
+                  <a:rPr lang="en-US" altLang="ko-KR" sz="1400" b="1" dirty="0">
+                    <a:latin typeface="Consolas" panose="020B0609020204030204" pitchFamily="49" charset="0"/>
+                  </a:rPr>
+                  <a:t>Port:3000</a:t>
+                </a:r>
+                <a:endParaRPr lang="ko-KR" altLang="en-US" sz="1400" b="1" dirty="0">
+                  <a:latin typeface="Consolas" panose="020B0609020204030204" pitchFamily="49" charset="0"/>
+                </a:endParaRPr>
+              </a:p>
+            </p:txBody>
+          </p:sp>
+          <p:sp>
+            <p:nvSpPr>
+              <p:cNvPr id="1034" name="TextBox 1033">
+                <a:extLst>
+                  <a:ext uri="{FF2B5EF4-FFF2-40B4-BE49-F238E27FC236}">
+                    <a16:creationId xmlns:a16="http://schemas.microsoft.com/office/drawing/2014/main" id="{4E65A40A-4C8A-8901-57F9-AFDF5E85A89C}"/>
+                  </a:ext>
+                </a:extLst>
+              </p:cNvPr>
+              <p:cNvSpPr txBox="1"/>
+              <p:nvPr/>
+            </p:nvSpPr>
+            <p:spPr>
+              <a:xfrm>
+                <a:off x="7294215" y="3849283"/>
+                <a:ext cx="942051" cy="268978"/>
+              </a:xfrm>
+              <a:prstGeom prst="rect">
+                <a:avLst/>
+              </a:prstGeom>
+              <a:noFill/>
+            </p:spPr>
+            <p:txBody>
+              <a:bodyPr wrap="none" rtlCol="0">
+                <a:spAutoFit/>
+              </a:bodyPr>
+              <a:lstStyle/>
+              <a:p>
+                <a:r>
+                  <a:rPr lang="en-US" altLang="ko-KR" sz="1400" b="1" dirty="0">
+                    <a:latin typeface="Consolas" panose="020B0609020204030204" pitchFamily="49" charset="0"/>
+                  </a:rPr>
+                  <a:t>Port:3001</a:t>
+                </a:r>
+                <a:endParaRPr lang="ko-KR" altLang="en-US" sz="1400" b="1" dirty="0">
+                  <a:latin typeface="Consolas" panose="020B0609020204030204" pitchFamily="49" charset="0"/>
+                </a:endParaRPr>
+              </a:p>
+            </p:txBody>
+          </p:sp>
+          <p:sp>
+            <p:nvSpPr>
+              <p:cNvPr id="1043" name="TextBox 1042">
+                <a:extLst>
+                  <a:ext uri="{FF2B5EF4-FFF2-40B4-BE49-F238E27FC236}">
+                    <a16:creationId xmlns:a16="http://schemas.microsoft.com/office/drawing/2014/main" id="{4BBCE960-F2D2-1DBB-D595-DA8C679EF072}"/>
+                  </a:ext>
+                </a:extLst>
+              </p:cNvPr>
+              <p:cNvSpPr txBox="1"/>
+              <p:nvPr/>
+            </p:nvSpPr>
+            <p:spPr>
+              <a:xfrm>
+                <a:off x="8789290" y="3848457"/>
+                <a:ext cx="942051" cy="268978"/>
+              </a:xfrm>
+              <a:prstGeom prst="rect">
+                <a:avLst/>
+              </a:prstGeom>
+              <a:noFill/>
+            </p:spPr>
+            <p:txBody>
+              <a:bodyPr wrap="none" rtlCol="0">
+                <a:spAutoFit/>
+              </a:bodyPr>
+              <a:lstStyle/>
+              <a:p>
+                <a:r>
+                  <a:rPr lang="en-US" altLang="ko-KR" sz="1400" b="1" dirty="0">
+                    <a:latin typeface="Consolas" panose="020B0609020204030204" pitchFamily="49" charset="0"/>
+                  </a:rPr>
+                  <a:t>Port:3002</a:t>
+                </a:r>
+                <a:endParaRPr lang="ko-KR" altLang="en-US" sz="1400" b="1" dirty="0">
+                  <a:latin typeface="Consolas" panose="020B0609020204030204" pitchFamily="49" charset="0"/>
+                </a:endParaRPr>
+              </a:p>
+            </p:txBody>
+          </p:sp>
+          <p:sp>
+            <p:nvSpPr>
+              <p:cNvPr id="1047" name="TextBox 1046">
+                <a:extLst>
+                  <a:ext uri="{FF2B5EF4-FFF2-40B4-BE49-F238E27FC236}">
+                    <a16:creationId xmlns:a16="http://schemas.microsoft.com/office/drawing/2014/main" id="{5C31E328-867D-B9FA-AE91-A07960C6F886}"/>
+                  </a:ext>
+                </a:extLst>
+              </p:cNvPr>
+              <p:cNvSpPr txBox="1"/>
+              <p:nvPr/>
+            </p:nvSpPr>
+            <p:spPr>
+              <a:xfrm>
+                <a:off x="8049125" y="4507889"/>
+                <a:ext cx="942051" cy="268978"/>
+              </a:xfrm>
+              <a:prstGeom prst="rect">
+                <a:avLst/>
+              </a:prstGeom>
+              <a:noFill/>
+            </p:spPr>
+            <p:txBody>
+              <a:bodyPr wrap="none" rtlCol="0">
+                <a:spAutoFit/>
+              </a:bodyPr>
+              <a:lstStyle/>
+              <a:p>
+                <a:r>
+                  <a:rPr lang="en-US" altLang="ko-KR" sz="1400" b="1" dirty="0">
+                    <a:latin typeface="Consolas" panose="020B0609020204030204" pitchFamily="49" charset="0"/>
+                  </a:rPr>
+                  <a:t>Port:3004</a:t>
+                </a:r>
+                <a:endParaRPr lang="ko-KR" altLang="en-US" sz="1400" b="1" dirty="0">
+                  <a:latin typeface="Consolas" panose="020B0609020204030204" pitchFamily="49" charset="0"/>
+                </a:endParaRPr>
+              </a:p>
+            </p:txBody>
+          </p:sp>
+          <p:sp>
+            <p:nvSpPr>
+              <p:cNvPr id="1048" name="TextBox 1047">
+                <a:extLst>
+                  <a:ext uri="{FF2B5EF4-FFF2-40B4-BE49-F238E27FC236}">
+                    <a16:creationId xmlns:a16="http://schemas.microsoft.com/office/drawing/2014/main" id="{CDA0876B-6264-A51F-853A-2C20DD52FC16}"/>
+                  </a:ext>
+                </a:extLst>
+              </p:cNvPr>
+              <p:cNvSpPr txBox="1"/>
+              <p:nvPr/>
+            </p:nvSpPr>
+            <p:spPr>
+              <a:xfrm>
+                <a:off x="6488122" y="4499319"/>
+                <a:ext cx="942051" cy="268978"/>
+              </a:xfrm>
+              <a:prstGeom prst="rect">
+                <a:avLst/>
+              </a:prstGeom>
+              <a:noFill/>
+            </p:spPr>
+            <p:txBody>
+              <a:bodyPr wrap="none" rtlCol="0">
+                <a:spAutoFit/>
+              </a:bodyPr>
+              <a:lstStyle/>
+              <a:p>
+                <a:r>
+                  <a:rPr lang="en-US" altLang="ko-KR" sz="1400" b="1" dirty="0">
+                    <a:latin typeface="Consolas" panose="020B0609020204030204" pitchFamily="49" charset="0"/>
+                  </a:rPr>
+                  <a:t>Port:3003</a:t>
+                </a:r>
+                <a:endParaRPr lang="ko-KR" altLang="en-US" sz="1400" b="1" dirty="0">
+                  <a:latin typeface="Consolas" panose="020B0609020204030204" pitchFamily="49" charset="0"/>
+                </a:endParaRPr>
+              </a:p>
+            </p:txBody>
+          </p:sp>
+        </p:grpSp>
         <p:sp>
           <p:nvSpPr>
-            <p:cNvPr id="53" name="TextBox 52">
+            <p:cNvPr id="1081" name="TextBox 1080">
               <a:extLst>
                 <a:ext uri="{FF2B5EF4-FFF2-40B4-BE49-F238E27FC236}">
-                  <a16:creationId xmlns:a16="http://schemas.microsoft.com/office/drawing/2014/main" id="{D64822CE-51AE-26C9-4761-C77353F59E19}"/>
+                  <a16:creationId xmlns:a16="http://schemas.microsoft.com/office/drawing/2014/main" id="{D25536C7-C25B-03D7-8EBF-3407273953D1}"/>
                 </a:ext>
               </a:extLst>
             </p:cNvPr>
@@ -9466,9 +10034,9 @@
             <p:nvPr/>
           </p:nvSpPr>
           <p:spPr>
-            <a:xfrm>
-              <a:off x="4830789" y="4222156"/>
-              <a:ext cx="747540" cy="349671"/>
+            <a:xfrm rot="2295605">
+              <a:off x="3582120" y="2591944"/>
+              <a:ext cx="2060176" cy="261610"/>
             </a:xfrm>
             <a:prstGeom prst="rect">
               <a:avLst/>
@@ -9476,467 +10044,30 @@
             <a:noFill/>
           </p:spPr>
           <p:txBody>
-            <a:bodyPr wrap="none" rtlCol="0">
+            <a:bodyPr wrap="square" rtlCol="0">
               <a:spAutoFit/>
             </a:bodyPr>
             <a:lstStyle/>
             <a:p>
               <a:r>
-                <a:rPr lang="en-US" altLang="ko-KR" sz="2000" b="1" dirty="0">
-                  <a:latin typeface="Arial" panose="020B0604020202020204" pitchFamily="34" charset="0"/>
-                  <a:cs typeface="Arial" panose="020B0604020202020204" pitchFamily="34" charset="0"/>
-                </a:rPr>
-                <a:t>HTTP</a:t>
-              </a:r>
-              <a:endParaRPr lang="ko-KR" altLang="en-US" sz="2000" b="1" dirty="0">
-                <a:latin typeface="Arial" panose="020B0604020202020204" pitchFamily="34" charset="0"/>
-                <a:cs typeface="Arial" panose="020B0604020202020204" pitchFamily="34" charset="0"/>
-              </a:endParaRPr>
-            </a:p>
-          </p:txBody>
-        </p:sp>
-        <p:pic>
-          <p:nvPicPr>
-            <p:cNvPr id="55" name="그래픽 54" descr="블록체인 단색으로 채워진">
-              <a:extLst>
-                <a:ext uri="{FF2B5EF4-FFF2-40B4-BE49-F238E27FC236}">
-                  <a16:creationId xmlns:a16="http://schemas.microsoft.com/office/drawing/2014/main" id="{12197A67-D126-DAA5-2FB4-9C092CCBB682}"/>
-                </a:ext>
-              </a:extLst>
-            </p:cNvPr>
-            <p:cNvPicPr>
-              <a:picLocks noChangeAspect="1"/>
-            </p:cNvPicPr>
-            <p:nvPr/>
-          </p:nvPicPr>
-          <p:blipFill>
-            <a:blip r:embed="rId18" cstate="hqprint">
-              <a:extLst>
-                <a:ext uri="{28A0092B-C50C-407E-A947-70E740481C1C}">
-                  <a14:useLocalDpi xmlns:a14="http://schemas.microsoft.com/office/drawing/2010/main" val="0"/>
-                </a:ext>
-                <a:ext uri="{96DAC541-7B7A-43D3-8B79-37D633B846F1}">
-                  <asvg:svgBlip xmlns:asvg="http://schemas.microsoft.com/office/drawing/2016/SVG/main" r:embed="rId19"/>
-                </a:ext>
-              </a:extLst>
-            </a:blip>
-            <a:stretch>
-              <a:fillRect/>
-            </a:stretch>
-          </p:blipFill>
-          <p:spPr>
-            <a:xfrm>
-              <a:off x="6275442" y="3353003"/>
-              <a:ext cx="537438" cy="511215"/>
-            </a:xfrm>
-            <a:prstGeom prst="rect">
-              <a:avLst/>
-            </a:prstGeom>
-          </p:spPr>
-        </p:pic>
-        <p:pic>
-          <p:nvPicPr>
-            <p:cNvPr id="56" name="그래픽 55" descr="블록체인 단색으로 채워진">
-              <a:extLst>
-                <a:ext uri="{FF2B5EF4-FFF2-40B4-BE49-F238E27FC236}">
-                  <a16:creationId xmlns:a16="http://schemas.microsoft.com/office/drawing/2014/main" id="{C85DECA4-46B9-A94D-63AD-8728CAD20D05}"/>
-                </a:ext>
-              </a:extLst>
-            </p:cNvPr>
-            <p:cNvPicPr>
-              <a:picLocks noChangeAspect="1"/>
-            </p:cNvPicPr>
-            <p:nvPr/>
-          </p:nvPicPr>
-          <p:blipFill>
-            <a:blip r:embed="rId18" cstate="hqprint">
-              <a:extLst>
-                <a:ext uri="{28A0092B-C50C-407E-A947-70E740481C1C}">
-                  <a14:useLocalDpi xmlns:a14="http://schemas.microsoft.com/office/drawing/2010/main" val="0"/>
-                </a:ext>
-                <a:ext uri="{96DAC541-7B7A-43D3-8B79-37D633B846F1}">
-                  <asvg:svgBlip xmlns:asvg="http://schemas.microsoft.com/office/drawing/2016/SVG/main" r:embed="rId19"/>
-                </a:ext>
-              </a:extLst>
-            </a:blip>
-            <a:stretch>
-              <a:fillRect/>
-            </a:stretch>
-          </p:blipFill>
-          <p:spPr>
-            <a:xfrm>
-              <a:off x="7963106" y="3353104"/>
-              <a:ext cx="537438" cy="538037"/>
-            </a:xfrm>
-            <a:prstGeom prst="rect">
-              <a:avLst/>
-            </a:prstGeom>
-          </p:spPr>
-        </p:pic>
-        <p:pic>
-          <p:nvPicPr>
-            <p:cNvPr id="57" name="그래픽 56" descr="블록체인 단색으로 채워진">
-              <a:extLst>
-                <a:ext uri="{FF2B5EF4-FFF2-40B4-BE49-F238E27FC236}">
-                  <a16:creationId xmlns:a16="http://schemas.microsoft.com/office/drawing/2014/main" id="{FF602C4B-E1E7-14C9-E20B-AF0D9CB66B5B}"/>
-                </a:ext>
-              </a:extLst>
-            </p:cNvPr>
-            <p:cNvPicPr>
-              <a:picLocks noChangeAspect="1"/>
-            </p:cNvPicPr>
-            <p:nvPr/>
-          </p:nvPicPr>
-          <p:blipFill>
-            <a:blip r:embed="rId18" cstate="hqprint">
-              <a:extLst>
-                <a:ext uri="{28A0092B-C50C-407E-A947-70E740481C1C}">
-                  <a14:useLocalDpi xmlns:a14="http://schemas.microsoft.com/office/drawing/2010/main" val="0"/>
-                </a:ext>
-                <a:ext uri="{96DAC541-7B7A-43D3-8B79-37D633B846F1}">
-                  <asvg:svgBlip xmlns:asvg="http://schemas.microsoft.com/office/drawing/2016/SVG/main" r:embed="rId19"/>
-                </a:ext>
-              </a:extLst>
-            </a:blip>
-            <a:stretch>
-              <a:fillRect/>
-            </a:stretch>
-          </p:blipFill>
-          <p:spPr>
-            <a:xfrm>
-              <a:off x="9480428" y="3335468"/>
-              <a:ext cx="537438" cy="538037"/>
-            </a:xfrm>
-            <a:prstGeom prst="rect">
-              <a:avLst/>
-            </a:prstGeom>
-          </p:spPr>
-        </p:pic>
-        <p:pic>
-          <p:nvPicPr>
-            <p:cNvPr id="58" name="그래픽 57" descr="블록체인 단색으로 채워진">
-              <a:extLst>
-                <a:ext uri="{FF2B5EF4-FFF2-40B4-BE49-F238E27FC236}">
-                  <a16:creationId xmlns:a16="http://schemas.microsoft.com/office/drawing/2014/main" id="{16CBB42A-74EF-838D-ADE5-FD9E934C2572}"/>
-                </a:ext>
-              </a:extLst>
-            </p:cNvPr>
-            <p:cNvPicPr>
-              <a:picLocks noChangeAspect="1"/>
-            </p:cNvPicPr>
-            <p:nvPr/>
-          </p:nvPicPr>
-          <p:blipFill>
-            <a:blip r:embed="rId18" cstate="hqprint">
-              <a:extLst>
-                <a:ext uri="{28A0092B-C50C-407E-A947-70E740481C1C}">
-                  <a14:useLocalDpi xmlns:a14="http://schemas.microsoft.com/office/drawing/2010/main" val="0"/>
-                </a:ext>
-                <a:ext uri="{96DAC541-7B7A-43D3-8B79-37D633B846F1}">
-                  <asvg:svgBlip xmlns:asvg="http://schemas.microsoft.com/office/drawing/2016/SVG/main" r:embed="rId19"/>
-                </a:ext>
-              </a:extLst>
-            </a:blip>
-            <a:stretch>
-              <a:fillRect/>
-            </a:stretch>
-          </p:blipFill>
-          <p:spPr>
-            <a:xfrm>
-              <a:off x="8751324" y="5149655"/>
-              <a:ext cx="537438" cy="538037"/>
-            </a:xfrm>
-            <a:prstGeom prst="rect">
-              <a:avLst/>
-            </a:prstGeom>
-          </p:spPr>
-        </p:pic>
-        <p:pic>
-          <p:nvPicPr>
-            <p:cNvPr id="59" name="그래픽 58" descr="블록체인 단색으로 채워진">
-              <a:extLst>
-                <a:ext uri="{FF2B5EF4-FFF2-40B4-BE49-F238E27FC236}">
-                  <a16:creationId xmlns:a16="http://schemas.microsoft.com/office/drawing/2014/main" id="{D1600690-D0C2-E8BD-975B-B6562F2CEE40}"/>
-                </a:ext>
-              </a:extLst>
-            </p:cNvPr>
-            <p:cNvPicPr>
-              <a:picLocks noChangeAspect="1"/>
-            </p:cNvPicPr>
-            <p:nvPr/>
-          </p:nvPicPr>
-          <p:blipFill>
-            <a:blip r:embed="rId18" cstate="hqprint">
-              <a:extLst>
-                <a:ext uri="{28A0092B-C50C-407E-A947-70E740481C1C}">
-                  <a14:useLocalDpi xmlns:a14="http://schemas.microsoft.com/office/drawing/2010/main" val="0"/>
-                </a:ext>
-                <a:ext uri="{96DAC541-7B7A-43D3-8B79-37D633B846F1}">
-                  <asvg:svgBlip xmlns:asvg="http://schemas.microsoft.com/office/drawing/2016/SVG/main" r:embed="rId19"/>
-                </a:ext>
-              </a:extLst>
-            </a:blip>
-            <a:stretch>
-              <a:fillRect/>
-            </a:stretch>
-          </p:blipFill>
-          <p:spPr>
-            <a:xfrm>
-              <a:off x="7181096" y="5186617"/>
-              <a:ext cx="537438" cy="538037"/>
-            </a:xfrm>
-            <a:prstGeom prst="rect">
-              <a:avLst/>
-            </a:prstGeom>
-          </p:spPr>
-        </p:pic>
-        <p:sp>
-          <p:nvSpPr>
-            <p:cNvPr id="1028" name="TextBox 1027">
-              <a:extLst>
-                <a:ext uri="{FF2B5EF4-FFF2-40B4-BE49-F238E27FC236}">
-                  <a16:creationId xmlns:a16="http://schemas.microsoft.com/office/drawing/2014/main" id="{15FACB62-9113-2629-188F-C114A31395D3}"/>
-                </a:ext>
-              </a:extLst>
-            </p:cNvPr>
-            <p:cNvSpPr txBox="1"/>
-            <p:nvPr/>
-          </p:nvSpPr>
-          <p:spPr>
-            <a:xfrm>
-              <a:off x="5653073" y="3849346"/>
-              <a:ext cx="942051" cy="268978"/>
-            </a:xfrm>
-            <a:prstGeom prst="rect">
-              <a:avLst/>
-            </a:prstGeom>
-            <a:noFill/>
-          </p:spPr>
-          <p:txBody>
-            <a:bodyPr wrap="none" rtlCol="0">
-              <a:spAutoFit/>
-            </a:bodyPr>
-            <a:lstStyle/>
-            <a:p>
-              <a:r>
-                <a:rPr lang="en-US" altLang="ko-KR" sz="1400" b="1" dirty="0">
+                <a:rPr lang="en-US" altLang="ko-KR" sz="1100" b="1" dirty="0" err="1">
                   <a:latin typeface="Consolas" panose="020B0609020204030204" pitchFamily="49" charset="0"/>
                 </a:rPr>
-                <a:t>Port:3000</a:t>
+                <a:t>Express.get</a:t>
               </a:r>
-              <a:endParaRPr lang="ko-KR" altLang="en-US" sz="1400" b="1" dirty="0">
-                <a:latin typeface="Consolas" panose="020B0609020204030204" pitchFamily="49" charset="0"/>
-              </a:endParaRPr>
-            </a:p>
-          </p:txBody>
-        </p:sp>
-        <p:sp>
-          <p:nvSpPr>
-            <p:cNvPr id="1034" name="TextBox 1033">
-              <a:extLst>
-                <a:ext uri="{FF2B5EF4-FFF2-40B4-BE49-F238E27FC236}">
-                  <a16:creationId xmlns:a16="http://schemas.microsoft.com/office/drawing/2014/main" id="{4E65A40A-4C8A-8901-57F9-AFDF5E85A89C}"/>
-                </a:ext>
-              </a:extLst>
-            </p:cNvPr>
-            <p:cNvSpPr txBox="1"/>
-            <p:nvPr/>
-          </p:nvSpPr>
-          <p:spPr>
-            <a:xfrm>
-              <a:off x="7294215" y="3849283"/>
-              <a:ext cx="942051" cy="268978"/>
-            </a:xfrm>
-            <a:prstGeom prst="rect">
-              <a:avLst/>
-            </a:prstGeom>
-            <a:noFill/>
-          </p:spPr>
-          <p:txBody>
-            <a:bodyPr wrap="none" rtlCol="0">
-              <a:spAutoFit/>
-            </a:bodyPr>
-            <a:lstStyle/>
-            <a:p>
               <a:r>
-                <a:rPr lang="en-US" altLang="ko-KR" sz="1400" b="1" dirty="0">
+                <a:rPr lang="en-US" altLang="ko-KR" sz="1100" b="1" dirty="0">
                   <a:latin typeface="Consolas" panose="020B0609020204030204" pitchFamily="49" charset="0"/>
                 </a:rPr>
-                <a:t>Port:3001</a:t>
+                <a:t>(port),post()</a:t>
               </a:r>
-              <a:endParaRPr lang="ko-KR" altLang="en-US" sz="1400" b="1" dirty="0">
-                <a:latin typeface="Consolas" panose="020B0609020204030204" pitchFamily="49" charset="0"/>
-              </a:endParaRPr>
-            </a:p>
-          </p:txBody>
-        </p:sp>
-        <p:sp>
-          <p:nvSpPr>
-            <p:cNvPr id="1043" name="TextBox 1042">
-              <a:extLst>
-                <a:ext uri="{FF2B5EF4-FFF2-40B4-BE49-F238E27FC236}">
-                  <a16:creationId xmlns:a16="http://schemas.microsoft.com/office/drawing/2014/main" id="{4BBCE960-F2D2-1DBB-D595-DA8C679EF072}"/>
-                </a:ext>
-              </a:extLst>
-            </p:cNvPr>
-            <p:cNvSpPr txBox="1"/>
-            <p:nvPr/>
-          </p:nvSpPr>
-          <p:spPr>
-            <a:xfrm>
-              <a:off x="8789290" y="3848457"/>
-              <a:ext cx="942051" cy="268978"/>
-            </a:xfrm>
-            <a:prstGeom prst="rect">
-              <a:avLst/>
-            </a:prstGeom>
-            <a:noFill/>
-          </p:spPr>
-          <p:txBody>
-            <a:bodyPr wrap="none" rtlCol="0">
-              <a:spAutoFit/>
-            </a:bodyPr>
-            <a:lstStyle/>
-            <a:p>
-              <a:r>
-                <a:rPr lang="en-US" altLang="ko-KR" sz="1400" b="1" dirty="0">
-                  <a:latin typeface="Consolas" panose="020B0609020204030204" pitchFamily="49" charset="0"/>
-                </a:rPr>
-                <a:t>Port:3002</a:t>
-              </a:r>
-              <a:endParaRPr lang="ko-KR" altLang="en-US" sz="1400" b="1" dirty="0">
-                <a:latin typeface="Consolas" panose="020B0609020204030204" pitchFamily="49" charset="0"/>
-              </a:endParaRPr>
-            </a:p>
-          </p:txBody>
-        </p:sp>
-        <p:sp>
-          <p:nvSpPr>
-            <p:cNvPr id="1047" name="TextBox 1046">
-              <a:extLst>
-                <a:ext uri="{FF2B5EF4-FFF2-40B4-BE49-F238E27FC236}">
-                  <a16:creationId xmlns:a16="http://schemas.microsoft.com/office/drawing/2014/main" id="{5C31E328-867D-B9FA-AE91-A07960C6F886}"/>
-                </a:ext>
-              </a:extLst>
-            </p:cNvPr>
-            <p:cNvSpPr txBox="1"/>
-            <p:nvPr/>
-          </p:nvSpPr>
-          <p:spPr>
-            <a:xfrm>
-              <a:off x="8049125" y="4507889"/>
-              <a:ext cx="942051" cy="268978"/>
-            </a:xfrm>
-            <a:prstGeom prst="rect">
-              <a:avLst/>
-            </a:prstGeom>
-            <a:noFill/>
-          </p:spPr>
-          <p:txBody>
-            <a:bodyPr wrap="none" rtlCol="0">
-              <a:spAutoFit/>
-            </a:bodyPr>
-            <a:lstStyle/>
-            <a:p>
-              <a:r>
-                <a:rPr lang="en-US" altLang="ko-KR" sz="1400" b="1" dirty="0">
-                  <a:latin typeface="Consolas" panose="020B0609020204030204" pitchFamily="49" charset="0"/>
-                </a:rPr>
-                <a:t>Port:3004</a:t>
-              </a:r>
-              <a:endParaRPr lang="ko-KR" altLang="en-US" sz="1400" b="1" dirty="0">
-                <a:latin typeface="Consolas" panose="020B0609020204030204" pitchFamily="49" charset="0"/>
-              </a:endParaRPr>
-            </a:p>
-          </p:txBody>
-        </p:sp>
-        <p:sp>
-          <p:nvSpPr>
-            <p:cNvPr id="1048" name="TextBox 1047">
-              <a:extLst>
-                <a:ext uri="{FF2B5EF4-FFF2-40B4-BE49-F238E27FC236}">
-                  <a16:creationId xmlns:a16="http://schemas.microsoft.com/office/drawing/2014/main" id="{CDA0876B-6264-A51F-853A-2C20DD52FC16}"/>
-                </a:ext>
-              </a:extLst>
-            </p:cNvPr>
-            <p:cNvSpPr txBox="1"/>
-            <p:nvPr/>
-          </p:nvSpPr>
-          <p:spPr>
-            <a:xfrm>
-              <a:off x="6488122" y="4499319"/>
-              <a:ext cx="942051" cy="268978"/>
-            </a:xfrm>
-            <a:prstGeom prst="rect">
-              <a:avLst/>
-            </a:prstGeom>
-            <a:noFill/>
-          </p:spPr>
-          <p:txBody>
-            <a:bodyPr wrap="none" rtlCol="0">
-              <a:spAutoFit/>
-            </a:bodyPr>
-            <a:lstStyle/>
-            <a:p>
-              <a:r>
-                <a:rPr lang="en-US" altLang="ko-KR" sz="1400" b="1" dirty="0">
-                  <a:latin typeface="Consolas" panose="020B0609020204030204" pitchFamily="49" charset="0"/>
-                </a:rPr>
-                <a:t>Port:3003</a:t>
-              </a:r>
-              <a:endParaRPr lang="ko-KR" altLang="en-US" sz="1400" b="1" dirty="0">
+              <a:endParaRPr lang="ko-KR" altLang="en-US" sz="1100" b="1" dirty="0">
                 <a:latin typeface="Consolas" panose="020B0609020204030204" pitchFamily="49" charset="0"/>
               </a:endParaRPr>
             </a:p>
           </p:txBody>
         </p:sp>
       </p:grpSp>
-      <p:sp>
-        <p:nvSpPr>
-          <p:cNvPr id="1081" name="TextBox 1080">
-            <a:extLst>
-              <a:ext uri="{FF2B5EF4-FFF2-40B4-BE49-F238E27FC236}">
-                <a16:creationId xmlns:a16="http://schemas.microsoft.com/office/drawing/2014/main" id="{D25536C7-C25B-03D7-8EBF-3407273953D1}"/>
-              </a:ext>
-            </a:extLst>
-          </p:cNvPr>
-          <p:cNvSpPr txBox="1"/>
-          <p:nvPr/>
-        </p:nvSpPr>
-        <p:spPr>
-          <a:xfrm rot="2282989">
-            <a:off x="4151463" y="2774506"/>
-            <a:ext cx="2060176" cy="261610"/>
-          </a:xfrm>
-          <a:prstGeom prst="rect">
-            <a:avLst/>
-          </a:prstGeom>
-          <a:noFill/>
-        </p:spPr>
-        <p:txBody>
-          <a:bodyPr wrap="square" rtlCol="0">
-            <a:spAutoFit/>
-          </a:bodyPr>
-          <a:lstStyle/>
-          <a:p>
-            <a:r>
-              <a:rPr lang="en-US" altLang="ko-KR" sz="1100" b="1" dirty="0" err="1">
-                <a:latin typeface="Consolas" panose="020B0609020204030204" pitchFamily="49" charset="0"/>
-              </a:rPr>
-              <a:t>Express.get</a:t>
-            </a:r>
-            <a:r>
-              <a:rPr lang="en-US" altLang="ko-KR" sz="1100" b="1" dirty="0">
-                <a:latin typeface="Consolas" panose="020B0609020204030204" pitchFamily="49" charset="0"/>
-              </a:rPr>
-              <a:t>(port),post()</a:t>
-            </a:r>
-            <a:endParaRPr lang="ko-KR" altLang="en-US" sz="1100" b="1" dirty="0">
-              <a:latin typeface="Consolas" panose="020B0609020204030204" pitchFamily="49" charset="0"/>
-            </a:endParaRPr>
-          </a:p>
-        </p:txBody>
-      </p:sp>
       <p:sp>
         <p:nvSpPr>
           <p:cNvPr id="3" name="TextBox 2">
@@ -20977,6 +21108,58 @@
       </p:grpSpPr>
       <p:sp>
         <p:nvSpPr>
+          <p:cNvPr id="10" name="직사각형 9">
+            <a:extLst>
+              <a:ext uri="{FF2B5EF4-FFF2-40B4-BE49-F238E27FC236}">
+                <a16:creationId xmlns:a16="http://schemas.microsoft.com/office/drawing/2014/main" id="{E4E37CA9-650D-61DD-78FD-75885ED77C95}"/>
+              </a:ext>
+            </a:extLst>
+          </p:cNvPr>
+          <p:cNvSpPr/>
+          <p:nvPr/>
+        </p:nvSpPr>
+        <p:spPr>
+          <a:xfrm>
+            <a:off x="780177" y="1020288"/>
+            <a:ext cx="9852620" cy="5531514"/>
+          </a:xfrm>
+          <a:prstGeom prst="rect">
+            <a:avLst/>
+          </a:prstGeom>
+          <a:solidFill>
+            <a:schemeClr val="bg1"/>
+          </a:solidFill>
+          <a:ln>
+            <a:noFill/>
+          </a:ln>
+        </p:spPr>
+        <p:style>
+          <a:lnRef idx="2">
+            <a:schemeClr val="accent1">
+              <a:shade val="50000"/>
+            </a:schemeClr>
+          </a:lnRef>
+          <a:fillRef idx="1">
+            <a:schemeClr val="accent1"/>
+          </a:fillRef>
+          <a:effectRef idx="0">
+            <a:schemeClr val="accent1"/>
+          </a:effectRef>
+          <a:fontRef idx="minor">
+            <a:schemeClr val="lt1"/>
+          </a:fontRef>
+        </p:style>
+        <p:txBody>
+          <a:bodyPr rtlCol="0" anchor="ctr"/>
+          <a:lstStyle/>
+          <a:p>
+            <a:pPr algn="ctr"/>
+            <a:endParaRPr lang="ko-KR" altLang="en-US" dirty="0"/>
+          </a:p>
+        </p:txBody>
+      </p:sp>
+      <p:sp>
+        <p:nvSpPr>
           <p:cNvPr id="4" name="슬라이드 번호 개체 틀 3">
             <a:extLst>
               <a:ext uri="{FF2B5EF4-FFF2-40B4-BE49-F238E27FC236}">
@@ -21176,8 +21359,8 @@
         </p:nvSpPr>
         <p:spPr>
           <a:xfrm>
-            <a:off x="598179" y="1020288"/>
-            <a:ext cx="10995642" cy="1933863"/>
+            <a:off x="860728" y="1019714"/>
+            <a:ext cx="9772070" cy="1626086"/>
           </a:xfrm>
           <a:prstGeom prst="rect">
             <a:avLst/>
@@ -21185,18 +21368,15 @@
           <a:noFill/>
         </p:spPr>
         <p:txBody>
-          <a:bodyPr wrap="square" rtlCol="0">
+          <a:bodyPr wrap="square" lIns="0" tIns="0" rIns="0" bIns="0" rtlCol="0">
             <a:spAutoFit/>
           </a:bodyPr>
           <a:lstStyle/>
           <a:p>
             <a:r>
-              <a:rPr lang="en-US" altLang="ko-KR" sz="2200" dirty="0">
-                <a:solidFill>
-                  <a:schemeClr val="tx1">
-                    <a:lumMod val="65000"/>
-                    <a:lumOff val="35000"/>
-                  </a:schemeClr>
+              <a:rPr lang="en-US" altLang="ko-KR" sz="2200" b="1" dirty="0">
+                <a:solidFill>
+                  <a:srgbClr val="1A1D21"/>
                 </a:solidFill>
                 <a:latin typeface="경기천년제목 Bold" panose="02020803020101020101" pitchFamily="18" charset="-127"/>
                 <a:ea typeface="경기천년제목 Bold" panose="02020803020101020101" pitchFamily="18" charset="-127"/>
@@ -21205,94 +21385,19 @@
               <a:t>     </a:t>
             </a:r>
             <a:r>
-              <a:rPr lang="ko-KR" altLang="en-US" sz="2200" dirty="0">
-                <a:solidFill>
-                  <a:schemeClr val="tx1">
-                    <a:lumMod val="65000"/>
-                    <a:lumOff val="35000"/>
-                  </a:schemeClr>
+              <a:rPr lang="ko-KR" altLang="en-US" sz="2200" b="1" dirty="0">
+                <a:solidFill>
+                  <a:srgbClr val="1A1D21"/>
                 </a:solidFill>
                 <a:latin typeface="경기천년제목 Bold" panose="02020803020101020101" pitchFamily="18" charset="-127"/>
                 <a:ea typeface="경기천년제목 Bold" panose="02020803020101020101" pitchFamily="18" charset="-127"/>
                 <a:sym typeface="Wingdings 2" panose="05020102010507070707" pitchFamily="18" charset="2"/>
               </a:rPr>
-              <a:t>데이터 조작</a:t>
+              <a:t>블록체인 데이터 조작 모듈 </a:t>
             </a:r>
-            <a:r>
-              <a:rPr lang="en-US" altLang="ko-KR" sz="2200" dirty="0">
-                <a:solidFill>
-                  <a:schemeClr val="tx1">
-                    <a:lumMod val="65000"/>
-                    <a:lumOff val="35000"/>
-                  </a:schemeClr>
-                </a:solidFill>
-                <a:latin typeface="경기천년제목 Bold" panose="02020803020101020101" pitchFamily="18" charset="-127"/>
-                <a:ea typeface="경기천년제목 Bold" panose="02020803020101020101" pitchFamily="18" charset="-127"/>
-                <a:sym typeface="Wingdings 2" panose="05020102010507070707" pitchFamily="18" charset="2"/>
-              </a:rPr>
-              <a:t>(</a:t>
-            </a:r>
-            <a:r>
-              <a:rPr lang="ko-KR" altLang="en-US" sz="2200" dirty="0">
-                <a:solidFill>
-                  <a:schemeClr val="tx1">
-                    <a:lumMod val="65000"/>
-                    <a:lumOff val="35000"/>
-                  </a:schemeClr>
-                </a:solidFill>
-                <a:latin typeface="경기천년제목 Bold" panose="02020803020101020101" pitchFamily="18" charset="-127"/>
-                <a:ea typeface="경기천년제목 Bold" panose="02020803020101020101" pitchFamily="18" charset="-127"/>
-                <a:sym typeface="Wingdings 2" panose="05020102010507070707" pitchFamily="18" charset="2"/>
-              </a:rPr>
-              <a:t>해킹</a:t>
-            </a:r>
-            <a:r>
-              <a:rPr lang="en-US" altLang="ko-KR" sz="2200" dirty="0">
-                <a:solidFill>
-                  <a:schemeClr val="tx1">
-                    <a:lumMod val="65000"/>
-                    <a:lumOff val="35000"/>
-                  </a:schemeClr>
-                </a:solidFill>
-                <a:latin typeface="경기천년제목 Bold" panose="02020803020101020101" pitchFamily="18" charset="-127"/>
-                <a:ea typeface="경기천년제목 Bold" panose="02020803020101020101" pitchFamily="18" charset="-127"/>
-                <a:sym typeface="Wingdings 2" panose="05020102010507070707" pitchFamily="18" charset="2"/>
-              </a:rPr>
-              <a:t>)</a:t>
-            </a:r>
-            <a:r>
-              <a:rPr lang="ko-KR" altLang="en-US" sz="2200" dirty="0">
-                <a:solidFill>
-                  <a:schemeClr val="tx1">
-                    <a:lumMod val="65000"/>
-                    <a:lumOff val="35000"/>
-                  </a:schemeClr>
-                </a:solidFill>
-                <a:latin typeface="경기천년제목 Bold" panose="02020803020101020101" pitchFamily="18" charset="-127"/>
-                <a:ea typeface="경기천년제목 Bold" panose="02020803020101020101" pitchFamily="18" charset="-127"/>
-                <a:sym typeface="Wingdings 2" panose="05020102010507070707" pitchFamily="18" charset="2"/>
-              </a:rPr>
-              <a:t> 상황 조성</a:t>
-            </a:r>
-            <a:endParaRPr lang="en-US" altLang="ko-KR" sz="2200" dirty="0">
+            <a:endParaRPr lang="en-US" altLang="ko-KR" sz="1400" b="1" dirty="0">
               <a:solidFill>
-                <a:schemeClr val="tx1">
-                  <a:lumMod val="65000"/>
-                  <a:lumOff val="35000"/>
-                </a:schemeClr>
-              </a:solidFill>
-              <a:latin typeface="경기천년제목 Bold" panose="02020803020101020101" pitchFamily="18" charset="-127"/>
-              <a:ea typeface="경기천년제목 Bold" panose="02020803020101020101" pitchFamily="18" charset="-127"/>
-              <a:sym typeface="Wingdings 2" panose="05020102010507070707" pitchFamily="18" charset="2"/>
-            </a:endParaRPr>
-          </a:p>
-          <a:p>
-            <a:endParaRPr lang="en-US" altLang="ko-KR" sz="1400" dirty="0">
-              <a:solidFill>
-                <a:schemeClr val="tx1">
-                  <a:lumMod val="65000"/>
-                  <a:lumOff val="35000"/>
-                </a:schemeClr>
+                <a:srgbClr val="1A1D21"/>
               </a:solidFill>
               <a:latin typeface="경기천년제목 Bold" panose="02020803020101020101" pitchFamily="18" charset="-127"/>
               <a:ea typeface="경기천년제목 Bold" panose="02020803020101020101" pitchFamily="18" charset="-127"/>
@@ -21527,7 +21632,7 @@
                 <a:ea typeface="경기천년제목 Light" panose="02020403020101020101" pitchFamily="18" charset="-127"/>
                 <a:sym typeface="Wingdings 2" panose="05020102010507070707" pitchFamily="18" charset="2"/>
               </a:rPr>
-              <a:t>가 빨간색으로 점등됨</a:t>
+              <a:t>가 빨간색으로 점등</a:t>
             </a:r>
             <a:endParaRPr lang="en-US" altLang="ko-KR" dirty="0">
               <a:solidFill>
@@ -21557,7 +21662,7 @@
         </p:nvSpPr>
         <p:spPr>
           <a:xfrm>
-            <a:off x="2459634" y="4222047"/>
+            <a:off x="1920054" y="4174847"/>
             <a:ext cx="836892" cy="884594"/>
           </a:xfrm>
           <a:prstGeom prst="roundRect">
@@ -21632,7 +21737,7 @@
         </p:blipFill>
         <p:spPr>
           <a:xfrm>
-            <a:off x="2603522" y="4404396"/>
+            <a:off x="2063942" y="4357196"/>
             <a:ext cx="549115" cy="518078"/>
           </a:xfrm>
           <a:prstGeom prst="rect">
@@ -21662,7 +21767,7 @@
         </p:blipFill>
         <p:spPr>
           <a:xfrm>
-            <a:off x="2612885" y="4127397"/>
+            <a:off x="2073305" y="4080197"/>
             <a:ext cx="547682" cy="516725"/>
           </a:xfrm>
           <a:prstGeom prst="rect">
@@ -21684,7 +21789,7 @@
         </p:nvSpPr>
         <p:spPr>
           <a:xfrm>
-            <a:off x="2582548" y="4880282"/>
+            <a:off x="2042968" y="4833082"/>
             <a:ext cx="634352" cy="230832"/>
           </a:xfrm>
           <a:prstGeom prst="rect">
@@ -21722,7 +21827,7 @@
         </p:nvCxnSpPr>
         <p:spPr>
           <a:xfrm flipV="1">
-            <a:off x="3432161" y="4564784"/>
+            <a:off x="2892581" y="4517584"/>
             <a:ext cx="1573092" cy="10859"/>
           </a:xfrm>
           <a:prstGeom prst="straightConnector1">
@@ -21764,7 +21869,7 @@
         </p:nvSpPr>
         <p:spPr>
           <a:xfrm>
-            <a:off x="5757375" y="3122116"/>
+            <a:off x="5217795" y="3074916"/>
             <a:ext cx="4540722" cy="2905822"/>
           </a:xfrm>
           <a:prstGeom prst="roundRect">
@@ -21839,7 +21944,7 @@
         </p:blipFill>
         <p:spPr>
           <a:xfrm>
-            <a:off x="6326617" y="3597017"/>
+            <a:off x="5787037" y="3549817"/>
             <a:ext cx="614607" cy="576961"/>
           </a:xfrm>
           <a:prstGeom prst="rect">
@@ -21869,7 +21974,7 @@
         </p:blipFill>
         <p:spPr>
           <a:xfrm>
-            <a:off x="6224244" y="3126158"/>
+            <a:off x="5684664" y="3078958"/>
             <a:ext cx="822672" cy="772281"/>
           </a:xfrm>
           <a:prstGeom prst="rect">
@@ -21908,7 +22013,7 @@
         </p:blipFill>
         <p:spPr>
           <a:xfrm>
-            <a:off x="7878941" y="3603260"/>
+            <a:off x="7339361" y="3556060"/>
             <a:ext cx="614607" cy="607233"/>
           </a:xfrm>
           <a:prstGeom prst="rect">
@@ -21938,7 +22043,7 @@
         </p:blipFill>
         <p:spPr>
           <a:xfrm>
-            <a:off x="7788095" y="3109490"/>
+            <a:off x="7248515" y="3062290"/>
             <a:ext cx="822672" cy="812801"/>
           </a:xfrm>
           <a:prstGeom prst="rect">
@@ -21977,7 +22082,7 @@
         </p:blipFill>
         <p:spPr>
           <a:xfrm>
-            <a:off x="9256531" y="3603996"/>
+            <a:off x="8716951" y="3556796"/>
             <a:ext cx="614607" cy="607233"/>
           </a:xfrm>
           <a:prstGeom prst="rect">
@@ -22007,7 +22112,7 @@
         </p:blipFill>
         <p:spPr>
           <a:xfrm>
-            <a:off x="9152499" y="3094811"/>
+            <a:off x="8612919" y="3047611"/>
             <a:ext cx="822672" cy="812801"/>
           </a:xfrm>
           <a:prstGeom prst="rect">
@@ -22046,7 +22151,7 @@
         </p:blipFill>
         <p:spPr>
           <a:xfrm>
-            <a:off x="7160301" y="5213923"/>
+            <a:off x="6620721" y="5166723"/>
             <a:ext cx="614607" cy="607233"/>
           </a:xfrm>
           <a:prstGeom prst="rect">
@@ -22076,7 +22181,7 @@
         </p:blipFill>
         <p:spPr>
           <a:xfrm>
-            <a:off x="7069717" y="4720603"/>
+            <a:off x="6530137" y="4673403"/>
             <a:ext cx="822672" cy="812801"/>
           </a:xfrm>
           <a:prstGeom prst="rect">
@@ -22115,7 +22220,7 @@
         </p:blipFill>
         <p:spPr>
           <a:xfrm>
-            <a:off x="8597578" y="5220243"/>
+            <a:off x="8057998" y="5173043"/>
             <a:ext cx="614607" cy="607233"/>
           </a:xfrm>
           <a:prstGeom prst="rect">
@@ -22145,7 +22250,7 @@
         </p:blipFill>
         <p:spPr>
           <a:xfrm>
-            <a:off x="8507718" y="4717309"/>
+            <a:off x="7968138" y="4670109"/>
             <a:ext cx="822672" cy="812801"/>
           </a:xfrm>
           <a:prstGeom prst="rect">
@@ -22171,7 +22276,7 @@
         </p:nvCxnSpPr>
         <p:spPr>
           <a:xfrm rot="5400000" flipH="1" flipV="1">
-            <a:off x="8165022" y="2993696"/>
+            <a:off x="7625442" y="2946496"/>
             <a:ext cx="809" cy="2895423"/>
           </a:xfrm>
           <a:prstGeom prst="bentConnector3">
@@ -22218,7 +22323,7 @@
         </p:nvCxnSpPr>
         <p:spPr>
           <a:xfrm rot="16200000" flipH="1">
-            <a:off x="8432490" y="4242118"/>
+            <a:off x="7892910" y="4194918"/>
             <a:ext cx="297675" cy="696949"/>
           </a:xfrm>
           <a:prstGeom prst="bentConnector3">
@@ -22265,7 +22370,7 @@
         </p:nvCxnSpPr>
         <p:spPr>
           <a:xfrm rot="5400000">
-            <a:off x="7715818" y="4214588"/>
+            <a:off x="7176238" y="4167388"/>
             <a:ext cx="289866" cy="744202"/>
           </a:xfrm>
           <a:prstGeom prst="bentConnector3">
@@ -22325,7 +22430,7 @@
         </p:blipFill>
         <p:spPr>
           <a:xfrm flipH="1">
-            <a:off x="4739450" y="3528518"/>
+            <a:off x="4199870" y="3481318"/>
             <a:ext cx="1889970" cy="1867296"/>
           </a:xfrm>
           <a:prstGeom prst="rect">
@@ -22347,7 +22452,7 @@
         </p:nvSpPr>
         <p:spPr>
           <a:xfrm>
-            <a:off x="5412302" y="4408067"/>
+            <a:off x="4872722" y="4360867"/>
             <a:ext cx="720512" cy="355764"/>
           </a:xfrm>
           <a:prstGeom prst="rect">
@@ -22406,7 +22511,7 @@
         </p:blipFill>
         <p:spPr>
           <a:xfrm>
-            <a:off x="6808183" y="3687181"/>
+            <a:off x="6268603" y="3639981"/>
             <a:ext cx="496174" cy="465783"/>
           </a:xfrm>
           <a:prstGeom prst="rect">
@@ -22445,7 +22550,7 @@
         </p:blipFill>
         <p:spPr>
           <a:xfrm>
-            <a:off x="8366270" y="3687273"/>
+            <a:off x="7826690" y="3640073"/>
             <a:ext cx="496174" cy="490221"/>
           </a:xfrm>
           <a:prstGeom prst="rect">
@@ -22484,7 +22589,7 @@
         </p:blipFill>
         <p:spPr>
           <a:xfrm>
-            <a:off x="9767094" y="3671205"/>
+            <a:off x="9227514" y="3624005"/>
             <a:ext cx="496174" cy="490221"/>
           </a:xfrm>
           <a:prstGeom prst="rect">
@@ -22523,7 +22628,7 @@
         </p:blipFill>
         <p:spPr>
           <a:xfrm>
-            <a:off x="9093970" y="5324162"/>
+            <a:off x="8554390" y="5276962"/>
             <a:ext cx="496174" cy="490221"/>
           </a:xfrm>
           <a:prstGeom prst="rect">
@@ -22562,7 +22667,7 @@
         </p:blipFill>
         <p:spPr>
           <a:xfrm>
-            <a:off x="7644302" y="5357839"/>
+            <a:off x="7104722" y="5310639"/>
             <a:ext cx="496174" cy="490221"/>
           </a:xfrm>
           <a:prstGeom prst="rect">
@@ -22584,7 +22689,7 @@
         </p:nvSpPr>
         <p:spPr>
           <a:xfrm>
-            <a:off x="6233598" y="4139413"/>
+            <a:off x="5694018" y="4092213"/>
             <a:ext cx="968233" cy="302399"/>
           </a:xfrm>
           <a:prstGeom prst="rect">
@@ -22624,7 +22729,7 @@
         </p:nvSpPr>
         <p:spPr>
           <a:xfrm>
-            <a:off x="7748736" y="4139356"/>
+            <a:off x="7209156" y="4092156"/>
             <a:ext cx="968233" cy="302399"/>
           </a:xfrm>
           <a:prstGeom prst="rect">
@@ -22664,7 +22769,7 @@
         </p:nvSpPr>
         <p:spPr>
           <a:xfrm>
-            <a:off x="9129021" y="4138603"/>
+            <a:off x="8589441" y="4091403"/>
             <a:ext cx="968233" cy="302399"/>
           </a:xfrm>
           <a:prstGeom prst="rect">
@@ -22704,7 +22809,7 @@
         </p:nvSpPr>
         <p:spPr>
           <a:xfrm>
-            <a:off x="8445685" y="4739430"/>
+            <a:off x="7906105" y="4692230"/>
             <a:ext cx="968233" cy="302399"/>
           </a:xfrm>
           <a:prstGeom prst="rect">
@@ -22744,7 +22849,7 @@
         </p:nvSpPr>
         <p:spPr>
           <a:xfrm>
-            <a:off x="7004533" y="4731622"/>
+            <a:off x="6464953" y="4684422"/>
             <a:ext cx="968233" cy="302399"/>
           </a:xfrm>
           <a:prstGeom prst="rect">
@@ -22784,7 +22889,7 @@
         </p:nvSpPr>
         <p:spPr>
           <a:xfrm>
-            <a:off x="3403096" y="4250567"/>
+            <a:off x="2863516" y="4203367"/>
             <a:ext cx="1544012" cy="276999"/>
           </a:xfrm>
           <a:prstGeom prst="rect">
@@ -22824,7 +22929,7 @@
         </p:nvSpPr>
         <p:spPr>
           <a:xfrm>
-            <a:off x="5397764" y="5430013"/>
+            <a:off x="4858184" y="5382813"/>
             <a:ext cx="836892" cy="884594"/>
           </a:xfrm>
           <a:prstGeom prst="roundRect">
@@ -22882,7 +22987,7 @@
         </p:nvSpPr>
         <p:spPr>
           <a:xfrm>
-            <a:off x="5427655" y="6074114"/>
+            <a:off x="4888075" y="6026914"/>
             <a:ext cx="942636" cy="230832"/>
           </a:xfrm>
           <a:prstGeom prst="rect">
@@ -22935,7 +23040,7 @@
         </p:blipFill>
         <p:spPr>
           <a:xfrm>
-            <a:off x="5514846" y="5499649"/>
+            <a:off x="4975266" y="5452449"/>
             <a:ext cx="556068" cy="550855"/>
           </a:xfrm>
           <a:prstGeom prst="rect">
@@ -22957,7 +23062,7 @@
         </p:nvSpPr>
         <p:spPr>
           <a:xfrm>
-            <a:off x="7596515" y="2525603"/>
+            <a:off x="7056935" y="2478403"/>
             <a:ext cx="1934961" cy="1842965"/>
           </a:xfrm>
           <a:prstGeom prst="borderCallout1">
@@ -23187,6 +23292,210 @@
           </a:p>
         </p:txBody>
       </p:sp>
+      <p:sp>
+        <p:nvSpPr>
+          <p:cNvPr id="5" name="타원 4">
+            <a:extLst>
+              <a:ext uri="{FF2B5EF4-FFF2-40B4-BE49-F238E27FC236}">
+                <a16:creationId xmlns:a16="http://schemas.microsoft.com/office/drawing/2014/main" id="{C58CF06C-24A0-6A97-4FBB-3AC9DE00B405}"/>
+              </a:ext>
+            </a:extLst>
+          </p:cNvPr>
+          <p:cNvSpPr/>
+          <p:nvPr/>
+        </p:nvSpPr>
+        <p:spPr>
+          <a:xfrm>
+            <a:off x="2865520" y="4055293"/>
+            <a:ext cx="216000" cy="216000"/>
+          </a:xfrm>
+          <a:prstGeom prst="ellipse">
+            <a:avLst/>
+          </a:prstGeom>
+          <a:solidFill>
+            <a:schemeClr val="bg1">
+              <a:lumMod val="75000"/>
+            </a:schemeClr>
+          </a:solidFill>
+          <a:ln w="28575">
+            <a:solidFill>
+              <a:srgbClr val="1A1D21"/>
+            </a:solidFill>
+          </a:ln>
+        </p:spPr>
+        <p:style>
+          <a:lnRef idx="2">
+            <a:schemeClr val="accent1">
+              <a:shade val="50000"/>
+            </a:schemeClr>
+          </a:lnRef>
+          <a:fillRef idx="1">
+            <a:schemeClr val="accent1"/>
+          </a:fillRef>
+          <a:effectRef idx="0">
+            <a:schemeClr val="accent1"/>
+          </a:effectRef>
+          <a:fontRef idx="minor">
+            <a:schemeClr val="lt1"/>
+          </a:fontRef>
+        </p:style>
+        <p:txBody>
+          <a:bodyPr lIns="0" tIns="0" rIns="0" bIns="0" rtlCol="0" anchor="ctr"/>
+          <a:lstStyle/>
+          <a:p>
+            <a:pPr algn="ctr"/>
+            <a:r>
+              <a:rPr lang="en-US" altLang="ko-KR" sz="1400" b="1" dirty="0">
+                <a:solidFill>
+                  <a:srgbClr val="1A1D21"/>
+                </a:solidFill>
+              </a:rPr>
+              <a:t>1</a:t>
+            </a:r>
+            <a:endParaRPr lang="ko-KR" altLang="en-US" sz="1400" b="1" dirty="0">
+              <a:solidFill>
+                <a:srgbClr val="1A1D21"/>
+              </a:solidFill>
+            </a:endParaRPr>
+          </a:p>
+        </p:txBody>
+      </p:sp>
+      <p:sp>
+        <p:nvSpPr>
+          <p:cNvPr id="6" name="타원 5">
+            <a:extLst>
+              <a:ext uri="{FF2B5EF4-FFF2-40B4-BE49-F238E27FC236}">
+                <a16:creationId xmlns:a16="http://schemas.microsoft.com/office/drawing/2014/main" id="{2E11902C-BB3E-A2C8-856C-1BB72072598F}"/>
+              </a:ext>
+            </a:extLst>
+          </p:cNvPr>
+          <p:cNvSpPr/>
+          <p:nvPr/>
+        </p:nvSpPr>
+        <p:spPr>
+          <a:xfrm>
+            <a:off x="6931696" y="2334186"/>
+            <a:ext cx="216000" cy="216000"/>
+          </a:xfrm>
+          <a:prstGeom prst="ellipse">
+            <a:avLst/>
+          </a:prstGeom>
+          <a:solidFill>
+            <a:schemeClr val="bg1">
+              <a:lumMod val="75000"/>
+            </a:schemeClr>
+          </a:solidFill>
+          <a:ln w="28575">
+            <a:solidFill>
+              <a:srgbClr val="1A1D21"/>
+            </a:solidFill>
+          </a:ln>
+        </p:spPr>
+        <p:style>
+          <a:lnRef idx="2">
+            <a:schemeClr val="accent1">
+              <a:shade val="50000"/>
+            </a:schemeClr>
+          </a:lnRef>
+          <a:fillRef idx="1">
+            <a:schemeClr val="accent1"/>
+          </a:fillRef>
+          <a:effectRef idx="0">
+            <a:schemeClr val="accent1"/>
+          </a:effectRef>
+          <a:fontRef idx="minor">
+            <a:schemeClr val="lt1"/>
+          </a:fontRef>
+        </p:style>
+        <p:txBody>
+          <a:bodyPr lIns="0" tIns="0" rIns="0" bIns="0" rtlCol="0" anchor="ctr"/>
+          <a:lstStyle/>
+          <a:p>
+            <a:pPr algn="ctr"/>
+            <a:r>
+              <a:rPr lang="en-US" altLang="ko-KR" sz="1400" b="1" dirty="0">
+                <a:solidFill>
+                  <a:srgbClr val="1A1D21"/>
+                </a:solidFill>
+              </a:rPr>
+              <a:t>2</a:t>
+            </a:r>
+            <a:endParaRPr lang="ko-KR" altLang="en-US" sz="1400" b="1" dirty="0">
+              <a:solidFill>
+                <a:srgbClr val="1A1D21"/>
+              </a:solidFill>
+            </a:endParaRPr>
+          </a:p>
+        </p:txBody>
+      </p:sp>
+      <p:sp>
+        <p:nvSpPr>
+          <p:cNvPr id="8" name="타원 7">
+            <a:extLst>
+              <a:ext uri="{FF2B5EF4-FFF2-40B4-BE49-F238E27FC236}">
+                <a16:creationId xmlns:a16="http://schemas.microsoft.com/office/drawing/2014/main" id="{E0F983BD-CEA3-4D78-08EC-711FC33E1694}"/>
+              </a:ext>
+            </a:extLst>
+          </p:cNvPr>
+          <p:cNvSpPr/>
+          <p:nvPr/>
+        </p:nvSpPr>
+        <p:spPr>
+          <a:xfrm>
+            <a:off x="4777498" y="5306072"/>
+            <a:ext cx="216000" cy="216000"/>
+          </a:xfrm>
+          <a:prstGeom prst="ellipse">
+            <a:avLst/>
+          </a:prstGeom>
+          <a:solidFill>
+            <a:schemeClr val="bg1">
+              <a:lumMod val="75000"/>
+            </a:schemeClr>
+          </a:solidFill>
+          <a:ln w="28575">
+            <a:solidFill>
+              <a:srgbClr val="1A1D21"/>
+            </a:solidFill>
+          </a:ln>
+        </p:spPr>
+        <p:style>
+          <a:lnRef idx="2">
+            <a:schemeClr val="accent1">
+              <a:shade val="50000"/>
+            </a:schemeClr>
+          </a:lnRef>
+          <a:fillRef idx="1">
+            <a:schemeClr val="accent1"/>
+          </a:fillRef>
+          <a:effectRef idx="0">
+            <a:schemeClr val="accent1"/>
+          </a:effectRef>
+          <a:fontRef idx="minor">
+            <a:schemeClr val="lt1"/>
+          </a:fontRef>
+        </p:style>
+        <p:txBody>
+          <a:bodyPr lIns="0" tIns="0" rIns="0" bIns="0" rtlCol="0" anchor="ctr"/>
+          <a:lstStyle/>
+          <a:p>
+            <a:pPr algn="ctr"/>
+            <a:r>
+              <a:rPr lang="en-US" altLang="ko-KR" sz="1400" b="1" dirty="0">
+                <a:solidFill>
+                  <a:srgbClr val="1A1D21"/>
+                </a:solidFill>
+              </a:rPr>
+              <a:t>3</a:t>
+            </a:r>
+            <a:endParaRPr lang="ko-KR" altLang="en-US" sz="1400" b="1" dirty="0">
+              <a:solidFill>
+                <a:srgbClr val="1A1D21"/>
+              </a:solidFill>
+            </a:endParaRPr>
+          </a:p>
+        </p:txBody>
+      </p:sp>
     </p:spTree>
     <p:extLst>
       <p:ext uri="{BB962C8B-B14F-4D97-AF65-F5344CB8AC3E}">
@@ -23755,7 +24064,7 @@
           <p:nvPr>
             <p:extLst>
               <p:ext uri="{D42A27DB-BD31-4B8C-83A1-F6EECF244321}">
-                <p14:modId xmlns:p14="http://schemas.microsoft.com/office/powerpoint/2010/main" val="1368377230"/>
+                <p14:modId xmlns:p14="http://schemas.microsoft.com/office/powerpoint/2010/main" val="2738171402"/>
               </p:ext>
             </p:extLst>
           </p:nvPr>
@@ -23794,7 +24103,7 @@
                     <a:p>
                       <a:pPr algn="ctr" latinLnBrk="1"/>
                       <a:r>
-                        <a:rPr lang="en-US" altLang="ko-KR" sz="1400" b="1" dirty="0">
+                        <a:rPr lang="en-US" altLang="ko-KR" sz="1200" b="1" dirty="0">
                           <a:solidFill>
                             <a:srgbClr val="1A1D21"/>
                           </a:solidFill>
@@ -23803,7 +24112,7 @@
                         </a:rPr>
                         <a:t>Platform</a:t>
                       </a:r>
-                      <a:endParaRPr lang="ko-KR" altLang="en-US" sz="1400" b="1" dirty="0">
+                      <a:endParaRPr lang="ko-KR" altLang="en-US" sz="1200" b="1" dirty="0">
                         <a:solidFill>
                           <a:srgbClr val="1A1D21"/>
                         </a:solidFill>
@@ -23955,7 +24264,7 @@
                     <a:p>
                       <a:pPr algn="ctr" latinLnBrk="1"/>
                       <a:r>
-                        <a:rPr lang="en-US" altLang="ko-KR" sz="1400" b="1" dirty="0">
+                        <a:rPr lang="en-US" altLang="ko-KR" sz="1200" b="1" dirty="0">
                           <a:solidFill>
                             <a:srgbClr val="1A1D21"/>
                           </a:solidFill>
@@ -23964,7 +24273,7 @@
                         </a:rPr>
                         <a:t>CPU</a:t>
                       </a:r>
-                      <a:endParaRPr lang="ko-KR" altLang="en-US" sz="1400" b="1" dirty="0">
+                      <a:endParaRPr lang="ko-KR" altLang="en-US" sz="1200" b="1" dirty="0">
                         <a:solidFill>
                           <a:srgbClr val="1A1D21"/>
                         </a:solidFill>
@@ -24111,13 +24420,13 @@
                     <a:p>
                       <a:pPr algn="ctr" latinLnBrk="1"/>
                       <a:r>
-                        <a:rPr lang="en-US" altLang="ko-KR" sz="1400" b="1" dirty="0">
+                        <a:rPr lang="en-US" altLang="ko-KR" sz="1200" b="1" dirty="0">
                           <a:latin typeface="Arial" panose="020B0604020202020204" pitchFamily="34" charset="0"/>
                           <a:cs typeface="Arial" panose="020B0604020202020204" pitchFamily="34" charset="0"/>
                         </a:rPr>
                         <a:t>Memory</a:t>
                       </a:r>
-                      <a:endParaRPr lang="ko-KR" altLang="en-US" sz="1400" b="1" dirty="0">
+                      <a:endParaRPr lang="ko-KR" altLang="en-US" sz="1200" b="1" dirty="0">
                         <a:latin typeface="Arial" panose="020B0604020202020204" pitchFamily="34" charset="0"/>
                         <a:cs typeface="Arial" panose="020B0604020202020204" pitchFamily="34" charset="0"/>
                       </a:endParaRPr>
@@ -24260,13 +24569,13 @@
                     <a:p>
                       <a:pPr algn="ctr" latinLnBrk="1"/>
                       <a:r>
-                        <a:rPr lang="en-US" altLang="ko-KR" sz="1400" b="1" dirty="0">
+                        <a:rPr lang="en-US" altLang="ko-KR" sz="1200" b="1" dirty="0">
                           <a:latin typeface="Arial" panose="020B0604020202020204" pitchFamily="34" charset="0"/>
                           <a:cs typeface="Arial" panose="020B0604020202020204" pitchFamily="34" charset="0"/>
                         </a:rPr>
                         <a:t>Storage</a:t>
                       </a:r>
-                      <a:endParaRPr lang="ko-KR" altLang="en-US" sz="1400" b="1" dirty="0">
+                      <a:endParaRPr lang="ko-KR" altLang="en-US" sz="1200" b="1" dirty="0">
                         <a:latin typeface="Arial" panose="020B0604020202020204" pitchFamily="34" charset="0"/>
                         <a:cs typeface="Arial" panose="020B0604020202020204" pitchFamily="34" charset="0"/>
                       </a:endParaRPr>
@@ -24409,13 +24718,13 @@
                     <a:p>
                       <a:pPr algn="ctr" latinLnBrk="1"/>
                       <a:r>
-                        <a:rPr lang="en-US" altLang="ko-KR" sz="1400" b="1" dirty="0">
+                        <a:rPr lang="en-US" altLang="ko-KR" sz="1200" b="1" dirty="0">
                           <a:latin typeface="Arial" panose="020B0604020202020204" pitchFamily="34" charset="0"/>
                           <a:cs typeface="Arial" panose="020B0604020202020204" pitchFamily="34" charset="0"/>
                         </a:rPr>
                         <a:t>Sensor</a:t>
                       </a:r>
-                      <a:endParaRPr lang="ko-KR" altLang="en-US" sz="1400" b="1" dirty="0">
+                      <a:endParaRPr lang="ko-KR" altLang="en-US" sz="1200" b="1" dirty="0">
                         <a:latin typeface="Arial" panose="020B0604020202020204" pitchFamily="34" charset="0"/>
                         <a:cs typeface="Arial" panose="020B0604020202020204" pitchFamily="34" charset="0"/>
                       </a:endParaRPr>
@@ -24558,13 +24867,13 @@
                     <a:p>
                       <a:pPr algn="ctr" latinLnBrk="1"/>
                       <a:r>
-                        <a:rPr lang="en-US" altLang="ko-KR" sz="1400" b="1" dirty="0">
+                        <a:rPr lang="en-US" altLang="ko-KR" sz="1200" b="1" dirty="0">
                           <a:latin typeface="Arial" panose="020B0604020202020204" pitchFamily="34" charset="0"/>
                           <a:cs typeface="Arial" panose="020B0604020202020204" pitchFamily="34" charset="0"/>
                         </a:rPr>
                         <a:t>Output</a:t>
                       </a:r>
-                      <a:endParaRPr lang="ko-KR" altLang="en-US" sz="1400" b="1" dirty="0">
+                      <a:endParaRPr lang="ko-KR" altLang="en-US" sz="1200" b="1" dirty="0">
                         <a:latin typeface="Arial" panose="020B0604020202020204" pitchFamily="34" charset="0"/>
                         <a:cs typeface="Arial" panose="020B0604020202020204" pitchFamily="34" charset="0"/>
                       </a:endParaRPr>
@@ -24718,7 +25027,7 @@
           <p:nvPr>
             <p:extLst>
               <p:ext uri="{D42A27DB-BD31-4B8C-83A1-F6EECF244321}">
-                <p14:modId xmlns:p14="http://schemas.microsoft.com/office/powerpoint/2010/main" val="1118440645"/>
+                <p14:modId xmlns:p14="http://schemas.microsoft.com/office/powerpoint/2010/main" val="3519093291"/>
               </p:ext>
             </p:extLst>
           </p:nvPr>
@@ -24757,7 +25066,7 @@
                     <a:p>
                       <a:pPr algn="ctr" latinLnBrk="1"/>
                       <a:r>
-                        <a:rPr lang="en-US" altLang="ko-KR" sz="1400" b="1" dirty="0">
+                        <a:rPr lang="en-US" altLang="ko-KR" sz="1200" b="1" dirty="0">
                           <a:solidFill>
                             <a:srgbClr val="1A1D21"/>
                           </a:solidFill>
@@ -24766,7 +25075,7 @@
                         </a:rPr>
                         <a:t>OS</a:t>
                       </a:r>
-                      <a:endParaRPr lang="ko-KR" altLang="en-US" sz="1400" b="1" dirty="0">
+                      <a:endParaRPr lang="ko-KR" altLang="en-US" sz="1200" b="1" dirty="0">
                         <a:solidFill>
                           <a:srgbClr val="1A1D21"/>
                         </a:solidFill>
@@ -24918,7 +25227,7 @@
                     <a:p>
                       <a:pPr algn="ctr" latinLnBrk="1"/>
                       <a:r>
-                        <a:rPr lang="en-US" altLang="ko-KR" sz="1400" b="1" dirty="0">
+                        <a:rPr lang="en-US" altLang="ko-KR" sz="1200" b="1" dirty="0">
                           <a:solidFill>
                             <a:srgbClr val="1A1D21"/>
                           </a:solidFill>
@@ -24927,7 +25236,7 @@
                         </a:rPr>
                         <a:t>Nodejs</a:t>
                       </a:r>
-                      <a:endParaRPr lang="ko-KR" altLang="en-US" sz="1400" b="1" dirty="0">
+                      <a:endParaRPr lang="ko-KR" altLang="en-US" sz="1200" b="1" dirty="0">
                         <a:solidFill>
                           <a:srgbClr val="1A1D21"/>
                         </a:solidFill>
@@ -25074,13 +25383,13 @@
                     <a:p>
                       <a:pPr algn="ctr" latinLnBrk="1"/>
                       <a:r>
-                        <a:rPr lang="en-US" altLang="ko-KR" sz="1400" b="1" dirty="0" err="1">
+                        <a:rPr lang="en-US" altLang="ko-KR" sz="1200" b="1" dirty="0" err="1">
                           <a:latin typeface="Arial" panose="020B0604020202020204" pitchFamily="34" charset="0"/>
                           <a:cs typeface="Arial" panose="020B0604020202020204" pitchFamily="34" charset="0"/>
                         </a:rPr>
                         <a:t>npm</a:t>
                       </a:r>
-                      <a:endParaRPr lang="ko-KR" altLang="en-US" sz="1400" b="1" dirty="0">
+                      <a:endParaRPr lang="ko-KR" altLang="en-US" sz="1200" b="1" dirty="0">
                         <a:latin typeface="Arial" panose="020B0604020202020204" pitchFamily="34" charset="0"/>
                         <a:cs typeface="Arial" panose="020B0604020202020204" pitchFamily="34" charset="0"/>
                       </a:endParaRPr>
@@ -25223,13 +25532,13 @@
                     <a:p>
                       <a:pPr algn="ctr" latinLnBrk="1"/>
                       <a:r>
-                        <a:rPr lang="en-US" altLang="ko-KR" sz="1400" b="1" dirty="0">
+                        <a:rPr lang="en-US" altLang="ko-KR" sz="1200" b="1" dirty="0">
                           <a:latin typeface="Arial" panose="020B0604020202020204" pitchFamily="34" charset="0"/>
                           <a:cs typeface="Arial" panose="020B0604020202020204" pitchFamily="34" charset="0"/>
                         </a:rPr>
                         <a:t>Express.js</a:t>
                       </a:r>
-                      <a:endParaRPr lang="ko-KR" altLang="en-US" sz="1400" b="1" dirty="0">
+                      <a:endParaRPr lang="ko-KR" altLang="en-US" sz="1200" b="1" dirty="0">
                         <a:latin typeface="Arial" panose="020B0604020202020204" pitchFamily="34" charset="0"/>
                         <a:cs typeface="Arial" panose="020B0604020202020204" pitchFamily="34" charset="0"/>
                       </a:endParaRPr>
@@ -25372,13 +25681,13 @@
                     <a:p>
                       <a:pPr algn="ctr" latinLnBrk="1"/>
                       <a:r>
-                        <a:rPr lang="en-US" altLang="ko-KR" sz="1400" b="1" dirty="0">
+                        <a:rPr lang="en-US" altLang="ko-KR" sz="1200" b="1" dirty="0">
                           <a:latin typeface="Arial" panose="020B0604020202020204" pitchFamily="34" charset="0"/>
                           <a:cs typeface="Arial" panose="020B0604020202020204" pitchFamily="34" charset="0"/>
                         </a:rPr>
                         <a:t>Vim</a:t>
                       </a:r>
-                      <a:endParaRPr lang="ko-KR" altLang="en-US" sz="1400" b="1" dirty="0">
+                      <a:endParaRPr lang="ko-KR" altLang="en-US" sz="1200" b="1" dirty="0">
                         <a:latin typeface="Arial" panose="020B0604020202020204" pitchFamily="34" charset="0"/>
                         <a:cs typeface="Arial" panose="020B0604020202020204" pitchFamily="34" charset="0"/>
                       </a:endParaRPr>
@@ -25896,10 +26205,7 @@
           <a:p>
             <a:endParaRPr lang="en-US" altLang="ko-KR" sz="2200" dirty="0">
               <a:solidFill>
-                <a:schemeClr val="tx1">
-                  <a:lumMod val="65000"/>
-                  <a:lumOff val="35000"/>
-                </a:schemeClr>
+                <a:srgbClr val="1A1D21"/>
               </a:solidFill>
               <a:latin typeface="경기천년제목 Bold" panose="02020803020101020101" pitchFamily="18" charset="-127"/>
               <a:ea typeface="경기천년제목 Bold" panose="02020803020101020101" pitchFamily="18" charset="-127"/>
@@ -25910,10 +26216,7 @@
             <a:r>
               <a:rPr lang="en-US" altLang="ko-KR" sz="2200" dirty="0">
                 <a:solidFill>
-                  <a:schemeClr val="tx1">
-                    <a:lumMod val="65000"/>
-                    <a:lumOff val="35000"/>
-                  </a:schemeClr>
+                  <a:srgbClr val="1A1D21"/>
                 </a:solidFill>
                 <a:latin typeface="경기천년제목 Light" panose="02020403020101020101" pitchFamily="18" charset="-127"/>
                 <a:ea typeface="경기천년제목 Light" panose="02020403020101020101" pitchFamily="18" charset="-127"/>
@@ -25924,10 +26227,7 @@
             <a:r>
               <a:rPr lang="ko-KR" altLang="en-US" dirty="0">
                 <a:solidFill>
-                  <a:schemeClr val="tx1">
-                    <a:lumMod val="65000"/>
-                    <a:lumOff val="35000"/>
-                  </a:schemeClr>
+                  <a:srgbClr val="1A1D21"/>
                 </a:solidFill>
                 <a:latin typeface="경기천년제목 Light" panose="02020403020101020101" pitchFamily="18" charset="-127"/>
                 <a:ea typeface="경기천년제목 Light" panose="02020403020101020101" pitchFamily="18" charset="-127"/>
@@ -25938,10 +26238,7 @@
             <a:r>
               <a:rPr lang="en-US" altLang="ko-KR" dirty="0">
                 <a:solidFill>
-                  <a:schemeClr val="tx1">
-                    <a:lumMod val="65000"/>
-                    <a:lumOff val="35000"/>
-                  </a:schemeClr>
+                  <a:srgbClr val="1A1D21"/>
                 </a:solidFill>
                 <a:latin typeface="경기천년제목 Light" panose="02020403020101020101" pitchFamily="18" charset="-127"/>
                 <a:ea typeface="경기천년제목 Light" panose="02020403020101020101" pitchFamily="18" charset="-127"/>
@@ -25952,10 +26249,7 @@
             <a:r>
               <a:rPr lang="ko-KR" altLang="en-US" dirty="0">
                 <a:solidFill>
-                  <a:schemeClr val="tx1">
-                    <a:lumMod val="65000"/>
-                    <a:lumOff val="35000"/>
-                  </a:schemeClr>
+                  <a:srgbClr val="1A1D21"/>
                 </a:solidFill>
                 <a:latin typeface="경기천년제목 Light" panose="02020403020101020101" pitchFamily="18" charset="-127"/>
                 <a:ea typeface="경기천년제목 Light" panose="02020403020101020101" pitchFamily="18" charset="-127"/>
@@ -25965,10 +26259,7 @@
             </a:r>
             <a:endParaRPr lang="en-US" altLang="ko-KR" dirty="0">
               <a:solidFill>
-                <a:schemeClr val="tx1">
-                  <a:lumMod val="65000"/>
-                  <a:lumOff val="35000"/>
-                </a:schemeClr>
+                <a:srgbClr val="1A1D21"/>
               </a:solidFill>
               <a:latin typeface="경기천년제목 Light" panose="02020403020101020101" pitchFamily="18" charset="-127"/>
               <a:ea typeface="경기천년제목 Light" panose="02020403020101020101" pitchFamily="18" charset="-127"/>
@@ -25979,10 +26270,7 @@
             <a:r>
               <a:rPr lang="en-US" altLang="ko-KR" dirty="0">
                 <a:solidFill>
-                  <a:schemeClr val="tx1">
-                    <a:lumMod val="65000"/>
-                    <a:lumOff val="35000"/>
-                  </a:schemeClr>
+                  <a:srgbClr val="1A1D21"/>
                 </a:solidFill>
                 <a:latin typeface="경기천년제목 Light" panose="02020403020101020101" pitchFamily="18" charset="-127"/>
                 <a:ea typeface="경기천년제목 Light" panose="02020403020101020101" pitchFamily="18" charset="-127"/>
@@ -25993,10 +26281,7 @@
             <a:r>
               <a:rPr lang="ko-KR" altLang="en-US" dirty="0">
                 <a:solidFill>
-                  <a:schemeClr val="tx1">
-                    <a:lumMod val="65000"/>
-                    <a:lumOff val="35000"/>
-                  </a:schemeClr>
+                  <a:srgbClr val="1A1D21"/>
                 </a:solidFill>
                 <a:latin typeface="경기천년제목 Light" panose="02020403020101020101" pitchFamily="18" charset="-127"/>
                 <a:ea typeface="경기천년제목 Light" panose="02020403020101020101" pitchFamily="18" charset="-127"/>
@@ -26007,10 +26292,7 @@
             <a:r>
               <a:rPr lang="en-US" altLang="ko-KR" dirty="0">
                 <a:solidFill>
-                  <a:schemeClr val="tx1">
-                    <a:lumMod val="65000"/>
-                    <a:lumOff val="35000"/>
-                  </a:schemeClr>
+                  <a:srgbClr val="1A1D21"/>
                 </a:solidFill>
                 <a:latin typeface="경기천년제목 Light" panose="02020403020101020101" pitchFamily="18" charset="-127"/>
                 <a:ea typeface="경기천년제목 Light" panose="02020403020101020101" pitchFamily="18" charset="-127"/>
@@ -26021,10 +26303,7 @@
             <a:r>
               <a:rPr lang="ko-KR" altLang="en-US" dirty="0">
                 <a:solidFill>
-                  <a:schemeClr val="tx1">
-                    <a:lumMod val="65000"/>
-                    <a:lumOff val="35000"/>
-                  </a:schemeClr>
+                  <a:srgbClr val="1A1D21"/>
                 </a:solidFill>
                 <a:latin typeface="경기천년제목 Light" panose="02020403020101020101" pitchFamily="18" charset="-127"/>
                 <a:ea typeface="경기천년제목 Light" panose="02020403020101020101" pitchFamily="18" charset="-127"/>
@@ -26035,10 +26314,7 @@
             <a:r>
               <a:rPr lang="en-US" altLang="ko-KR" dirty="0">
                 <a:solidFill>
-                  <a:schemeClr val="tx1">
-                    <a:lumMod val="65000"/>
-                    <a:lumOff val="35000"/>
-                  </a:schemeClr>
+                  <a:srgbClr val="1A1D21"/>
                 </a:solidFill>
                 <a:latin typeface="경기천년제목 Light" panose="02020403020101020101" pitchFamily="18" charset="-127"/>
                 <a:ea typeface="경기천년제목 Light" panose="02020403020101020101" pitchFamily="18" charset="-127"/>
@@ -26049,10 +26325,7 @@
             <a:r>
               <a:rPr lang="ko-KR" altLang="en-US" dirty="0">
                 <a:solidFill>
-                  <a:schemeClr val="tx1">
-                    <a:lumMod val="65000"/>
-                    <a:lumOff val="35000"/>
-                  </a:schemeClr>
+                  <a:srgbClr val="1A1D21"/>
                 </a:solidFill>
                 <a:latin typeface="경기천년제목 Light" panose="02020403020101020101" pitchFamily="18" charset="-127"/>
                 <a:ea typeface="경기천년제목 Light" panose="02020403020101020101" pitchFamily="18" charset="-127"/>
@@ -26063,10 +26336,7 @@
             <a:r>
               <a:rPr lang="en-US" altLang="ko-KR" dirty="0">
                 <a:solidFill>
-                  <a:schemeClr val="tx1">
-                    <a:lumMod val="65000"/>
-                    <a:lumOff val="35000"/>
-                  </a:schemeClr>
+                  <a:srgbClr val="1A1D21"/>
                 </a:solidFill>
                 <a:latin typeface="경기천년제목 Light" panose="02020403020101020101" pitchFamily="18" charset="-127"/>
                 <a:ea typeface="경기천년제목 Light" panose="02020403020101020101" pitchFamily="18" charset="-127"/>
@@ -26077,10 +26347,7 @@
             <a:r>
               <a:rPr lang="ko-KR" altLang="en-US" dirty="0">
                 <a:solidFill>
-                  <a:schemeClr val="tx1">
-                    <a:lumMod val="65000"/>
-                    <a:lumOff val="35000"/>
-                  </a:schemeClr>
+                  <a:srgbClr val="1A1D21"/>
                 </a:solidFill>
                 <a:latin typeface="경기천년제목 Light" panose="02020403020101020101" pitchFamily="18" charset="-127"/>
                 <a:ea typeface="경기천년제목 Light" panose="02020403020101020101" pitchFamily="18" charset="-127"/>
@@ -26091,10 +26358,7 @@
             <a:r>
               <a:rPr lang="en-US" altLang="ko-KR" dirty="0">
                 <a:solidFill>
-                  <a:schemeClr val="tx1">
-                    <a:lumMod val="65000"/>
-                    <a:lumOff val="35000"/>
-                  </a:schemeClr>
+                  <a:srgbClr val="1A1D21"/>
                 </a:solidFill>
                 <a:latin typeface="경기천년제목 Light" panose="02020403020101020101" pitchFamily="18" charset="-127"/>
                 <a:ea typeface="경기천년제목 Light" panose="02020403020101020101" pitchFamily="18" charset="-127"/>
@@ -26105,10 +26369,7 @@
             <a:r>
               <a:rPr lang="ko-KR" altLang="en-US" dirty="0">
                 <a:solidFill>
-                  <a:schemeClr val="tx1">
-                    <a:lumMod val="65000"/>
-                    <a:lumOff val="35000"/>
-                  </a:schemeClr>
+                  <a:srgbClr val="1A1D21"/>
                 </a:solidFill>
                 <a:latin typeface="경기천년제목 Light" panose="02020403020101020101" pitchFamily="18" charset="-127"/>
                 <a:ea typeface="경기천년제목 Light" panose="02020403020101020101" pitchFamily="18" charset="-127"/>
@@ -26119,10 +26380,7 @@
             <a:r>
               <a:rPr lang="en-US" altLang="ko-KR" dirty="0">
                 <a:solidFill>
-                  <a:schemeClr val="tx1">
-                    <a:lumMod val="65000"/>
-                    <a:lumOff val="35000"/>
-                  </a:schemeClr>
+                  <a:srgbClr val="1A1D21"/>
                 </a:solidFill>
                 <a:latin typeface="경기천년제목 Light" panose="02020403020101020101" pitchFamily="18" charset="-127"/>
                 <a:ea typeface="경기천년제목 Light" panose="02020403020101020101" pitchFamily="18" charset="-127"/>
@@ -26133,10 +26391,7 @@
             <a:r>
               <a:rPr lang="ko-KR" altLang="en-US" dirty="0">
                 <a:solidFill>
-                  <a:schemeClr val="tx1">
-                    <a:lumMod val="65000"/>
-                    <a:lumOff val="35000"/>
-                  </a:schemeClr>
+                  <a:srgbClr val="1A1D21"/>
                 </a:solidFill>
                 <a:latin typeface="경기천년제목 Light" panose="02020403020101020101" pitchFamily="18" charset="-127"/>
                 <a:ea typeface="경기천년제목 Light" panose="02020403020101020101" pitchFamily="18" charset="-127"/>
@@ -26147,10 +26402,7 @@
             <a:r>
               <a:rPr lang="en-US" altLang="ko-KR" dirty="0">
                 <a:solidFill>
-                  <a:schemeClr val="tx1">
-                    <a:lumMod val="65000"/>
-                    <a:lumOff val="35000"/>
-                  </a:schemeClr>
+                  <a:srgbClr val="1A1D21"/>
                 </a:solidFill>
                 <a:latin typeface="경기천년제목 Light" panose="02020403020101020101" pitchFamily="18" charset="-127"/>
                 <a:ea typeface="경기천년제목 Light" panose="02020403020101020101" pitchFamily="18" charset="-127"/>
@@ -26163,10 +26415,7 @@
             <a:r>
               <a:rPr lang="en-US" altLang="ko-KR" dirty="0">
                 <a:solidFill>
-                  <a:schemeClr val="tx1">
-                    <a:lumMod val="65000"/>
-                    <a:lumOff val="35000"/>
-                  </a:schemeClr>
+                  <a:srgbClr val="1A1D21"/>
                 </a:solidFill>
                 <a:latin typeface="경기천년제목 Light" panose="02020403020101020101" pitchFamily="18" charset="-127"/>
                 <a:ea typeface="경기천년제목 Light" panose="02020403020101020101" pitchFamily="18" charset="-127"/>
@@ -26177,10 +26426,7 @@
             <a:r>
               <a:rPr lang="ko-KR" altLang="en-US" dirty="0">
                 <a:solidFill>
-                  <a:schemeClr val="tx1">
-                    <a:lumMod val="65000"/>
-                    <a:lumOff val="35000"/>
-                  </a:schemeClr>
+                  <a:srgbClr val="1A1D21"/>
                 </a:solidFill>
                 <a:latin typeface="경기천년제목 Light" panose="02020403020101020101" pitchFamily="18" charset="-127"/>
                 <a:ea typeface="경기천년제목 Light" panose="02020403020101020101" pitchFamily="18" charset="-127"/>
@@ -26190,10 +26436,7 @@
             </a:r>
             <a:endParaRPr lang="en-US" altLang="ko-KR" dirty="0">
               <a:solidFill>
-                <a:schemeClr val="tx1">
-                  <a:lumMod val="65000"/>
-                  <a:lumOff val="35000"/>
-                </a:schemeClr>
+                <a:srgbClr val="1A1D21"/>
               </a:solidFill>
               <a:latin typeface="경기천년제목 Light" panose="02020403020101020101" pitchFamily="18" charset="-127"/>
               <a:ea typeface="경기천년제목 Light" panose="02020403020101020101" pitchFamily="18" charset="-127"/>
@@ -26227,11 +26470,17 @@
           <p:cNvGraphicFramePr>
             <a:graphicFrameLocks noGrp="1"/>
           </p:cNvGraphicFramePr>
-          <p:nvPr/>
+          <p:nvPr>
+            <p:extLst>
+              <p:ext uri="{D42A27DB-BD31-4B8C-83A1-F6EECF244321}">
+                <p14:modId xmlns:p14="http://schemas.microsoft.com/office/powerpoint/2010/main" val="876852234"/>
+              </p:ext>
+            </p:extLst>
+          </p:nvPr>
         </p:nvGraphicFramePr>
         <p:xfrm>
-          <a:off x="1208014" y="1588939"/>
-          <a:ext cx="5426279" cy="2225040"/>
+          <a:off x="1371300" y="1752224"/>
+          <a:ext cx="4887985" cy="2225040"/>
         </p:xfrm>
         <a:graphic>
           <a:graphicData uri="http://schemas.openxmlformats.org/drawingml/2006/table">
@@ -26240,14 +26489,14 @@
                 <a:tableStyleId>{21E4AEA4-8DFA-4A89-87EB-49C32662AFE0}</a:tableStyleId>
               </a:tblPr>
               <a:tblGrid>
-                <a:gridCol w="4064000">
+                <a:gridCol w="3553588">
                   <a:extLst>
                     <a:ext uri="{9D8B030D-6E8A-4147-A177-3AD203B41FA5}">
                       <a16:colId xmlns:a16="http://schemas.microsoft.com/office/drawing/2014/main" val="313999889"/>
                     </a:ext>
                   </a:extLst>
                 </a:gridCol>
-                <a:gridCol w="1362279">
+                <a:gridCol w="1334397">
                   <a:extLst>
                     <a:ext uri="{9D8B030D-6E8A-4147-A177-3AD203B41FA5}">
                       <a16:colId xmlns:a16="http://schemas.microsoft.com/office/drawing/2014/main" val="114819354"/>
@@ -26261,17 +26510,71 @@
                     <a:bodyPr/>
                     <a:lstStyle/>
                     <a:p>
-                      <a:pPr algn="l" latinLnBrk="1"/>
+                      <a:pPr algn="ctr" latinLnBrk="1"/>
                       <a:r>
                         <a:rPr lang="ko-KR" altLang="en-US" dirty="0">
-                          <a:latin typeface="경기천년제목 Light" panose="02020403020101020101" pitchFamily="18" charset="-127"/>
+                          <a:solidFill>
+                            <a:srgbClr val="1A1D21"/>
+                          </a:solidFill>
+                          <a:latin typeface="Arial" panose="020B0604020202020204" pitchFamily="34" charset="0"/>
                           <a:ea typeface="경기천년제목 Light" panose="02020403020101020101" pitchFamily="18" charset="-127"/>
+                          <a:cs typeface="Arial" panose="020B0604020202020204" pitchFamily="34" charset="0"/>
                         </a:rPr>
                         <a:t>구분</a:t>
                       </a:r>
                     </a:p>
                   </a:txBody>
-                  <a:tcPr/>
+                  <a:tcPr>
+                    <a:lnL w="12700" cap="flat" cmpd="sng" algn="ctr">
+                      <a:solidFill>
+                        <a:schemeClr val="bg2">
+                          <a:lumMod val="10000"/>
+                        </a:schemeClr>
+                      </a:solidFill>
+                      <a:prstDash val="solid"/>
+                      <a:round/>
+                      <a:headEnd type="none" w="med" len="med"/>
+                      <a:tailEnd type="none" w="med" len="med"/>
+                    </a:lnL>
+                    <a:lnR w="12700" cap="flat" cmpd="sng" algn="ctr">
+                      <a:solidFill>
+                        <a:schemeClr val="bg2">
+                          <a:lumMod val="10000"/>
+                        </a:schemeClr>
+                      </a:solidFill>
+                      <a:prstDash val="solid"/>
+                      <a:round/>
+                      <a:headEnd type="none" w="med" len="med"/>
+                      <a:tailEnd type="none" w="med" len="med"/>
+                    </a:lnR>
+                    <a:lnT w="12700" cap="flat" cmpd="sng" algn="ctr">
+                      <a:solidFill>
+                        <a:schemeClr val="bg2">
+                          <a:lumMod val="10000"/>
+                        </a:schemeClr>
+                      </a:solidFill>
+                      <a:prstDash val="solid"/>
+                      <a:round/>
+                      <a:headEnd type="none" w="med" len="med"/>
+                      <a:tailEnd type="none" w="med" len="med"/>
+                    </a:lnT>
+                    <a:lnB w="12700" cap="flat" cmpd="sng" algn="ctr">
+                      <a:solidFill>
+                        <a:schemeClr val="bg2">
+                          <a:lumMod val="10000"/>
+                        </a:schemeClr>
+                      </a:solidFill>
+                      <a:prstDash val="solid"/>
+                      <a:round/>
+                      <a:headEnd type="none" w="med" len="med"/>
+                      <a:tailEnd type="none" w="med" len="med"/>
+                    </a:lnB>
+                    <a:solidFill>
+                      <a:schemeClr val="bg1">
+                        <a:lumMod val="75000"/>
+                      </a:schemeClr>
+                    </a:solidFill>
+                  </a:tcPr>
                 </a:tc>
                 <a:tc>
                   <a:txBody>
@@ -26281,14 +26584,68 @@
                       <a:pPr algn="ctr" latinLnBrk="1"/>
                       <a:r>
                         <a:rPr lang="ko-KR" altLang="en-US" dirty="0">
-                          <a:latin typeface="경기천년제목 Light" panose="02020403020101020101" pitchFamily="18" charset="-127"/>
+                          <a:solidFill>
+                            <a:srgbClr val="1A1D21"/>
+                          </a:solidFill>
+                          <a:latin typeface="Arial" panose="020B0604020202020204" pitchFamily="34" charset="0"/>
                           <a:ea typeface="경기천년제목 Light" panose="02020403020101020101" pitchFamily="18" charset="-127"/>
+                          <a:cs typeface="Arial" panose="020B0604020202020204" pitchFamily="34" charset="0"/>
                         </a:rPr>
                         <a:t>제약 조건</a:t>
                       </a:r>
                     </a:p>
                   </a:txBody>
-                  <a:tcPr/>
+                  <a:tcPr>
+                    <a:lnL w="12700" cap="flat" cmpd="sng" algn="ctr">
+                      <a:solidFill>
+                        <a:schemeClr val="bg2">
+                          <a:lumMod val="10000"/>
+                        </a:schemeClr>
+                      </a:solidFill>
+                      <a:prstDash val="solid"/>
+                      <a:round/>
+                      <a:headEnd type="none" w="med" len="med"/>
+                      <a:tailEnd type="none" w="med" len="med"/>
+                    </a:lnL>
+                    <a:lnR w="12700" cap="flat" cmpd="sng" algn="ctr">
+                      <a:solidFill>
+                        <a:schemeClr val="bg2">
+                          <a:lumMod val="10000"/>
+                        </a:schemeClr>
+                      </a:solidFill>
+                      <a:prstDash val="solid"/>
+                      <a:round/>
+                      <a:headEnd type="none" w="med" len="med"/>
+                      <a:tailEnd type="none" w="med" len="med"/>
+                    </a:lnR>
+                    <a:lnT w="12700" cap="flat" cmpd="sng" algn="ctr">
+                      <a:solidFill>
+                        <a:schemeClr val="bg2">
+                          <a:lumMod val="10000"/>
+                        </a:schemeClr>
+                      </a:solidFill>
+                      <a:prstDash val="solid"/>
+                      <a:round/>
+                      <a:headEnd type="none" w="med" len="med"/>
+                      <a:tailEnd type="none" w="med" len="med"/>
+                    </a:lnT>
+                    <a:lnB w="12700" cap="flat" cmpd="sng" algn="ctr">
+                      <a:solidFill>
+                        <a:schemeClr val="bg2">
+                          <a:lumMod val="10000"/>
+                        </a:schemeClr>
+                      </a:solidFill>
+                      <a:prstDash val="solid"/>
+                      <a:round/>
+                      <a:headEnd type="none" w="med" len="med"/>
+                      <a:tailEnd type="none" w="med" len="med"/>
+                    </a:lnB>
+                    <a:solidFill>
+                      <a:schemeClr val="bg1">
+                        <a:lumMod val="75000"/>
+                      </a:schemeClr>
+                    </a:solidFill>
+                  </a:tcPr>
                 </a:tc>
                 <a:extLst>
                   <a:ext uri="{0D108BD9-81ED-4DB2-BD59-A6C34878D82A}">
@@ -26304,15 +26661,66 @@
                     <a:p>
                       <a:pPr algn="l" latinLnBrk="1"/>
                       <a:r>
-                        <a:rPr lang="ko-KR" altLang="en-US" dirty="0">
-                          <a:latin typeface="경기천년제목 Light" panose="02020403020101020101" pitchFamily="18" charset="-127"/>
+                        <a:rPr lang="ko-KR" altLang="en-US" sz="1600" b="1" dirty="0">
+                          <a:latin typeface="Arial" panose="020B0604020202020204" pitchFamily="34" charset="0"/>
                           <a:ea typeface="경기천년제목 Light" panose="02020403020101020101" pitchFamily="18" charset="-127"/>
+                          <a:cs typeface="Arial" panose="020B0604020202020204" pitchFamily="34" charset="0"/>
                         </a:rPr>
                         <a:t>노드 개수</a:t>
                       </a:r>
                     </a:p>
                   </a:txBody>
-                  <a:tcPr/>
+                  <a:tcPr>
+                    <a:lnL w="12700" cap="flat" cmpd="sng" algn="ctr">
+                      <a:solidFill>
+                        <a:schemeClr val="bg2">
+                          <a:lumMod val="10000"/>
+                        </a:schemeClr>
+                      </a:solidFill>
+                      <a:prstDash val="solid"/>
+                      <a:round/>
+                      <a:headEnd type="none" w="med" len="med"/>
+                      <a:tailEnd type="none" w="med" len="med"/>
+                    </a:lnL>
+                    <a:lnR w="12700" cap="flat" cmpd="sng" algn="ctr">
+                      <a:solidFill>
+                        <a:schemeClr val="bg2">
+                          <a:lumMod val="10000"/>
+                        </a:schemeClr>
+                      </a:solidFill>
+                      <a:prstDash val="solid"/>
+                      <a:round/>
+                      <a:headEnd type="none" w="med" len="med"/>
+                      <a:tailEnd type="none" w="med" len="med"/>
+                    </a:lnR>
+                    <a:lnT w="12700" cap="flat" cmpd="sng" algn="ctr">
+                      <a:solidFill>
+                        <a:schemeClr val="bg2">
+                          <a:lumMod val="10000"/>
+                        </a:schemeClr>
+                      </a:solidFill>
+                      <a:prstDash val="solid"/>
+                      <a:round/>
+                      <a:headEnd type="none" w="med" len="med"/>
+                      <a:tailEnd type="none" w="med" len="med"/>
+                    </a:lnT>
+                    <a:lnB w="12700" cap="flat" cmpd="sng" algn="ctr">
+                      <a:solidFill>
+                        <a:schemeClr val="bg2">
+                          <a:lumMod val="10000"/>
+                        </a:schemeClr>
+                      </a:solidFill>
+                      <a:prstDash val="solid"/>
+                      <a:round/>
+                      <a:headEnd type="none" w="med" len="med"/>
+                      <a:tailEnd type="none" w="med" len="med"/>
+                    </a:lnB>
+                    <a:solidFill>
+                      <a:schemeClr val="bg1">
+                        <a:lumMod val="95000"/>
+                      </a:schemeClr>
+                    </a:solidFill>
+                  </a:tcPr>
                 </a:tc>
                 <a:tc>
                   <a:txBody>
@@ -26321,22 +26729,74 @@
                     <a:p>
                       <a:pPr algn="ctr" latinLnBrk="1"/>
                       <a:r>
-                        <a:rPr lang="en-US" altLang="ko-KR" dirty="0">
-                          <a:latin typeface="경기천년제목 Light" panose="02020403020101020101" pitchFamily="18" charset="-127"/>
+                        <a:rPr lang="en-US" altLang="ko-KR" sz="1600" b="1" dirty="0">
+                          <a:latin typeface="Arial" panose="020B0604020202020204" pitchFamily="34" charset="0"/>
                           <a:ea typeface="경기천년제목 Light" panose="02020403020101020101" pitchFamily="18" charset="-127"/>
+                          <a:cs typeface="Arial" panose="020B0604020202020204" pitchFamily="34" charset="0"/>
                         </a:rPr>
                         <a:t>5</a:t>
                       </a:r>
                       <a:r>
-                        <a:rPr lang="ko-KR" altLang="en-US" dirty="0">
-                          <a:latin typeface="경기천년제목 Light" panose="02020403020101020101" pitchFamily="18" charset="-127"/>
+                        <a:rPr lang="ko-KR" altLang="en-US" sz="1600" b="1" dirty="0">
+                          <a:latin typeface="Arial" panose="020B0604020202020204" pitchFamily="34" charset="0"/>
                           <a:ea typeface="경기천년제목 Light" panose="02020403020101020101" pitchFamily="18" charset="-127"/>
+                          <a:cs typeface="Arial" panose="020B0604020202020204" pitchFamily="34" charset="0"/>
                         </a:rPr>
                         <a:t>개</a:t>
                       </a:r>
                     </a:p>
                   </a:txBody>
-                  <a:tcPr/>
+                  <a:tcPr>
+                    <a:lnL w="12700" cap="flat" cmpd="sng" algn="ctr">
+                      <a:solidFill>
+                        <a:schemeClr val="bg2">
+                          <a:lumMod val="10000"/>
+                        </a:schemeClr>
+                      </a:solidFill>
+                      <a:prstDash val="solid"/>
+                      <a:round/>
+                      <a:headEnd type="none" w="med" len="med"/>
+                      <a:tailEnd type="none" w="med" len="med"/>
+                    </a:lnL>
+                    <a:lnR w="12700" cap="flat" cmpd="sng" algn="ctr">
+                      <a:solidFill>
+                        <a:schemeClr val="bg2">
+                          <a:lumMod val="10000"/>
+                        </a:schemeClr>
+                      </a:solidFill>
+                      <a:prstDash val="solid"/>
+                      <a:round/>
+                      <a:headEnd type="none" w="med" len="med"/>
+                      <a:tailEnd type="none" w="med" len="med"/>
+                    </a:lnR>
+                    <a:lnT w="12700" cap="flat" cmpd="sng" algn="ctr">
+                      <a:solidFill>
+                        <a:schemeClr val="bg2">
+                          <a:lumMod val="10000"/>
+                        </a:schemeClr>
+                      </a:solidFill>
+                      <a:prstDash val="solid"/>
+                      <a:round/>
+                      <a:headEnd type="none" w="med" len="med"/>
+                      <a:tailEnd type="none" w="med" len="med"/>
+                    </a:lnT>
+                    <a:lnB w="12700" cap="flat" cmpd="sng" algn="ctr">
+                      <a:solidFill>
+                        <a:schemeClr val="bg2">
+                          <a:lumMod val="10000"/>
+                        </a:schemeClr>
+                      </a:solidFill>
+                      <a:prstDash val="solid"/>
+                      <a:round/>
+                      <a:headEnd type="none" w="med" len="med"/>
+                      <a:tailEnd type="none" w="med" len="med"/>
+                    </a:lnB>
+                    <a:solidFill>
+                      <a:schemeClr val="bg1">
+                        <a:lumMod val="95000"/>
+                      </a:schemeClr>
+                    </a:solidFill>
+                  </a:tcPr>
                 </a:tc>
                 <a:extLst>
                   <a:ext uri="{0D108BD9-81ED-4DB2-BD59-A6C34878D82A}">
@@ -26352,15 +26812,66 @@
                     <a:p>
                       <a:pPr algn="l" latinLnBrk="1"/>
                       <a:r>
-                        <a:rPr lang="ko-KR" altLang="en-US" dirty="0">
-                          <a:latin typeface="경기천년제목 Light" panose="02020403020101020101" pitchFamily="18" charset="-127"/>
+                        <a:rPr lang="ko-KR" altLang="en-US" sz="1600" b="1" dirty="0">
+                          <a:latin typeface="Arial" panose="020B0604020202020204" pitchFamily="34" charset="0"/>
                           <a:ea typeface="경기천년제목 Light" panose="02020403020101020101" pitchFamily="18" charset="-127"/>
+                          <a:cs typeface="Arial" panose="020B0604020202020204" pitchFamily="34" charset="0"/>
                         </a:rPr>
                         <a:t>노드당 블록 개수</a:t>
                       </a:r>
                     </a:p>
                   </a:txBody>
-                  <a:tcPr/>
+                  <a:tcPr>
+                    <a:lnL w="12700" cap="flat" cmpd="sng" algn="ctr">
+                      <a:solidFill>
+                        <a:schemeClr val="bg2">
+                          <a:lumMod val="10000"/>
+                        </a:schemeClr>
+                      </a:solidFill>
+                      <a:prstDash val="solid"/>
+                      <a:round/>
+                      <a:headEnd type="none" w="med" len="med"/>
+                      <a:tailEnd type="none" w="med" len="med"/>
+                    </a:lnL>
+                    <a:lnR w="12700" cap="flat" cmpd="sng" algn="ctr">
+                      <a:solidFill>
+                        <a:schemeClr val="bg2">
+                          <a:lumMod val="10000"/>
+                        </a:schemeClr>
+                      </a:solidFill>
+                      <a:prstDash val="solid"/>
+                      <a:round/>
+                      <a:headEnd type="none" w="med" len="med"/>
+                      <a:tailEnd type="none" w="med" len="med"/>
+                    </a:lnR>
+                    <a:lnT w="12700" cap="flat" cmpd="sng" algn="ctr">
+                      <a:solidFill>
+                        <a:schemeClr val="bg2">
+                          <a:lumMod val="10000"/>
+                        </a:schemeClr>
+                      </a:solidFill>
+                      <a:prstDash val="solid"/>
+                      <a:round/>
+                      <a:headEnd type="none" w="med" len="med"/>
+                      <a:tailEnd type="none" w="med" len="med"/>
+                    </a:lnT>
+                    <a:lnB w="12700" cap="flat" cmpd="sng" algn="ctr">
+                      <a:solidFill>
+                        <a:schemeClr val="bg2">
+                          <a:lumMod val="10000"/>
+                        </a:schemeClr>
+                      </a:solidFill>
+                      <a:prstDash val="solid"/>
+                      <a:round/>
+                      <a:headEnd type="none" w="med" len="med"/>
+                      <a:tailEnd type="none" w="med" len="med"/>
+                    </a:lnB>
+                    <a:solidFill>
+                      <a:schemeClr val="bg1">
+                        <a:lumMod val="95000"/>
+                      </a:schemeClr>
+                    </a:solidFill>
+                  </a:tcPr>
                 </a:tc>
                 <a:tc>
                   <a:txBody>
@@ -26369,22 +26880,74 @@
                     <a:p>
                       <a:pPr algn="ctr" latinLnBrk="1"/>
                       <a:r>
-                        <a:rPr lang="en-US" altLang="ko-KR" dirty="0">
-                          <a:latin typeface="경기천년제목 Light" panose="02020403020101020101" pitchFamily="18" charset="-127"/>
+                        <a:rPr lang="en-US" altLang="ko-KR" sz="1600" b="1" dirty="0">
+                          <a:latin typeface="Arial" panose="020B0604020202020204" pitchFamily="34" charset="0"/>
                           <a:ea typeface="경기천년제목 Light" panose="02020403020101020101" pitchFamily="18" charset="-127"/>
+                          <a:cs typeface="Arial" panose="020B0604020202020204" pitchFamily="34" charset="0"/>
                         </a:rPr>
                         <a:t>1000</a:t>
                       </a:r>
                       <a:r>
-                        <a:rPr lang="ko-KR" altLang="en-US" dirty="0">
-                          <a:latin typeface="경기천년제목 Light" panose="02020403020101020101" pitchFamily="18" charset="-127"/>
+                        <a:rPr lang="ko-KR" altLang="en-US" sz="1600" b="1" dirty="0">
+                          <a:latin typeface="Arial" panose="020B0604020202020204" pitchFamily="34" charset="0"/>
                           <a:ea typeface="경기천년제목 Light" panose="02020403020101020101" pitchFamily="18" charset="-127"/>
+                          <a:cs typeface="Arial" panose="020B0604020202020204" pitchFamily="34" charset="0"/>
                         </a:rPr>
                         <a:t>개</a:t>
                       </a:r>
                     </a:p>
                   </a:txBody>
-                  <a:tcPr/>
+                  <a:tcPr>
+                    <a:lnL w="12700" cap="flat" cmpd="sng" algn="ctr">
+                      <a:solidFill>
+                        <a:schemeClr val="bg2">
+                          <a:lumMod val="10000"/>
+                        </a:schemeClr>
+                      </a:solidFill>
+                      <a:prstDash val="solid"/>
+                      <a:round/>
+                      <a:headEnd type="none" w="med" len="med"/>
+                      <a:tailEnd type="none" w="med" len="med"/>
+                    </a:lnL>
+                    <a:lnR w="12700" cap="flat" cmpd="sng" algn="ctr">
+                      <a:solidFill>
+                        <a:schemeClr val="bg2">
+                          <a:lumMod val="10000"/>
+                        </a:schemeClr>
+                      </a:solidFill>
+                      <a:prstDash val="solid"/>
+                      <a:round/>
+                      <a:headEnd type="none" w="med" len="med"/>
+                      <a:tailEnd type="none" w="med" len="med"/>
+                    </a:lnR>
+                    <a:lnT w="12700" cap="flat" cmpd="sng" algn="ctr">
+                      <a:solidFill>
+                        <a:schemeClr val="bg2">
+                          <a:lumMod val="10000"/>
+                        </a:schemeClr>
+                      </a:solidFill>
+                      <a:prstDash val="solid"/>
+                      <a:round/>
+                      <a:headEnd type="none" w="med" len="med"/>
+                      <a:tailEnd type="none" w="med" len="med"/>
+                    </a:lnT>
+                    <a:lnB w="12700" cap="flat" cmpd="sng" algn="ctr">
+                      <a:solidFill>
+                        <a:schemeClr val="bg2">
+                          <a:lumMod val="10000"/>
+                        </a:schemeClr>
+                      </a:solidFill>
+                      <a:prstDash val="solid"/>
+                      <a:round/>
+                      <a:headEnd type="none" w="med" len="med"/>
+                      <a:tailEnd type="none" w="med" len="med"/>
+                    </a:lnB>
+                    <a:solidFill>
+                      <a:schemeClr val="bg1">
+                        <a:lumMod val="95000"/>
+                      </a:schemeClr>
+                    </a:solidFill>
+                  </a:tcPr>
                 </a:tc>
                 <a:extLst>
                   <a:ext uri="{0D108BD9-81ED-4DB2-BD59-A6C34878D82A}">
@@ -26400,15 +26963,66 @@
                     <a:p>
                       <a:pPr algn="l" latinLnBrk="1"/>
                       <a:r>
-                        <a:rPr lang="ko-KR" altLang="en-US" dirty="0">
-                          <a:latin typeface="경기천년제목 Light" panose="02020403020101020101" pitchFamily="18" charset="-127"/>
+                        <a:rPr lang="ko-KR" altLang="en-US" sz="1600" b="1" dirty="0">
+                          <a:latin typeface="Arial" panose="020B0604020202020204" pitchFamily="34" charset="0"/>
                           <a:ea typeface="경기천년제목 Light" panose="02020403020101020101" pitchFamily="18" charset="-127"/>
+                          <a:cs typeface="Arial" panose="020B0604020202020204" pitchFamily="34" charset="0"/>
                         </a:rPr>
                         <a:t>트랜잭션 생성 빈도</a:t>
                       </a:r>
                     </a:p>
                   </a:txBody>
-                  <a:tcPr/>
+                  <a:tcPr>
+                    <a:lnL w="12700" cap="flat" cmpd="sng" algn="ctr">
+                      <a:solidFill>
+                        <a:schemeClr val="bg2">
+                          <a:lumMod val="10000"/>
+                        </a:schemeClr>
+                      </a:solidFill>
+                      <a:prstDash val="solid"/>
+                      <a:round/>
+                      <a:headEnd type="none" w="med" len="med"/>
+                      <a:tailEnd type="none" w="med" len="med"/>
+                    </a:lnL>
+                    <a:lnR w="12700" cap="flat" cmpd="sng" algn="ctr">
+                      <a:solidFill>
+                        <a:schemeClr val="bg2">
+                          <a:lumMod val="10000"/>
+                        </a:schemeClr>
+                      </a:solidFill>
+                      <a:prstDash val="solid"/>
+                      <a:round/>
+                      <a:headEnd type="none" w="med" len="med"/>
+                      <a:tailEnd type="none" w="med" len="med"/>
+                    </a:lnR>
+                    <a:lnT w="12700" cap="flat" cmpd="sng" algn="ctr">
+                      <a:solidFill>
+                        <a:schemeClr val="bg2">
+                          <a:lumMod val="10000"/>
+                        </a:schemeClr>
+                      </a:solidFill>
+                      <a:prstDash val="solid"/>
+                      <a:round/>
+                      <a:headEnd type="none" w="med" len="med"/>
+                      <a:tailEnd type="none" w="med" len="med"/>
+                    </a:lnT>
+                    <a:lnB w="12700" cap="flat" cmpd="sng" algn="ctr">
+                      <a:solidFill>
+                        <a:schemeClr val="bg2">
+                          <a:lumMod val="10000"/>
+                        </a:schemeClr>
+                      </a:solidFill>
+                      <a:prstDash val="solid"/>
+                      <a:round/>
+                      <a:headEnd type="none" w="med" len="med"/>
+                      <a:tailEnd type="none" w="med" len="med"/>
+                    </a:lnB>
+                    <a:solidFill>
+                      <a:schemeClr val="bg1">
+                        <a:lumMod val="95000"/>
+                      </a:schemeClr>
+                    </a:solidFill>
+                  </a:tcPr>
                 </a:tc>
                 <a:tc>
                   <a:txBody>
@@ -26417,22 +27031,74 @@
                     <a:p>
                       <a:pPr algn="ctr" latinLnBrk="1"/>
                       <a:r>
-                        <a:rPr lang="en-US" altLang="ko-KR" dirty="0">
-                          <a:latin typeface="경기천년제목 Light" panose="02020403020101020101" pitchFamily="18" charset="-127"/>
+                        <a:rPr lang="en-US" altLang="ko-KR" sz="1600" b="1" dirty="0">
+                          <a:latin typeface="Arial" panose="020B0604020202020204" pitchFamily="34" charset="0"/>
                           <a:ea typeface="경기천년제목 Light" panose="02020403020101020101" pitchFamily="18" charset="-127"/>
+                          <a:cs typeface="Arial" panose="020B0604020202020204" pitchFamily="34" charset="0"/>
                         </a:rPr>
                         <a:t>1</a:t>
                       </a:r>
                       <a:r>
-                        <a:rPr lang="ko-KR" altLang="en-US" dirty="0">
-                          <a:latin typeface="경기천년제목 Light" panose="02020403020101020101" pitchFamily="18" charset="-127"/>
+                        <a:rPr lang="ko-KR" altLang="en-US" sz="1600" b="1" dirty="0">
+                          <a:latin typeface="Arial" panose="020B0604020202020204" pitchFamily="34" charset="0"/>
                           <a:ea typeface="경기천년제목 Light" panose="02020403020101020101" pitchFamily="18" charset="-127"/>
+                          <a:cs typeface="Arial" panose="020B0604020202020204" pitchFamily="34" charset="0"/>
                         </a:rPr>
                         <a:t>초</a:t>
                       </a:r>
                     </a:p>
                   </a:txBody>
-                  <a:tcPr/>
+                  <a:tcPr>
+                    <a:lnL w="12700" cap="flat" cmpd="sng" algn="ctr">
+                      <a:solidFill>
+                        <a:schemeClr val="bg2">
+                          <a:lumMod val="10000"/>
+                        </a:schemeClr>
+                      </a:solidFill>
+                      <a:prstDash val="solid"/>
+                      <a:round/>
+                      <a:headEnd type="none" w="med" len="med"/>
+                      <a:tailEnd type="none" w="med" len="med"/>
+                    </a:lnL>
+                    <a:lnR w="12700" cap="flat" cmpd="sng" algn="ctr">
+                      <a:solidFill>
+                        <a:schemeClr val="bg2">
+                          <a:lumMod val="10000"/>
+                        </a:schemeClr>
+                      </a:solidFill>
+                      <a:prstDash val="solid"/>
+                      <a:round/>
+                      <a:headEnd type="none" w="med" len="med"/>
+                      <a:tailEnd type="none" w="med" len="med"/>
+                    </a:lnR>
+                    <a:lnT w="12700" cap="flat" cmpd="sng" algn="ctr">
+                      <a:solidFill>
+                        <a:schemeClr val="bg2">
+                          <a:lumMod val="10000"/>
+                        </a:schemeClr>
+                      </a:solidFill>
+                      <a:prstDash val="solid"/>
+                      <a:round/>
+                      <a:headEnd type="none" w="med" len="med"/>
+                      <a:tailEnd type="none" w="med" len="med"/>
+                    </a:lnT>
+                    <a:lnB w="12700" cap="flat" cmpd="sng" algn="ctr">
+                      <a:solidFill>
+                        <a:schemeClr val="bg2">
+                          <a:lumMod val="10000"/>
+                        </a:schemeClr>
+                      </a:solidFill>
+                      <a:prstDash val="solid"/>
+                      <a:round/>
+                      <a:headEnd type="none" w="med" len="med"/>
+                      <a:tailEnd type="none" w="med" len="med"/>
+                    </a:lnB>
+                    <a:solidFill>
+                      <a:schemeClr val="bg1">
+                        <a:lumMod val="95000"/>
+                      </a:schemeClr>
+                    </a:solidFill>
+                  </a:tcPr>
                 </a:tc>
                 <a:extLst>
                   <a:ext uri="{0D108BD9-81ED-4DB2-BD59-A6C34878D82A}">
@@ -26448,43 +27114,98 @@
                     <a:p>
                       <a:pPr algn="l" latinLnBrk="1"/>
                       <a:r>
-                        <a:rPr lang="ko-KR" altLang="en-US" dirty="0">
-                          <a:latin typeface="경기천년제목 Light" panose="02020403020101020101" pitchFamily="18" charset="-127"/>
+                        <a:rPr lang="ko-KR" altLang="en-US" sz="1600" b="1" dirty="0">
+                          <a:latin typeface="Arial" panose="020B0604020202020204" pitchFamily="34" charset="0"/>
                           <a:ea typeface="경기천년제목 Light" panose="02020403020101020101" pitchFamily="18" charset="-127"/>
+                          <a:cs typeface="Arial" panose="020B0604020202020204" pitchFamily="34" charset="0"/>
                         </a:rPr>
                         <a:t>블록생성</a:t>
                       </a:r>
                       <a:r>
-                        <a:rPr lang="en-US" altLang="ko-KR" dirty="0">
-                          <a:latin typeface="경기천년제목 Light" panose="02020403020101020101" pitchFamily="18" charset="-127"/>
+                        <a:rPr lang="en-US" altLang="ko-KR" sz="1600" b="1" dirty="0">
+                          <a:latin typeface="Arial" panose="020B0604020202020204" pitchFamily="34" charset="0"/>
                           <a:ea typeface="경기천년제목 Light" panose="02020403020101020101" pitchFamily="18" charset="-127"/>
+                          <a:cs typeface="Arial" panose="020B0604020202020204" pitchFamily="34" charset="0"/>
                         </a:rPr>
                         <a:t>(</a:t>
                       </a:r>
                       <a:r>
-                        <a:rPr lang="ko-KR" altLang="en-US" dirty="0">
-                          <a:latin typeface="경기천년제목 Light" panose="02020403020101020101" pitchFamily="18" charset="-127"/>
+                        <a:rPr lang="ko-KR" altLang="en-US" sz="1600" b="1" dirty="0">
+                          <a:latin typeface="Arial" panose="020B0604020202020204" pitchFamily="34" charset="0"/>
                           <a:ea typeface="경기천년제목 Light" panose="02020403020101020101" pitchFamily="18" charset="-127"/>
+                          <a:cs typeface="Arial" panose="020B0604020202020204" pitchFamily="34" charset="0"/>
                         </a:rPr>
                         <a:t>채굴</a:t>
                       </a:r>
                       <a:r>
-                        <a:rPr lang="en-US" altLang="ko-KR" dirty="0">
-                          <a:latin typeface="경기천년제목 Light" panose="02020403020101020101" pitchFamily="18" charset="-127"/>
+                        <a:rPr lang="en-US" altLang="ko-KR" sz="1600" b="1" dirty="0">
+                          <a:latin typeface="Arial" panose="020B0604020202020204" pitchFamily="34" charset="0"/>
                           <a:ea typeface="경기천년제목 Light" panose="02020403020101020101" pitchFamily="18" charset="-127"/>
+                          <a:cs typeface="Arial" panose="020B0604020202020204" pitchFamily="34" charset="0"/>
                         </a:rPr>
                         <a:t>) </a:t>
                       </a:r>
                       <a:r>
-                        <a:rPr lang="ko-KR" altLang="en-US" dirty="0">
-                          <a:latin typeface="경기천년제목 Light" panose="02020403020101020101" pitchFamily="18" charset="-127"/>
+                        <a:rPr lang="ko-KR" altLang="en-US" sz="1600" b="1" dirty="0">
+                          <a:latin typeface="Arial" panose="020B0604020202020204" pitchFamily="34" charset="0"/>
                           <a:ea typeface="경기천년제목 Light" panose="02020403020101020101" pitchFamily="18" charset="-127"/>
+                          <a:cs typeface="Arial" panose="020B0604020202020204" pitchFamily="34" charset="0"/>
                         </a:rPr>
                         <a:t>빈도</a:t>
                       </a:r>
                     </a:p>
                   </a:txBody>
-                  <a:tcPr/>
+                  <a:tcPr>
+                    <a:lnL w="12700" cap="flat" cmpd="sng" algn="ctr">
+                      <a:solidFill>
+                        <a:schemeClr val="bg2">
+                          <a:lumMod val="10000"/>
+                        </a:schemeClr>
+                      </a:solidFill>
+                      <a:prstDash val="solid"/>
+                      <a:round/>
+                      <a:headEnd type="none" w="med" len="med"/>
+                      <a:tailEnd type="none" w="med" len="med"/>
+                    </a:lnL>
+                    <a:lnR w="12700" cap="flat" cmpd="sng" algn="ctr">
+                      <a:solidFill>
+                        <a:schemeClr val="bg2">
+                          <a:lumMod val="10000"/>
+                        </a:schemeClr>
+                      </a:solidFill>
+                      <a:prstDash val="solid"/>
+                      <a:round/>
+                      <a:headEnd type="none" w="med" len="med"/>
+                      <a:tailEnd type="none" w="med" len="med"/>
+                    </a:lnR>
+                    <a:lnT w="12700" cap="flat" cmpd="sng" algn="ctr">
+                      <a:solidFill>
+                        <a:schemeClr val="bg2">
+                          <a:lumMod val="10000"/>
+                        </a:schemeClr>
+                      </a:solidFill>
+                      <a:prstDash val="solid"/>
+                      <a:round/>
+                      <a:headEnd type="none" w="med" len="med"/>
+                      <a:tailEnd type="none" w="med" len="med"/>
+                    </a:lnT>
+                    <a:lnB w="12700" cap="flat" cmpd="sng" algn="ctr">
+                      <a:solidFill>
+                        <a:schemeClr val="bg2">
+                          <a:lumMod val="10000"/>
+                        </a:schemeClr>
+                      </a:solidFill>
+                      <a:prstDash val="solid"/>
+                      <a:round/>
+                      <a:headEnd type="none" w="med" len="med"/>
+                      <a:tailEnd type="none" w="med" len="med"/>
+                    </a:lnB>
+                    <a:solidFill>
+                      <a:schemeClr val="bg1">
+                        <a:lumMod val="95000"/>
+                      </a:schemeClr>
+                    </a:solidFill>
+                  </a:tcPr>
                 </a:tc>
                 <a:tc>
                   <a:txBody>
@@ -26493,22 +27214,74 @@
                     <a:p>
                       <a:pPr algn="ctr" latinLnBrk="1"/>
                       <a:r>
-                        <a:rPr lang="en-US" altLang="ko-KR" dirty="0">
-                          <a:latin typeface="경기천년제목 Light" panose="02020403020101020101" pitchFamily="18" charset="-127"/>
+                        <a:rPr lang="en-US" altLang="ko-KR" sz="1600" b="1" dirty="0">
+                          <a:latin typeface="Arial" panose="020B0604020202020204" pitchFamily="34" charset="0"/>
                           <a:ea typeface="경기천년제목 Light" panose="02020403020101020101" pitchFamily="18" charset="-127"/>
+                          <a:cs typeface="Arial" panose="020B0604020202020204" pitchFamily="34" charset="0"/>
                         </a:rPr>
                         <a:t>10</a:t>
                       </a:r>
                       <a:r>
-                        <a:rPr lang="ko-KR" altLang="en-US" dirty="0">
-                          <a:latin typeface="경기천년제목 Light" panose="02020403020101020101" pitchFamily="18" charset="-127"/>
+                        <a:rPr lang="ko-KR" altLang="en-US" sz="1600" b="1" dirty="0">
+                          <a:latin typeface="Arial" panose="020B0604020202020204" pitchFamily="34" charset="0"/>
                           <a:ea typeface="경기천년제목 Light" panose="02020403020101020101" pitchFamily="18" charset="-127"/>
+                          <a:cs typeface="Arial" panose="020B0604020202020204" pitchFamily="34" charset="0"/>
                         </a:rPr>
                         <a:t>분</a:t>
                       </a:r>
                     </a:p>
                   </a:txBody>
-                  <a:tcPr/>
+                  <a:tcPr>
+                    <a:lnL w="12700" cap="flat" cmpd="sng" algn="ctr">
+                      <a:solidFill>
+                        <a:schemeClr val="bg2">
+                          <a:lumMod val="10000"/>
+                        </a:schemeClr>
+                      </a:solidFill>
+                      <a:prstDash val="solid"/>
+                      <a:round/>
+                      <a:headEnd type="none" w="med" len="med"/>
+                      <a:tailEnd type="none" w="med" len="med"/>
+                    </a:lnL>
+                    <a:lnR w="12700" cap="flat" cmpd="sng" algn="ctr">
+                      <a:solidFill>
+                        <a:schemeClr val="bg2">
+                          <a:lumMod val="10000"/>
+                        </a:schemeClr>
+                      </a:solidFill>
+                      <a:prstDash val="solid"/>
+                      <a:round/>
+                      <a:headEnd type="none" w="med" len="med"/>
+                      <a:tailEnd type="none" w="med" len="med"/>
+                    </a:lnR>
+                    <a:lnT w="12700" cap="flat" cmpd="sng" algn="ctr">
+                      <a:solidFill>
+                        <a:schemeClr val="bg2">
+                          <a:lumMod val="10000"/>
+                        </a:schemeClr>
+                      </a:solidFill>
+                      <a:prstDash val="solid"/>
+                      <a:round/>
+                      <a:headEnd type="none" w="med" len="med"/>
+                      <a:tailEnd type="none" w="med" len="med"/>
+                    </a:lnT>
+                    <a:lnB w="12700" cap="flat" cmpd="sng" algn="ctr">
+                      <a:solidFill>
+                        <a:schemeClr val="bg2">
+                          <a:lumMod val="10000"/>
+                        </a:schemeClr>
+                      </a:solidFill>
+                      <a:prstDash val="solid"/>
+                      <a:round/>
+                      <a:headEnd type="none" w="med" len="med"/>
+                      <a:tailEnd type="none" w="med" len="med"/>
+                    </a:lnB>
+                    <a:solidFill>
+                      <a:schemeClr val="bg1">
+                        <a:lumMod val="95000"/>
+                      </a:schemeClr>
+                    </a:solidFill>
+                  </a:tcPr>
                 </a:tc>
                 <a:extLst>
                   <a:ext uri="{0D108BD9-81ED-4DB2-BD59-A6C34878D82A}">
@@ -26524,15 +27297,66 @@
                     <a:p>
                       <a:pPr algn="l" latinLnBrk="1"/>
                       <a:r>
-                        <a:rPr lang="ko-KR" altLang="en-US" dirty="0">
-                          <a:latin typeface="경기천년제목 Light" panose="02020403020101020101" pitchFamily="18" charset="-127"/>
+                        <a:rPr lang="ko-KR" altLang="en-US" sz="1600" b="1" dirty="0">
+                          <a:latin typeface="Arial" panose="020B0604020202020204" pitchFamily="34" charset="0"/>
                           <a:ea typeface="경기천년제목 Light" panose="02020403020101020101" pitchFamily="18" charset="-127"/>
+                          <a:cs typeface="Arial" panose="020B0604020202020204" pitchFamily="34" charset="0"/>
                         </a:rPr>
                         <a:t>합의 알고리즘 수행 빈도</a:t>
                       </a:r>
                     </a:p>
                   </a:txBody>
-                  <a:tcPr/>
+                  <a:tcPr>
+                    <a:lnL w="12700" cap="flat" cmpd="sng" algn="ctr">
+                      <a:solidFill>
+                        <a:schemeClr val="bg2">
+                          <a:lumMod val="10000"/>
+                        </a:schemeClr>
+                      </a:solidFill>
+                      <a:prstDash val="solid"/>
+                      <a:round/>
+                      <a:headEnd type="none" w="med" len="med"/>
+                      <a:tailEnd type="none" w="med" len="med"/>
+                    </a:lnL>
+                    <a:lnR w="12700" cap="flat" cmpd="sng" algn="ctr">
+                      <a:solidFill>
+                        <a:schemeClr val="bg2">
+                          <a:lumMod val="10000"/>
+                        </a:schemeClr>
+                      </a:solidFill>
+                      <a:prstDash val="solid"/>
+                      <a:round/>
+                      <a:headEnd type="none" w="med" len="med"/>
+                      <a:tailEnd type="none" w="med" len="med"/>
+                    </a:lnR>
+                    <a:lnT w="12700" cap="flat" cmpd="sng" algn="ctr">
+                      <a:solidFill>
+                        <a:schemeClr val="bg2">
+                          <a:lumMod val="10000"/>
+                        </a:schemeClr>
+                      </a:solidFill>
+                      <a:prstDash val="solid"/>
+                      <a:round/>
+                      <a:headEnd type="none" w="med" len="med"/>
+                      <a:tailEnd type="none" w="med" len="med"/>
+                    </a:lnT>
+                    <a:lnB w="12700" cap="flat" cmpd="sng" algn="ctr">
+                      <a:solidFill>
+                        <a:schemeClr val="bg2">
+                          <a:lumMod val="10000"/>
+                        </a:schemeClr>
+                      </a:solidFill>
+                      <a:prstDash val="solid"/>
+                      <a:round/>
+                      <a:headEnd type="none" w="med" len="med"/>
+                      <a:tailEnd type="none" w="med" len="med"/>
+                    </a:lnB>
+                    <a:solidFill>
+                      <a:schemeClr val="bg1">
+                        <a:lumMod val="95000"/>
+                      </a:schemeClr>
+                    </a:solidFill>
+                  </a:tcPr>
                 </a:tc>
                 <a:tc>
                   <a:txBody>
@@ -26541,22 +27365,74 @@
                     <a:p>
                       <a:pPr algn="ctr" latinLnBrk="1"/>
                       <a:r>
-                        <a:rPr lang="en-US" altLang="ko-KR" dirty="0">
-                          <a:latin typeface="경기천년제목 Light" panose="02020403020101020101" pitchFamily="18" charset="-127"/>
+                        <a:rPr lang="en-US" altLang="ko-KR" sz="1600" b="1" dirty="0">
+                          <a:latin typeface="Arial" panose="020B0604020202020204" pitchFamily="34" charset="0"/>
                           <a:ea typeface="경기천년제목 Light" panose="02020403020101020101" pitchFamily="18" charset="-127"/>
+                          <a:cs typeface="Arial" panose="020B0604020202020204" pitchFamily="34" charset="0"/>
                         </a:rPr>
                         <a:t>10</a:t>
                       </a:r>
                       <a:r>
-                        <a:rPr lang="ko-KR" altLang="en-US" dirty="0">
-                          <a:latin typeface="경기천년제목 Light" panose="02020403020101020101" pitchFamily="18" charset="-127"/>
+                        <a:rPr lang="ko-KR" altLang="en-US" sz="1600" b="1" dirty="0">
+                          <a:latin typeface="Arial" panose="020B0604020202020204" pitchFamily="34" charset="0"/>
                           <a:ea typeface="경기천년제목 Light" panose="02020403020101020101" pitchFamily="18" charset="-127"/>
+                          <a:cs typeface="Arial" panose="020B0604020202020204" pitchFamily="34" charset="0"/>
                         </a:rPr>
                         <a:t>분</a:t>
                       </a:r>
                     </a:p>
                   </a:txBody>
-                  <a:tcPr/>
+                  <a:tcPr>
+                    <a:lnL w="12700" cap="flat" cmpd="sng" algn="ctr">
+                      <a:solidFill>
+                        <a:schemeClr val="bg2">
+                          <a:lumMod val="10000"/>
+                        </a:schemeClr>
+                      </a:solidFill>
+                      <a:prstDash val="solid"/>
+                      <a:round/>
+                      <a:headEnd type="none" w="med" len="med"/>
+                      <a:tailEnd type="none" w="med" len="med"/>
+                    </a:lnL>
+                    <a:lnR w="12700" cap="flat" cmpd="sng" algn="ctr">
+                      <a:solidFill>
+                        <a:schemeClr val="bg2">
+                          <a:lumMod val="10000"/>
+                        </a:schemeClr>
+                      </a:solidFill>
+                      <a:prstDash val="solid"/>
+                      <a:round/>
+                      <a:headEnd type="none" w="med" len="med"/>
+                      <a:tailEnd type="none" w="med" len="med"/>
+                    </a:lnR>
+                    <a:lnT w="12700" cap="flat" cmpd="sng" algn="ctr">
+                      <a:solidFill>
+                        <a:schemeClr val="bg2">
+                          <a:lumMod val="10000"/>
+                        </a:schemeClr>
+                      </a:solidFill>
+                      <a:prstDash val="solid"/>
+                      <a:round/>
+                      <a:headEnd type="none" w="med" len="med"/>
+                      <a:tailEnd type="none" w="med" len="med"/>
+                    </a:lnT>
+                    <a:lnB w="12700" cap="flat" cmpd="sng" algn="ctr">
+                      <a:solidFill>
+                        <a:schemeClr val="bg2">
+                          <a:lumMod val="10000"/>
+                        </a:schemeClr>
+                      </a:solidFill>
+                      <a:prstDash val="solid"/>
+                      <a:round/>
+                      <a:headEnd type="none" w="med" len="med"/>
+                      <a:tailEnd type="none" w="med" len="med"/>
+                    </a:lnB>
+                    <a:solidFill>
+                      <a:schemeClr val="bg1">
+                        <a:lumMod val="95000"/>
+                      </a:schemeClr>
+                    </a:solidFill>
+                  </a:tcPr>
                 </a:tc>
                 <a:extLst>
                   <a:ext uri="{0D108BD9-81ED-4DB2-BD59-A6C34878D82A}">
@@ -26568,6 +27444,66 @@
           </a:graphicData>
         </a:graphic>
       </p:graphicFrame>
+      <p:pic>
+        <p:nvPicPr>
+          <p:cNvPr id="10" name="그림 9">
+            <a:extLst>
+              <a:ext uri="{FF2B5EF4-FFF2-40B4-BE49-F238E27FC236}">
+                <a16:creationId xmlns:a16="http://schemas.microsoft.com/office/drawing/2014/main" id="{E5CCADB4-E890-5559-77D5-596AD0848AC6}"/>
+              </a:ext>
+            </a:extLst>
+          </p:cNvPr>
+          <p:cNvPicPr>
+            <a:picLocks noChangeAspect="1"/>
+          </p:cNvPicPr>
+          <p:nvPr/>
+        </p:nvPicPr>
+        <p:blipFill>
+          <a:blip r:embed="rId5"/>
+          <a:stretch>
+            <a:fillRect/>
+          </a:stretch>
+        </p:blipFill>
+        <p:spPr>
+          <a:xfrm>
+            <a:off x="2423600" y="1618997"/>
+            <a:ext cx="7344800" cy="3620005"/>
+          </a:xfrm>
+          <a:prstGeom prst="rect">
+            <a:avLst/>
+          </a:prstGeom>
+        </p:spPr>
+      </p:pic>
+      <p:pic>
+        <p:nvPicPr>
+          <p:cNvPr id="12" name="그림 11">
+            <a:extLst>
+              <a:ext uri="{FF2B5EF4-FFF2-40B4-BE49-F238E27FC236}">
+                <a16:creationId xmlns:a16="http://schemas.microsoft.com/office/drawing/2014/main" id="{60898DDD-5632-9839-09E2-9F304854E3CF}"/>
+              </a:ext>
+            </a:extLst>
+          </p:cNvPr>
+          <p:cNvPicPr>
+            <a:picLocks noChangeAspect="1"/>
+          </p:cNvPicPr>
+          <p:nvPr/>
+        </p:nvPicPr>
+        <p:blipFill>
+          <a:blip r:embed="rId6"/>
+          <a:stretch>
+            <a:fillRect/>
+          </a:stretch>
+        </p:blipFill>
+        <p:spPr>
+          <a:xfrm>
+            <a:off x="0" y="2247122"/>
+            <a:ext cx="12192000" cy="2363755"/>
+          </a:xfrm>
+          <a:prstGeom prst="rect">
+            <a:avLst/>
+          </a:prstGeom>
+        </p:spPr>
+      </p:pic>
     </p:spTree>
     <p:extLst>
       <p:ext uri="{BB962C8B-B14F-4D97-AF65-F5344CB8AC3E}">
